--- a/ppts/Hidayatun Nahw 60 القسم الثاني،.pptx
+++ b/ppts/Hidayatun Nahw 60 القسم الثاني،.pptx
@@ -5,10 +5,10 @@
     <p:sldMasterId id="2147483660" r:id="rId1"/>
   </p:sldMasterIdLst>
   <p:notesMasterIdLst>
-    <p:notesMasterId r:id="rId17"/>
+    <p:notesMasterId r:id="rId16"/>
   </p:notesMasterIdLst>
   <p:handoutMasterIdLst>
-    <p:handoutMasterId r:id="rId18"/>
+    <p:handoutMasterId r:id="rId17"/>
   </p:handoutMasterIdLst>
   <p:sldIdLst>
     <p:sldId id="357" r:id="rId2"/>
@@ -19,13 +19,12 @@
     <p:sldId id="581" r:id="rId7"/>
     <p:sldId id="579" r:id="rId8"/>
     <p:sldId id="586" r:id="rId9"/>
-    <p:sldId id="587" r:id="rId10"/>
-    <p:sldId id="582" r:id="rId11"/>
-    <p:sldId id="583" r:id="rId12"/>
-    <p:sldId id="584" r:id="rId13"/>
-    <p:sldId id="585" r:id="rId14"/>
-    <p:sldId id="522" r:id="rId15"/>
-    <p:sldId id="507" r:id="rId16"/>
+    <p:sldId id="582" r:id="rId10"/>
+    <p:sldId id="583" r:id="rId11"/>
+    <p:sldId id="584" r:id="rId12"/>
+    <p:sldId id="585" r:id="rId13"/>
+    <p:sldId id="522" r:id="rId14"/>
+    <p:sldId id="507" r:id="rId15"/>
   </p:sldIdLst>
   <p:sldSz cx="9144000" cy="5143500" type="screen16x9"/>
   <p:notesSz cx="6797675" cy="9926638"/>
@@ -137,7 +136,6 @@
             <p14:sldId id="581"/>
             <p14:sldId id="579"/>
             <p14:sldId id="586"/>
-            <p14:sldId id="587"/>
             <p14:sldId id="582"/>
             <p14:sldId id="583"/>
             <p14:sldId id="584"/>
@@ -190,6 +188,3459 @@
 </p:presentation>
 </file>
 
+<file path=ppt/diagrams/colors1.xml><?xml version="1.0" encoding="utf-8"?>
+<dgm:colorsDef xmlns:dgm="http://schemas.openxmlformats.org/drawingml/2006/diagram" xmlns:a="http://schemas.openxmlformats.org/drawingml/2006/main" uniqueId="urn:microsoft.com/office/officeart/2005/8/colors/colorful1">
+  <dgm:title val=""/>
+  <dgm:desc val=""/>
+  <dgm:catLst>
+    <dgm:cat type="colorful" pri="10100"/>
+  </dgm:catLst>
+  <dgm:styleLbl name="node0">
+    <dgm:fillClrLst meth="repeat">
+      <a:schemeClr val="accent1"/>
+    </dgm:fillClrLst>
+    <dgm:linClrLst meth="repeat">
+      <a:schemeClr val="lt1"/>
+    </dgm:linClrLst>
+    <dgm:effectClrLst/>
+    <dgm:txLinClrLst/>
+    <dgm:txFillClrLst/>
+    <dgm:txEffectClrLst/>
+  </dgm:styleLbl>
+  <dgm:styleLbl name="node1">
+    <dgm:fillClrLst meth="repeat">
+      <a:schemeClr val="accent2"/>
+      <a:schemeClr val="accent3"/>
+      <a:schemeClr val="accent4"/>
+      <a:schemeClr val="accent5"/>
+      <a:schemeClr val="accent6"/>
+    </dgm:fillClrLst>
+    <dgm:linClrLst meth="repeat">
+      <a:schemeClr val="lt1"/>
+    </dgm:linClrLst>
+    <dgm:effectClrLst/>
+    <dgm:txLinClrLst/>
+    <dgm:txFillClrLst/>
+    <dgm:txEffectClrLst/>
+  </dgm:styleLbl>
+  <dgm:styleLbl name="alignNode1">
+    <dgm:fillClrLst meth="repeat">
+      <a:schemeClr val="accent2"/>
+      <a:schemeClr val="accent3"/>
+      <a:schemeClr val="accent4"/>
+      <a:schemeClr val="accent5"/>
+      <a:schemeClr val="accent6"/>
+    </dgm:fillClrLst>
+    <dgm:linClrLst meth="repeat">
+      <a:schemeClr val="accent2"/>
+      <a:schemeClr val="accent3"/>
+      <a:schemeClr val="accent4"/>
+      <a:schemeClr val="accent5"/>
+      <a:schemeClr val="accent6"/>
+    </dgm:linClrLst>
+    <dgm:effectClrLst/>
+    <dgm:txLinClrLst/>
+    <dgm:txFillClrLst/>
+    <dgm:txEffectClrLst/>
+  </dgm:styleLbl>
+  <dgm:styleLbl name="lnNode1">
+    <dgm:fillClrLst meth="repeat">
+      <a:schemeClr val="accent2"/>
+      <a:schemeClr val="accent3"/>
+      <a:schemeClr val="accent4"/>
+      <a:schemeClr val="accent5"/>
+      <a:schemeClr val="accent6"/>
+    </dgm:fillClrLst>
+    <dgm:linClrLst meth="repeat">
+      <a:schemeClr val="lt1"/>
+    </dgm:linClrLst>
+    <dgm:effectClrLst/>
+    <dgm:txLinClrLst/>
+    <dgm:txFillClrLst/>
+    <dgm:txEffectClrLst/>
+  </dgm:styleLbl>
+  <dgm:styleLbl name="vennNode1">
+    <dgm:fillClrLst meth="repeat">
+      <a:schemeClr val="accent2">
+        <a:alpha val="50000"/>
+      </a:schemeClr>
+      <a:schemeClr val="accent3">
+        <a:alpha val="50000"/>
+      </a:schemeClr>
+      <a:schemeClr val="accent4">
+        <a:alpha val="50000"/>
+      </a:schemeClr>
+      <a:schemeClr val="accent5">
+        <a:alpha val="50000"/>
+      </a:schemeClr>
+      <a:schemeClr val="accent6">
+        <a:alpha val="50000"/>
+      </a:schemeClr>
+    </dgm:fillClrLst>
+    <dgm:linClrLst meth="repeat">
+      <a:schemeClr val="lt1"/>
+    </dgm:linClrLst>
+    <dgm:effectClrLst/>
+    <dgm:txLinClrLst/>
+    <dgm:txFillClrLst/>
+    <dgm:txEffectClrLst/>
+  </dgm:styleLbl>
+  <dgm:styleLbl name="node2">
+    <dgm:fillClrLst>
+      <a:schemeClr val="accent2"/>
+    </dgm:fillClrLst>
+    <dgm:linClrLst meth="repeat">
+      <a:schemeClr val="lt1"/>
+    </dgm:linClrLst>
+    <dgm:effectClrLst/>
+    <dgm:txLinClrLst/>
+    <dgm:txFillClrLst/>
+    <dgm:txEffectClrLst/>
+  </dgm:styleLbl>
+  <dgm:styleLbl name="node3">
+    <dgm:fillClrLst>
+      <a:schemeClr val="accent3"/>
+    </dgm:fillClrLst>
+    <dgm:linClrLst meth="repeat">
+      <a:schemeClr val="lt1"/>
+    </dgm:linClrLst>
+    <dgm:effectClrLst/>
+    <dgm:txLinClrLst/>
+    <dgm:txFillClrLst/>
+    <dgm:txEffectClrLst/>
+  </dgm:styleLbl>
+  <dgm:styleLbl name="node4">
+    <dgm:fillClrLst>
+      <a:schemeClr val="accent4"/>
+    </dgm:fillClrLst>
+    <dgm:linClrLst meth="repeat">
+      <a:schemeClr val="lt1"/>
+    </dgm:linClrLst>
+    <dgm:effectClrLst/>
+    <dgm:txLinClrLst/>
+    <dgm:txFillClrLst/>
+    <dgm:txEffectClrLst/>
+  </dgm:styleLbl>
+  <dgm:styleLbl name="fgImgPlace1">
+    <dgm:fillClrLst meth="repeat">
+      <a:schemeClr val="accent2">
+        <a:tint val="50000"/>
+      </a:schemeClr>
+      <a:schemeClr val="accent3">
+        <a:tint val="50000"/>
+      </a:schemeClr>
+      <a:schemeClr val="accent4">
+        <a:tint val="50000"/>
+      </a:schemeClr>
+      <a:schemeClr val="accent5">
+        <a:tint val="50000"/>
+      </a:schemeClr>
+      <a:schemeClr val="accent6">
+        <a:tint val="50000"/>
+      </a:schemeClr>
+    </dgm:fillClrLst>
+    <dgm:linClrLst meth="repeat">
+      <a:schemeClr val="lt1"/>
+    </dgm:linClrLst>
+    <dgm:effectClrLst/>
+    <dgm:txLinClrLst/>
+    <dgm:txFillClrLst meth="repeat">
+      <a:schemeClr val="lt1"/>
+    </dgm:txFillClrLst>
+    <dgm:txEffectClrLst/>
+  </dgm:styleLbl>
+  <dgm:styleLbl name="alignImgPlace1">
+    <dgm:fillClrLst>
+      <a:schemeClr val="accent1">
+        <a:tint val="50000"/>
+      </a:schemeClr>
+      <a:schemeClr val="accent2">
+        <a:tint val="20000"/>
+      </a:schemeClr>
+    </dgm:fillClrLst>
+    <dgm:linClrLst meth="repeat">
+      <a:schemeClr val="lt1"/>
+    </dgm:linClrLst>
+    <dgm:effectClrLst/>
+    <dgm:txLinClrLst/>
+    <dgm:txFillClrLst meth="repeat">
+      <a:schemeClr val="lt1"/>
+    </dgm:txFillClrLst>
+    <dgm:txEffectClrLst/>
+  </dgm:styleLbl>
+  <dgm:styleLbl name="bgImgPlace1">
+    <dgm:fillClrLst>
+      <a:schemeClr val="accent1">
+        <a:tint val="50000"/>
+      </a:schemeClr>
+      <a:schemeClr val="accent2">
+        <a:tint val="20000"/>
+      </a:schemeClr>
+    </dgm:fillClrLst>
+    <dgm:linClrLst meth="repeat">
+      <a:schemeClr val="lt1"/>
+    </dgm:linClrLst>
+    <dgm:effectClrLst/>
+    <dgm:txLinClrLst/>
+    <dgm:txFillClrLst meth="repeat">
+      <a:schemeClr val="lt1"/>
+    </dgm:txFillClrLst>
+    <dgm:txEffectClrLst/>
+  </dgm:styleLbl>
+  <dgm:styleLbl name="sibTrans2D1">
+    <dgm:fillClrLst meth="repeat">
+      <a:schemeClr val="accent2"/>
+      <a:schemeClr val="accent3"/>
+      <a:schemeClr val="accent4"/>
+      <a:schemeClr val="accent5"/>
+      <a:schemeClr val="accent6"/>
+    </dgm:fillClrLst>
+    <dgm:linClrLst meth="cycle">
+      <a:schemeClr val="lt1"/>
+    </dgm:linClrLst>
+    <dgm:effectClrLst/>
+    <dgm:txLinClrLst/>
+    <dgm:txFillClrLst/>
+    <dgm:txEffectClrLst/>
+  </dgm:styleLbl>
+  <dgm:styleLbl name="fgSibTrans2D1">
+    <dgm:fillClrLst meth="repeat">
+      <a:schemeClr val="accent2"/>
+      <a:schemeClr val="accent3"/>
+      <a:schemeClr val="accent4"/>
+      <a:schemeClr val="accent5"/>
+      <a:schemeClr val="accent6"/>
+    </dgm:fillClrLst>
+    <dgm:linClrLst meth="cycle">
+      <a:schemeClr val="lt1"/>
+    </dgm:linClrLst>
+    <dgm:effectClrLst/>
+    <dgm:txLinClrLst/>
+    <dgm:txFillClrLst meth="repeat">
+      <a:schemeClr val="lt1"/>
+    </dgm:txFillClrLst>
+    <dgm:txEffectClrLst/>
+  </dgm:styleLbl>
+  <dgm:styleLbl name="bgSibTrans2D1">
+    <dgm:fillClrLst meth="repeat">
+      <a:schemeClr val="accent2"/>
+      <a:schemeClr val="accent3"/>
+      <a:schemeClr val="accent4"/>
+      <a:schemeClr val="accent5"/>
+      <a:schemeClr val="accent6"/>
+    </dgm:fillClrLst>
+    <dgm:linClrLst meth="cycle">
+      <a:schemeClr val="lt1"/>
+    </dgm:linClrLst>
+    <dgm:effectClrLst/>
+    <dgm:txLinClrLst/>
+    <dgm:txFillClrLst meth="repeat">
+      <a:schemeClr val="lt1"/>
+    </dgm:txFillClrLst>
+    <dgm:txEffectClrLst/>
+  </dgm:styleLbl>
+  <dgm:styleLbl name="sibTrans1D1">
+    <dgm:fillClrLst meth="repeat">
+      <a:schemeClr val="accent2"/>
+      <a:schemeClr val="accent3"/>
+      <a:schemeClr val="accent4"/>
+      <a:schemeClr val="accent5"/>
+      <a:schemeClr val="accent6"/>
+    </dgm:fillClrLst>
+    <dgm:linClrLst meth="repeat">
+      <a:schemeClr val="accent2"/>
+      <a:schemeClr val="accent3"/>
+      <a:schemeClr val="accent4"/>
+      <a:schemeClr val="accent5"/>
+      <a:schemeClr val="accent6"/>
+    </dgm:linClrLst>
+    <dgm:effectClrLst/>
+    <dgm:txLinClrLst/>
+    <dgm:txFillClrLst meth="repeat">
+      <a:schemeClr val="tx1"/>
+    </dgm:txFillClrLst>
+    <dgm:txEffectClrLst/>
+  </dgm:styleLbl>
+  <dgm:styleLbl name="callout">
+    <dgm:fillClrLst meth="repeat">
+      <a:schemeClr val="accent2"/>
+    </dgm:fillClrLst>
+    <dgm:linClrLst meth="repeat">
+      <a:schemeClr val="accent2">
+        <a:tint val="50000"/>
+      </a:schemeClr>
+    </dgm:linClrLst>
+    <dgm:effectClrLst/>
+    <dgm:txLinClrLst/>
+    <dgm:txFillClrLst meth="repeat">
+      <a:schemeClr val="tx1"/>
+    </dgm:txFillClrLst>
+    <dgm:txEffectClrLst/>
+  </dgm:styleLbl>
+  <dgm:styleLbl name="asst0">
+    <dgm:fillClrLst meth="repeat">
+      <a:schemeClr val="accent1"/>
+    </dgm:fillClrLst>
+    <dgm:linClrLst meth="repeat">
+      <a:schemeClr val="lt1"/>
+    </dgm:linClrLst>
+    <dgm:effectClrLst/>
+    <dgm:txLinClrLst/>
+    <dgm:txFillClrLst/>
+    <dgm:txEffectClrLst/>
+  </dgm:styleLbl>
+  <dgm:styleLbl name="asst1">
+    <dgm:fillClrLst meth="repeat">
+      <a:schemeClr val="accent2"/>
+    </dgm:fillClrLst>
+    <dgm:linClrLst meth="repeat">
+      <a:schemeClr val="lt1"/>
+    </dgm:linClrLst>
+    <dgm:effectClrLst/>
+    <dgm:txLinClrLst/>
+    <dgm:txFillClrLst/>
+    <dgm:txEffectClrLst/>
+  </dgm:styleLbl>
+  <dgm:styleLbl name="asst2">
+    <dgm:fillClrLst>
+      <a:schemeClr val="accent3"/>
+    </dgm:fillClrLst>
+    <dgm:linClrLst meth="repeat">
+      <a:schemeClr val="lt1"/>
+    </dgm:linClrLst>
+    <dgm:effectClrLst/>
+    <dgm:txLinClrLst/>
+    <dgm:txFillClrLst/>
+    <dgm:txEffectClrLst/>
+  </dgm:styleLbl>
+  <dgm:styleLbl name="asst3">
+    <dgm:fillClrLst>
+      <a:schemeClr val="accent4"/>
+    </dgm:fillClrLst>
+    <dgm:linClrLst meth="repeat">
+      <a:schemeClr val="lt1"/>
+    </dgm:linClrLst>
+    <dgm:effectClrLst/>
+    <dgm:txLinClrLst/>
+    <dgm:txFillClrLst/>
+    <dgm:txEffectClrLst/>
+  </dgm:styleLbl>
+  <dgm:styleLbl name="asst4">
+    <dgm:fillClrLst>
+      <a:schemeClr val="accent5"/>
+    </dgm:fillClrLst>
+    <dgm:linClrLst meth="repeat">
+      <a:schemeClr val="lt1"/>
+    </dgm:linClrLst>
+    <dgm:effectClrLst/>
+    <dgm:txLinClrLst/>
+    <dgm:txFillClrLst/>
+    <dgm:txEffectClrLst/>
+  </dgm:styleLbl>
+  <dgm:styleLbl name="parChTrans2D1">
+    <dgm:fillClrLst meth="repeat">
+      <a:schemeClr val="accent2"/>
+    </dgm:fillClrLst>
+    <dgm:linClrLst meth="repeat">
+      <a:schemeClr val="lt1"/>
+    </dgm:linClrLst>
+    <dgm:effectClrLst/>
+    <dgm:txLinClrLst/>
+    <dgm:txFillClrLst meth="repeat">
+      <a:schemeClr val="lt1"/>
+    </dgm:txFillClrLst>
+    <dgm:txEffectClrLst/>
+  </dgm:styleLbl>
+  <dgm:styleLbl name="parChTrans2D2">
+    <dgm:fillClrLst meth="repeat">
+      <a:schemeClr val="accent3"/>
+    </dgm:fillClrLst>
+    <dgm:linClrLst meth="repeat">
+      <a:schemeClr val="lt1"/>
+    </dgm:linClrLst>
+    <dgm:effectClrLst/>
+    <dgm:txLinClrLst/>
+    <dgm:txFillClrLst/>
+    <dgm:txEffectClrLst/>
+  </dgm:styleLbl>
+  <dgm:styleLbl name="parChTrans2D3">
+    <dgm:fillClrLst meth="repeat">
+      <a:schemeClr val="accent4"/>
+    </dgm:fillClrLst>
+    <dgm:linClrLst meth="repeat">
+      <a:schemeClr val="lt1"/>
+    </dgm:linClrLst>
+    <dgm:effectClrLst/>
+    <dgm:txLinClrLst/>
+    <dgm:txFillClrLst/>
+    <dgm:txEffectClrLst/>
+  </dgm:styleLbl>
+  <dgm:styleLbl name="parChTrans2D4">
+    <dgm:fillClrLst meth="repeat">
+      <a:schemeClr val="accent5"/>
+    </dgm:fillClrLst>
+    <dgm:linClrLst meth="repeat">
+      <a:schemeClr val="lt1"/>
+    </dgm:linClrLst>
+    <dgm:effectClrLst/>
+    <dgm:txLinClrLst/>
+    <dgm:txFillClrLst meth="repeat">
+      <a:schemeClr val="lt1"/>
+    </dgm:txFillClrLst>
+    <dgm:txEffectClrLst/>
+  </dgm:styleLbl>
+  <dgm:styleLbl name="parChTrans1D1">
+    <dgm:fillClrLst meth="repeat">
+      <a:schemeClr val="accent2"/>
+    </dgm:fillClrLst>
+    <dgm:linClrLst meth="repeat">
+      <a:schemeClr val="accent1"/>
+    </dgm:linClrLst>
+    <dgm:effectClrLst/>
+    <dgm:txLinClrLst/>
+    <dgm:txFillClrLst meth="repeat">
+      <a:schemeClr val="tx1"/>
+    </dgm:txFillClrLst>
+    <dgm:txEffectClrLst/>
+  </dgm:styleLbl>
+  <dgm:styleLbl name="parChTrans1D2">
+    <dgm:fillClrLst meth="repeat">
+      <a:schemeClr val="accent3">
+        <a:tint val="90000"/>
+      </a:schemeClr>
+    </dgm:fillClrLst>
+    <dgm:linClrLst meth="repeat">
+      <a:schemeClr val="accent2"/>
+    </dgm:linClrLst>
+    <dgm:effectClrLst/>
+    <dgm:txLinClrLst/>
+    <dgm:txFillClrLst meth="repeat">
+      <a:schemeClr val="tx1"/>
+    </dgm:txFillClrLst>
+    <dgm:txEffectClrLst/>
+  </dgm:styleLbl>
+  <dgm:styleLbl name="parChTrans1D3">
+    <dgm:fillClrLst meth="repeat">
+      <a:schemeClr val="accent4">
+        <a:tint val="70000"/>
+      </a:schemeClr>
+    </dgm:fillClrLst>
+    <dgm:linClrLst meth="repeat">
+      <a:schemeClr val="accent3"/>
+    </dgm:linClrLst>
+    <dgm:effectClrLst/>
+    <dgm:txLinClrLst/>
+    <dgm:txFillClrLst meth="repeat">
+      <a:schemeClr val="tx1"/>
+    </dgm:txFillClrLst>
+    <dgm:txEffectClrLst/>
+  </dgm:styleLbl>
+  <dgm:styleLbl name="parChTrans1D4">
+    <dgm:fillClrLst meth="repeat">
+      <a:schemeClr val="accent5">
+        <a:tint val="50000"/>
+      </a:schemeClr>
+    </dgm:fillClrLst>
+    <dgm:linClrLst meth="repeat">
+      <a:schemeClr val="accent4"/>
+    </dgm:linClrLst>
+    <dgm:effectClrLst/>
+    <dgm:txLinClrLst/>
+    <dgm:txFillClrLst meth="repeat">
+      <a:schemeClr val="tx1"/>
+    </dgm:txFillClrLst>
+    <dgm:txEffectClrLst/>
+  </dgm:styleLbl>
+  <dgm:styleLbl name="fgAcc1">
+    <dgm:fillClrLst meth="repeat">
+      <a:schemeClr val="lt1">
+        <a:alpha val="90000"/>
+      </a:schemeClr>
+    </dgm:fillClrLst>
+    <dgm:linClrLst meth="repeat">
+      <a:schemeClr val="accent2"/>
+      <a:schemeClr val="accent3"/>
+      <a:schemeClr val="accent4"/>
+      <a:schemeClr val="accent5"/>
+      <a:schemeClr val="accent6"/>
+    </dgm:linClrLst>
+    <dgm:effectClrLst/>
+    <dgm:txLinClrLst/>
+    <dgm:txFillClrLst meth="repeat">
+      <a:schemeClr val="dk1"/>
+    </dgm:txFillClrLst>
+    <dgm:txEffectClrLst/>
+  </dgm:styleLbl>
+  <dgm:styleLbl name="conFgAcc1">
+    <dgm:fillClrLst meth="repeat">
+      <a:schemeClr val="lt1">
+        <a:alpha val="90000"/>
+      </a:schemeClr>
+    </dgm:fillClrLst>
+    <dgm:linClrLst meth="repeat">
+      <a:schemeClr val="accent2"/>
+      <a:schemeClr val="accent3"/>
+      <a:schemeClr val="accent4"/>
+      <a:schemeClr val="accent5"/>
+      <a:schemeClr val="accent6"/>
+    </dgm:linClrLst>
+    <dgm:effectClrLst/>
+    <dgm:txLinClrLst/>
+    <dgm:txFillClrLst meth="repeat">
+      <a:schemeClr val="dk1"/>
+    </dgm:txFillClrLst>
+    <dgm:txEffectClrLst/>
+  </dgm:styleLbl>
+  <dgm:styleLbl name="alignAcc1">
+    <dgm:fillClrLst meth="repeat">
+      <a:schemeClr val="lt1">
+        <a:alpha val="90000"/>
+      </a:schemeClr>
+    </dgm:fillClrLst>
+    <dgm:linClrLst meth="repeat">
+      <a:schemeClr val="accent2"/>
+      <a:schemeClr val="accent3"/>
+      <a:schemeClr val="accent4"/>
+      <a:schemeClr val="accent5"/>
+      <a:schemeClr val="accent6"/>
+    </dgm:linClrLst>
+    <dgm:effectClrLst/>
+    <dgm:txLinClrLst/>
+    <dgm:txFillClrLst meth="repeat">
+      <a:schemeClr val="dk1"/>
+    </dgm:txFillClrLst>
+    <dgm:txEffectClrLst/>
+  </dgm:styleLbl>
+  <dgm:styleLbl name="trAlignAcc1">
+    <dgm:fillClrLst meth="repeat">
+      <a:schemeClr val="lt1">
+        <a:alpha val="40000"/>
+      </a:schemeClr>
+    </dgm:fillClrLst>
+    <dgm:linClrLst meth="repeat">
+      <a:schemeClr val="accent1"/>
+    </dgm:linClrLst>
+    <dgm:effectClrLst/>
+    <dgm:txLinClrLst/>
+    <dgm:txFillClrLst meth="repeat">
+      <a:schemeClr val="dk1"/>
+    </dgm:txFillClrLst>
+    <dgm:txEffectClrLst/>
+  </dgm:styleLbl>
+  <dgm:styleLbl name="bgAcc1">
+    <dgm:fillClrLst meth="repeat">
+      <a:schemeClr val="lt1">
+        <a:alpha val="90000"/>
+      </a:schemeClr>
+    </dgm:fillClrLst>
+    <dgm:linClrLst meth="repeat">
+      <a:schemeClr val="accent2"/>
+      <a:schemeClr val="accent3"/>
+      <a:schemeClr val="accent4"/>
+      <a:schemeClr val="accent5"/>
+      <a:schemeClr val="accent6"/>
+    </dgm:linClrLst>
+    <dgm:effectClrLst/>
+    <dgm:txLinClrLst/>
+    <dgm:txFillClrLst meth="repeat">
+      <a:schemeClr val="dk1"/>
+    </dgm:txFillClrLst>
+    <dgm:txEffectClrLst/>
+  </dgm:styleLbl>
+  <dgm:styleLbl name="solidFgAcc1">
+    <dgm:fillClrLst meth="repeat">
+      <a:schemeClr val="lt1"/>
+    </dgm:fillClrLst>
+    <dgm:linClrLst meth="repeat">
+      <a:schemeClr val="accent2"/>
+      <a:schemeClr val="accent3"/>
+      <a:schemeClr val="accent4"/>
+      <a:schemeClr val="accent5"/>
+      <a:schemeClr val="accent6"/>
+    </dgm:linClrLst>
+    <dgm:effectClrLst/>
+    <dgm:txLinClrLst/>
+    <dgm:txFillClrLst meth="repeat">
+      <a:schemeClr val="dk1"/>
+    </dgm:txFillClrLst>
+    <dgm:txEffectClrLst/>
+  </dgm:styleLbl>
+  <dgm:styleLbl name="solidAlignAcc1">
+    <dgm:fillClrLst meth="repeat">
+      <a:schemeClr val="lt1"/>
+    </dgm:fillClrLst>
+    <dgm:linClrLst meth="repeat">
+      <a:schemeClr val="accent2"/>
+      <a:schemeClr val="accent3"/>
+      <a:schemeClr val="accent4"/>
+      <a:schemeClr val="accent5"/>
+      <a:schemeClr val="accent6"/>
+    </dgm:linClrLst>
+    <dgm:effectClrLst/>
+    <dgm:txLinClrLst/>
+    <dgm:txFillClrLst meth="repeat">
+      <a:schemeClr val="dk1"/>
+    </dgm:txFillClrLst>
+    <dgm:txEffectClrLst/>
+  </dgm:styleLbl>
+  <dgm:styleLbl name="solidBgAcc1">
+    <dgm:fillClrLst meth="repeat">
+      <a:schemeClr val="lt1"/>
+    </dgm:fillClrLst>
+    <dgm:linClrLst meth="repeat">
+      <a:schemeClr val="accent2"/>
+      <a:schemeClr val="accent3"/>
+      <a:schemeClr val="accent4"/>
+      <a:schemeClr val="accent5"/>
+      <a:schemeClr val="accent6"/>
+    </dgm:linClrLst>
+    <dgm:effectClrLst/>
+    <dgm:txLinClrLst/>
+    <dgm:txFillClrLst meth="repeat">
+      <a:schemeClr val="dk1"/>
+    </dgm:txFillClrLst>
+    <dgm:txEffectClrLst/>
+  </dgm:styleLbl>
+  <dgm:styleLbl name="fgAccFollowNode1">
+    <dgm:fillClrLst meth="repeat">
+      <a:schemeClr val="accent2">
+        <a:tint val="40000"/>
+        <a:alpha val="90000"/>
+      </a:schemeClr>
+      <a:schemeClr val="accent3">
+        <a:tint val="40000"/>
+        <a:alpha val="90000"/>
+      </a:schemeClr>
+      <a:schemeClr val="accent4">
+        <a:tint val="40000"/>
+        <a:alpha val="90000"/>
+      </a:schemeClr>
+      <a:schemeClr val="accent5">
+        <a:tint val="40000"/>
+        <a:alpha val="90000"/>
+      </a:schemeClr>
+      <a:schemeClr val="accent6">
+        <a:tint val="40000"/>
+        <a:alpha val="90000"/>
+      </a:schemeClr>
+    </dgm:fillClrLst>
+    <dgm:linClrLst meth="repeat">
+      <a:schemeClr val="accent2">
+        <a:tint val="40000"/>
+        <a:alpha val="90000"/>
+      </a:schemeClr>
+      <a:schemeClr val="accent3">
+        <a:tint val="40000"/>
+        <a:alpha val="90000"/>
+      </a:schemeClr>
+      <a:schemeClr val="accent4">
+        <a:tint val="40000"/>
+        <a:alpha val="90000"/>
+      </a:schemeClr>
+      <a:schemeClr val="accent5">
+        <a:tint val="40000"/>
+        <a:alpha val="90000"/>
+      </a:schemeClr>
+      <a:schemeClr val="accent6">
+        <a:tint val="40000"/>
+        <a:alpha val="90000"/>
+      </a:schemeClr>
+    </dgm:linClrLst>
+    <dgm:effectClrLst/>
+    <dgm:txLinClrLst/>
+    <dgm:txFillClrLst meth="repeat">
+      <a:schemeClr val="dk1"/>
+    </dgm:txFillClrLst>
+    <dgm:txEffectClrLst/>
+  </dgm:styleLbl>
+  <dgm:styleLbl name="alignAccFollowNode1">
+    <dgm:fillClrLst meth="repeat">
+      <a:schemeClr val="accent2">
+        <a:tint val="40000"/>
+        <a:alpha val="90000"/>
+      </a:schemeClr>
+      <a:schemeClr val="accent3">
+        <a:tint val="40000"/>
+        <a:alpha val="90000"/>
+      </a:schemeClr>
+      <a:schemeClr val="accent4">
+        <a:tint val="40000"/>
+        <a:alpha val="90000"/>
+      </a:schemeClr>
+      <a:schemeClr val="accent5">
+        <a:tint val="40000"/>
+        <a:alpha val="90000"/>
+      </a:schemeClr>
+      <a:schemeClr val="accent6">
+        <a:tint val="40000"/>
+        <a:alpha val="90000"/>
+      </a:schemeClr>
+    </dgm:fillClrLst>
+    <dgm:linClrLst meth="repeat">
+      <a:schemeClr val="accent2">
+        <a:tint val="40000"/>
+        <a:alpha val="90000"/>
+      </a:schemeClr>
+      <a:schemeClr val="accent3">
+        <a:tint val="40000"/>
+        <a:alpha val="90000"/>
+      </a:schemeClr>
+      <a:schemeClr val="accent4">
+        <a:tint val="40000"/>
+        <a:alpha val="90000"/>
+      </a:schemeClr>
+      <a:schemeClr val="accent5">
+        <a:tint val="40000"/>
+        <a:alpha val="90000"/>
+      </a:schemeClr>
+      <a:schemeClr val="accent6">
+        <a:tint val="40000"/>
+        <a:alpha val="90000"/>
+      </a:schemeClr>
+    </dgm:linClrLst>
+    <dgm:effectClrLst/>
+    <dgm:txLinClrLst/>
+    <dgm:txFillClrLst meth="repeat">
+      <a:schemeClr val="dk1"/>
+    </dgm:txFillClrLst>
+    <dgm:txEffectClrLst/>
+  </dgm:styleLbl>
+  <dgm:styleLbl name="bgAccFollowNode1">
+    <dgm:fillClrLst meth="repeat">
+      <a:schemeClr val="accent2">
+        <a:tint val="40000"/>
+        <a:alpha val="90000"/>
+      </a:schemeClr>
+      <a:schemeClr val="accent3">
+        <a:tint val="40000"/>
+        <a:alpha val="90000"/>
+      </a:schemeClr>
+      <a:schemeClr val="accent4">
+        <a:tint val="40000"/>
+        <a:alpha val="90000"/>
+      </a:schemeClr>
+      <a:schemeClr val="accent5">
+        <a:tint val="40000"/>
+        <a:alpha val="90000"/>
+      </a:schemeClr>
+      <a:schemeClr val="accent6">
+        <a:tint val="40000"/>
+        <a:alpha val="90000"/>
+      </a:schemeClr>
+    </dgm:fillClrLst>
+    <dgm:linClrLst meth="repeat">
+      <a:schemeClr val="accent2">
+        <a:tint val="40000"/>
+        <a:alpha val="90000"/>
+      </a:schemeClr>
+      <a:schemeClr val="accent3">
+        <a:tint val="40000"/>
+        <a:alpha val="90000"/>
+      </a:schemeClr>
+      <a:schemeClr val="accent4">
+        <a:tint val="40000"/>
+        <a:alpha val="90000"/>
+      </a:schemeClr>
+      <a:schemeClr val="accent5">
+        <a:tint val="40000"/>
+        <a:alpha val="90000"/>
+      </a:schemeClr>
+      <a:schemeClr val="accent6">
+        <a:tint val="40000"/>
+        <a:alpha val="90000"/>
+      </a:schemeClr>
+    </dgm:linClrLst>
+    <dgm:effectClrLst/>
+    <dgm:txLinClrLst/>
+    <dgm:txFillClrLst meth="repeat">
+      <a:schemeClr val="dk1"/>
+    </dgm:txFillClrLst>
+    <dgm:txEffectClrLst/>
+  </dgm:styleLbl>
+  <dgm:styleLbl name="fgAcc0">
+    <dgm:fillClrLst meth="repeat">
+      <a:schemeClr val="lt1">
+        <a:alpha val="90000"/>
+      </a:schemeClr>
+    </dgm:fillClrLst>
+    <dgm:linClrLst>
+      <a:schemeClr val="accent1"/>
+    </dgm:linClrLst>
+    <dgm:effectClrLst/>
+    <dgm:txLinClrLst/>
+    <dgm:txFillClrLst meth="repeat">
+      <a:schemeClr val="dk1"/>
+    </dgm:txFillClrLst>
+    <dgm:txEffectClrLst/>
+  </dgm:styleLbl>
+  <dgm:styleLbl name="fgAcc2">
+    <dgm:fillClrLst meth="repeat">
+      <a:schemeClr val="lt1">
+        <a:alpha val="90000"/>
+      </a:schemeClr>
+    </dgm:fillClrLst>
+    <dgm:linClrLst>
+      <a:schemeClr val="accent2"/>
+    </dgm:linClrLst>
+    <dgm:effectClrLst/>
+    <dgm:txLinClrLst/>
+    <dgm:txFillClrLst meth="repeat">
+      <a:schemeClr val="dk1"/>
+    </dgm:txFillClrLst>
+    <dgm:txEffectClrLst/>
+  </dgm:styleLbl>
+  <dgm:styleLbl name="fgAcc3">
+    <dgm:fillClrLst meth="repeat">
+      <a:schemeClr val="lt1">
+        <a:alpha val="90000"/>
+      </a:schemeClr>
+    </dgm:fillClrLst>
+    <dgm:linClrLst>
+      <a:schemeClr val="accent3"/>
+    </dgm:linClrLst>
+    <dgm:effectClrLst/>
+    <dgm:txLinClrLst/>
+    <dgm:txFillClrLst meth="repeat">
+      <a:schemeClr val="dk1"/>
+    </dgm:txFillClrLst>
+    <dgm:txEffectClrLst/>
+  </dgm:styleLbl>
+  <dgm:styleLbl name="fgAcc4">
+    <dgm:fillClrLst meth="repeat">
+      <a:schemeClr val="lt1">
+        <a:alpha val="90000"/>
+      </a:schemeClr>
+    </dgm:fillClrLst>
+    <dgm:linClrLst>
+      <a:schemeClr val="accent4"/>
+    </dgm:linClrLst>
+    <dgm:effectClrLst/>
+    <dgm:txLinClrLst/>
+    <dgm:txFillClrLst meth="repeat">
+      <a:schemeClr val="dk1"/>
+    </dgm:txFillClrLst>
+    <dgm:txEffectClrLst/>
+  </dgm:styleLbl>
+  <dgm:styleLbl name="bgShp">
+    <dgm:fillClrLst meth="repeat">
+      <a:schemeClr val="accent2">
+        <a:tint val="40000"/>
+      </a:schemeClr>
+    </dgm:fillClrLst>
+    <dgm:linClrLst meth="repeat">
+      <a:schemeClr val="dk1"/>
+    </dgm:linClrLst>
+    <dgm:effectClrLst/>
+    <dgm:txLinClrLst/>
+    <dgm:txFillClrLst meth="repeat">
+      <a:schemeClr val="dk1"/>
+    </dgm:txFillClrLst>
+    <dgm:txEffectClrLst/>
+  </dgm:styleLbl>
+  <dgm:styleLbl name="dkBgShp">
+    <dgm:fillClrLst meth="repeat">
+      <a:schemeClr val="accent2">
+        <a:shade val="90000"/>
+      </a:schemeClr>
+    </dgm:fillClrLst>
+    <dgm:linClrLst meth="repeat">
+      <a:schemeClr val="dk1"/>
+    </dgm:linClrLst>
+    <dgm:effectClrLst/>
+    <dgm:txLinClrLst/>
+    <dgm:txFillClrLst meth="repeat">
+      <a:schemeClr val="lt1"/>
+    </dgm:txFillClrLst>
+    <dgm:txEffectClrLst/>
+  </dgm:styleLbl>
+  <dgm:styleLbl name="trBgShp">
+    <dgm:fillClrLst meth="repeat">
+      <a:schemeClr val="accent1">
+        <a:tint val="50000"/>
+        <a:alpha val="40000"/>
+      </a:schemeClr>
+    </dgm:fillClrLst>
+    <dgm:linClrLst meth="repeat">
+      <a:schemeClr val="accent2"/>
+    </dgm:linClrLst>
+    <dgm:effectClrLst/>
+    <dgm:txLinClrLst/>
+    <dgm:txFillClrLst meth="repeat">
+      <a:schemeClr val="lt1"/>
+    </dgm:txFillClrLst>
+    <dgm:txEffectClrLst/>
+  </dgm:styleLbl>
+  <dgm:styleLbl name="fgShp">
+    <dgm:fillClrLst meth="repeat">
+      <a:schemeClr val="accent2">
+        <a:tint val="40000"/>
+      </a:schemeClr>
+    </dgm:fillClrLst>
+    <dgm:linClrLst meth="repeat">
+      <a:schemeClr val="lt1"/>
+    </dgm:linClrLst>
+    <dgm:effectClrLst/>
+    <dgm:txLinClrLst/>
+    <dgm:txFillClrLst meth="repeat">
+      <a:schemeClr val="dk1"/>
+    </dgm:txFillClrLst>
+    <dgm:txEffectClrLst/>
+  </dgm:styleLbl>
+  <dgm:styleLbl name="revTx">
+    <dgm:fillClrLst meth="repeat">
+      <a:schemeClr val="lt1">
+        <a:alpha val="0"/>
+      </a:schemeClr>
+    </dgm:fillClrLst>
+    <dgm:linClrLst meth="repeat">
+      <a:schemeClr val="dk1">
+        <a:alpha val="0"/>
+      </a:schemeClr>
+    </dgm:linClrLst>
+    <dgm:effectClrLst/>
+    <dgm:txLinClrLst/>
+    <dgm:txFillClrLst meth="repeat">
+      <a:schemeClr val="tx1"/>
+    </dgm:txFillClrLst>
+    <dgm:txEffectClrLst/>
+  </dgm:styleLbl>
+</dgm:colorsDef>
+</file>
+
+<file path=ppt/diagrams/data1.xml><?xml version="1.0" encoding="utf-8"?>
+<dgm:dataModel xmlns:dgm="http://schemas.openxmlformats.org/drawingml/2006/diagram" xmlns:a="http://schemas.openxmlformats.org/drawingml/2006/main">
+  <dgm:ptLst>
+    <dgm:pt modelId="{279BE969-06A3-4642-BC3C-8DF03B430D8E}" type="doc">
+      <dgm:prSet loTypeId="urn:microsoft.com/office/officeart/2005/8/layout/hierarchy4" loCatId="hierarchy" qsTypeId="urn:microsoft.com/office/officeart/2005/8/quickstyle/simple1" qsCatId="simple" csTypeId="urn:microsoft.com/office/officeart/2005/8/colors/colorful1" csCatId="colorful" phldr="1"/>
+      <dgm:spPr/>
+      <dgm:t>
+        <a:bodyPr/>
+        <a:lstStyle/>
+        <a:p>
+          <a:endParaRPr lang="en-GB"/>
+        </a:p>
+      </dgm:t>
+    </dgm:pt>
+    <dgm:pt modelId="{014056EF-B142-4365-B613-378AE9F8A403}">
+      <dgm:prSet phldrT="[Text]"/>
+      <dgm:spPr/>
+      <dgm:t>
+        <a:bodyPr/>
+        <a:lstStyle/>
+        <a:p>
+          <a:r>
+            <a:rPr lang="ur-PK" dirty="0"/>
+            <a:t>مشابهة الفعل المضارع بالاسم</a:t>
+          </a:r>
+          <a:endParaRPr lang="en-GB" dirty="0"/>
+        </a:p>
+      </dgm:t>
+    </dgm:pt>
+    <dgm:pt modelId="{673C7A01-FB2F-48E7-A1D8-459CB2256C3E}" type="parTrans" cxnId="{1EEE23C6-EB85-4C3A-8E3F-21D2F0F5DEF8}">
+      <dgm:prSet/>
+      <dgm:spPr/>
+      <dgm:t>
+        <a:bodyPr/>
+        <a:lstStyle/>
+        <a:p>
+          <a:endParaRPr lang="en-GB"/>
+        </a:p>
+      </dgm:t>
+    </dgm:pt>
+    <dgm:pt modelId="{05FF1D5F-659F-4D5C-AB74-87A1596290CE}" type="sibTrans" cxnId="{1EEE23C6-EB85-4C3A-8E3F-21D2F0F5DEF8}">
+      <dgm:prSet/>
+      <dgm:spPr/>
+      <dgm:t>
+        <a:bodyPr/>
+        <a:lstStyle/>
+        <a:p>
+          <a:endParaRPr lang="en-GB"/>
+        </a:p>
+      </dgm:t>
+    </dgm:pt>
+    <dgm:pt modelId="{3571FCF3-351E-4A3D-BE3F-7DE80222A2A8}">
+      <dgm:prSet phldrT="[Text]"/>
+      <dgm:spPr/>
+      <dgm:t>
+        <a:bodyPr/>
+        <a:lstStyle/>
+        <a:p>
+          <a:r>
+            <a:rPr lang="ur-PK" dirty="0"/>
+            <a:t>لفظا</a:t>
+          </a:r>
+          <a:endParaRPr lang="en-GB" dirty="0"/>
+        </a:p>
+      </dgm:t>
+    </dgm:pt>
+    <dgm:pt modelId="{6C6376F2-C0B7-49E5-B639-9E28CD799F37}" type="parTrans" cxnId="{937A045C-1870-4650-81E3-2AB2AB923FAC}">
+      <dgm:prSet/>
+      <dgm:spPr/>
+      <dgm:t>
+        <a:bodyPr/>
+        <a:lstStyle/>
+        <a:p>
+          <a:endParaRPr lang="en-GB"/>
+        </a:p>
+      </dgm:t>
+    </dgm:pt>
+    <dgm:pt modelId="{1DAEBA5B-1720-4769-98D5-8A12D5724074}" type="sibTrans" cxnId="{937A045C-1870-4650-81E3-2AB2AB923FAC}">
+      <dgm:prSet/>
+      <dgm:spPr/>
+      <dgm:t>
+        <a:bodyPr/>
+        <a:lstStyle/>
+        <a:p>
+          <a:endParaRPr lang="en-GB"/>
+        </a:p>
+      </dgm:t>
+    </dgm:pt>
+    <dgm:pt modelId="{0773FD2E-8F8F-4DD7-916C-3163F71F5B49}">
+      <dgm:prSet phldrT="[Text]"/>
+      <dgm:spPr/>
+      <dgm:t>
+        <a:bodyPr/>
+        <a:lstStyle/>
+        <a:p>
+          <a:r>
+            <a:rPr lang="ur-PK" dirty="0"/>
+            <a:t>معنی</a:t>
+          </a:r>
+          <a:endParaRPr lang="en-GB" dirty="0"/>
+        </a:p>
+      </dgm:t>
+    </dgm:pt>
+    <dgm:pt modelId="{0B541536-F82E-4AB4-9F3A-741CD359F288}" type="parTrans" cxnId="{3256EFB4-6B03-4A55-81A4-EE14F358B243}">
+      <dgm:prSet/>
+      <dgm:spPr/>
+    </dgm:pt>
+    <dgm:pt modelId="{FB3C67F4-E1D6-40EA-9401-401E1AD604E0}" type="sibTrans" cxnId="{3256EFB4-6B03-4A55-81A4-EE14F358B243}">
+      <dgm:prSet/>
+      <dgm:spPr/>
+    </dgm:pt>
+    <dgm:pt modelId="{49E7D9DE-3DDA-4DEF-B5AB-903EB366E0F8}">
+      <dgm:prSet phldrT="[Text]"/>
+      <dgm:spPr/>
+      <dgm:t>
+        <a:bodyPr/>
+        <a:lstStyle/>
+        <a:p>
+          <a:r>
+            <a:rPr lang="ar-SA" dirty="0"/>
+            <a:t>اِتِّفَاقُ الْحَرَكاتِ وَالسَّكَنَاتِ </a:t>
+          </a:r>
+          <a:endParaRPr lang="en-GB" dirty="0"/>
+        </a:p>
+      </dgm:t>
+    </dgm:pt>
+    <dgm:pt modelId="{017EC651-2467-4E9A-8457-615703FEED16}" type="parTrans" cxnId="{3D6A8E1B-FD30-4DD6-854F-81841CC136FC}">
+      <dgm:prSet/>
+      <dgm:spPr/>
+    </dgm:pt>
+    <dgm:pt modelId="{9D6A8A6A-2773-4C38-9645-487AB7BD8ECB}" type="sibTrans" cxnId="{3D6A8E1B-FD30-4DD6-854F-81841CC136FC}">
+      <dgm:prSet/>
+      <dgm:spPr/>
+    </dgm:pt>
+    <dgm:pt modelId="{92FC9D4F-B71C-425E-8A6C-338BE9FB50A1}">
+      <dgm:prSet phldrT="[Text]"/>
+      <dgm:spPr/>
+      <dgm:t>
+        <a:bodyPr/>
+        <a:lstStyle/>
+        <a:p>
+          <a:r>
+            <a:rPr lang="ar-SA" dirty="0"/>
+            <a:t>دُخُولِ لَامِ التَّأكيدِ فِي أوَّلِهِمَا</a:t>
+          </a:r>
+          <a:endParaRPr lang="en-GB" dirty="0"/>
+        </a:p>
+      </dgm:t>
+    </dgm:pt>
+    <dgm:pt modelId="{C591297C-362F-4087-AFF8-03D9BCA4D41D}" type="parTrans" cxnId="{FC81A4F9-94E5-4BA2-9624-2B5D52A2CCA9}">
+      <dgm:prSet/>
+      <dgm:spPr/>
+    </dgm:pt>
+    <dgm:pt modelId="{492A98F0-DFD7-4A8C-82C3-647F7E53BDD0}" type="sibTrans" cxnId="{FC81A4F9-94E5-4BA2-9624-2B5D52A2CCA9}">
+      <dgm:prSet/>
+      <dgm:spPr/>
+    </dgm:pt>
+    <dgm:pt modelId="{2D01E107-2671-4505-AC88-B88D55C82A8F}">
+      <dgm:prSet phldrT="[Text]"/>
+      <dgm:spPr/>
+      <dgm:t>
+        <a:bodyPr/>
+        <a:lstStyle/>
+        <a:p>
+          <a:r>
+            <a:rPr lang="ar-SA"/>
+            <a:t>تَسَاوِيْهِمَا فِي عَدَدِ الحُرُوفِ</a:t>
+          </a:r>
+          <a:endParaRPr lang="en-GB" dirty="0"/>
+        </a:p>
+      </dgm:t>
+    </dgm:pt>
+    <dgm:pt modelId="{4BF9FEE4-8FEC-4FF7-82CF-2EF13A328330}" type="parTrans" cxnId="{3D25CA8B-3BEC-44F7-8D58-35DAC20E9190}">
+      <dgm:prSet/>
+      <dgm:spPr/>
+    </dgm:pt>
+    <dgm:pt modelId="{8F53596C-F4F9-4ACD-A1FE-2ED872C4D00A}" type="sibTrans" cxnId="{3D25CA8B-3BEC-44F7-8D58-35DAC20E9190}">
+      <dgm:prSet/>
+      <dgm:spPr/>
+    </dgm:pt>
+    <dgm:pt modelId="{41C1004B-286F-4BD5-9F7F-1137E61CAF59}">
+      <dgm:prSet phldrT="[Text]"/>
+      <dgm:spPr/>
+      <dgm:t>
+        <a:bodyPr/>
+        <a:lstStyle/>
+        <a:p>
+          <a:r>
+            <a:rPr lang="ar-SA" dirty="0"/>
+            <a:t>أَنَّهُ مُشْتَرِكٌ بَيْنَ الحَالِ وَالاسْتِقْبالِ</a:t>
+          </a:r>
+          <a:endParaRPr lang="en-GB" dirty="0"/>
+        </a:p>
+      </dgm:t>
+    </dgm:pt>
+    <dgm:pt modelId="{8D720EAE-35FE-409C-8A1C-0BFAE75BDC64}" type="parTrans" cxnId="{54D615D1-8C77-4650-B7C7-195B068E2465}">
+      <dgm:prSet/>
+      <dgm:spPr/>
+    </dgm:pt>
+    <dgm:pt modelId="{01AF8128-2F2C-4EE2-9591-0AC50B1C190A}" type="sibTrans" cxnId="{54D615D1-8C77-4650-B7C7-195B068E2465}">
+      <dgm:prSet/>
+      <dgm:spPr/>
+    </dgm:pt>
+    <dgm:pt modelId="{09FBB450-5A0F-4650-BD32-E99F213A2E4F}" type="pres">
+      <dgm:prSet presAssocID="{279BE969-06A3-4642-BC3C-8DF03B430D8E}" presName="Name0" presStyleCnt="0">
+        <dgm:presLayoutVars>
+          <dgm:chPref val="1"/>
+          <dgm:dir val="rev"/>
+          <dgm:animOne val="branch"/>
+          <dgm:animLvl val="lvl"/>
+          <dgm:resizeHandles/>
+        </dgm:presLayoutVars>
+      </dgm:prSet>
+      <dgm:spPr/>
+    </dgm:pt>
+    <dgm:pt modelId="{E04E0680-B1AA-4290-9C5A-D428190B788F}" type="pres">
+      <dgm:prSet presAssocID="{014056EF-B142-4365-B613-378AE9F8A403}" presName="vertOne" presStyleCnt="0"/>
+      <dgm:spPr/>
+    </dgm:pt>
+    <dgm:pt modelId="{66726902-678E-4099-AB9C-7C60963989B1}" type="pres">
+      <dgm:prSet presAssocID="{014056EF-B142-4365-B613-378AE9F8A403}" presName="txOne" presStyleLbl="node0" presStyleIdx="0" presStyleCnt="1">
+        <dgm:presLayoutVars>
+          <dgm:chPref val="3"/>
+        </dgm:presLayoutVars>
+      </dgm:prSet>
+      <dgm:spPr/>
+    </dgm:pt>
+    <dgm:pt modelId="{DA6056F5-41D4-4A88-80F4-A9D1EC8B3F74}" type="pres">
+      <dgm:prSet presAssocID="{014056EF-B142-4365-B613-378AE9F8A403}" presName="parTransOne" presStyleCnt="0"/>
+      <dgm:spPr/>
+    </dgm:pt>
+    <dgm:pt modelId="{51A3FC27-4488-4590-8CED-55F41EF67C4D}" type="pres">
+      <dgm:prSet presAssocID="{014056EF-B142-4365-B613-378AE9F8A403}" presName="horzOne" presStyleCnt="0"/>
+      <dgm:spPr/>
+    </dgm:pt>
+    <dgm:pt modelId="{DD9022E5-7CBC-4773-804D-71F1A9624F56}" type="pres">
+      <dgm:prSet presAssocID="{3571FCF3-351E-4A3D-BE3F-7DE80222A2A8}" presName="vertTwo" presStyleCnt="0"/>
+      <dgm:spPr/>
+    </dgm:pt>
+    <dgm:pt modelId="{27503300-9311-4A07-887D-B360ED0AF5C6}" type="pres">
+      <dgm:prSet presAssocID="{3571FCF3-351E-4A3D-BE3F-7DE80222A2A8}" presName="txTwo" presStyleLbl="node2" presStyleIdx="0" presStyleCnt="2">
+        <dgm:presLayoutVars>
+          <dgm:chPref val="3"/>
+        </dgm:presLayoutVars>
+      </dgm:prSet>
+      <dgm:spPr/>
+    </dgm:pt>
+    <dgm:pt modelId="{A50DE5C6-1B52-4F97-8D3E-2226211A4ECF}" type="pres">
+      <dgm:prSet presAssocID="{3571FCF3-351E-4A3D-BE3F-7DE80222A2A8}" presName="parTransTwo" presStyleCnt="0"/>
+      <dgm:spPr/>
+    </dgm:pt>
+    <dgm:pt modelId="{1EAD2EAC-F438-42B1-AFF1-13E3A1E04C57}" type="pres">
+      <dgm:prSet presAssocID="{3571FCF3-351E-4A3D-BE3F-7DE80222A2A8}" presName="horzTwo" presStyleCnt="0"/>
+      <dgm:spPr/>
+    </dgm:pt>
+    <dgm:pt modelId="{CBBBE1C3-E1E7-4C87-9BDC-2388691A1FD7}" type="pres">
+      <dgm:prSet presAssocID="{49E7D9DE-3DDA-4DEF-B5AB-903EB366E0F8}" presName="vertThree" presStyleCnt="0"/>
+      <dgm:spPr/>
+    </dgm:pt>
+    <dgm:pt modelId="{1985FC96-89B2-4199-86D3-531EFE1A482E}" type="pres">
+      <dgm:prSet presAssocID="{49E7D9DE-3DDA-4DEF-B5AB-903EB366E0F8}" presName="txThree" presStyleLbl="node3" presStyleIdx="0" presStyleCnt="4">
+        <dgm:presLayoutVars>
+          <dgm:chPref val="3"/>
+        </dgm:presLayoutVars>
+      </dgm:prSet>
+      <dgm:spPr/>
+    </dgm:pt>
+    <dgm:pt modelId="{8D9365B9-3A5E-463C-88AE-382E824EBCC2}" type="pres">
+      <dgm:prSet presAssocID="{49E7D9DE-3DDA-4DEF-B5AB-903EB366E0F8}" presName="horzThree" presStyleCnt="0"/>
+      <dgm:spPr/>
+    </dgm:pt>
+    <dgm:pt modelId="{15785B3E-5A0F-47A8-B7BE-3698E62643EC}" type="pres">
+      <dgm:prSet presAssocID="{9D6A8A6A-2773-4C38-9645-487AB7BD8ECB}" presName="sibSpaceThree" presStyleCnt="0"/>
+      <dgm:spPr/>
+    </dgm:pt>
+    <dgm:pt modelId="{7DDD3BE5-2F73-45B3-BADE-DF3C501FE619}" type="pres">
+      <dgm:prSet presAssocID="{92FC9D4F-B71C-425E-8A6C-338BE9FB50A1}" presName="vertThree" presStyleCnt="0"/>
+      <dgm:spPr/>
+    </dgm:pt>
+    <dgm:pt modelId="{D8F357CE-370D-46D4-9CBE-37CEDE3D6C01}" type="pres">
+      <dgm:prSet presAssocID="{92FC9D4F-B71C-425E-8A6C-338BE9FB50A1}" presName="txThree" presStyleLbl="node3" presStyleIdx="1" presStyleCnt="4">
+        <dgm:presLayoutVars>
+          <dgm:chPref val="3"/>
+        </dgm:presLayoutVars>
+      </dgm:prSet>
+      <dgm:spPr/>
+    </dgm:pt>
+    <dgm:pt modelId="{2D29B8C4-3951-44AF-BDFA-520A57A3A120}" type="pres">
+      <dgm:prSet presAssocID="{92FC9D4F-B71C-425E-8A6C-338BE9FB50A1}" presName="horzThree" presStyleCnt="0"/>
+      <dgm:spPr/>
+    </dgm:pt>
+    <dgm:pt modelId="{1B01DDE3-9676-461A-A92A-FCF19AF2A7E9}" type="pres">
+      <dgm:prSet presAssocID="{492A98F0-DFD7-4A8C-82C3-647F7E53BDD0}" presName="sibSpaceThree" presStyleCnt="0"/>
+      <dgm:spPr/>
+    </dgm:pt>
+    <dgm:pt modelId="{C2F0928D-10D6-4E72-BFB3-653C4DE3351A}" type="pres">
+      <dgm:prSet presAssocID="{2D01E107-2671-4505-AC88-B88D55C82A8F}" presName="vertThree" presStyleCnt="0"/>
+      <dgm:spPr/>
+    </dgm:pt>
+    <dgm:pt modelId="{BF8B2150-AD42-4555-AC3F-035C56A3F2AB}" type="pres">
+      <dgm:prSet presAssocID="{2D01E107-2671-4505-AC88-B88D55C82A8F}" presName="txThree" presStyleLbl="node3" presStyleIdx="2" presStyleCnt="4">
+        <dgm:presLayoutVars>
+          <dgm:chPref val="3"/>
+        </dgm:presLayoutVars>
+      </dgm:prSet>
+      <dgm:spPr/>
+    </dgm:pt>
+    <dgm:pt modelId="{F13E3399-B757-4D94-87F9-2E7DFA6C1000}" type="pres">
+      <dgm:prSet presAssocID="{2D01E107-2671-4505-AC88-B88D55C82A8F}" presName="horzThree" presStyleCnt="0"/>
+      <dgm:spPr/>
+    </dgm:pt>
+    <dgm:pt modelId="{179C0CF4-FED7-448C-8A1F-2DE5A388EE6D}" type="pres">
+      <dgm:prSet presAssocID="{1DAEBA5B-1720-4769-98D5-8A12D5724074}" presName="sibSpaceTwo" presStyleCnt="0"/>
+      <dgm:spPr/>
+    </dgm:pt>
+    <dgm:pt modelId="{8433FC88-B1EB-45DC-B4FC-08D7AF5C176B}" type="pres">
+      <dgm:prSet presAssocID="{0773FD2E-8F8F-4DD7-916C-3163F71F5B49}" presName="vertTwo" presStyleCnt="0"/>
+      <dgm:spPr/>
+    </dgm:pt>
+    <dgm:pt modelId="{E51C2F0B-9940-4C4D-9A3C-7D2EEC2B4C32}" type="pres">
+      <dgm:prSet presAssocID="{0773FD2E-8F8F-4DD7-916C-3163F71F5B49}" presName="txTwo" presStyleLbl="node2" presStyleIdx="1" presStyleCnt="2">
+        <dgm:presLayoutVars>
+          <dgm:chPref val="3"/>
+        </dgm:presLayoutVars>
+      </dgm:prSet>
+      <dgm:spPr/>
+    </dgm:pt>
+    <dgm:pt modelId="{ED6D290D-A5C4-4619-8A42-FAF5B82399D5}" type="pres">
+      <dgm:prSet presAssocID="{0773FD2E-8F8F-4DD7-916C-3163F71F5B49}" presName="parTransTwo" presStyleCnt="0"/>
+      <dgm:spPr/>
+    </dgm:pt>
+    <dgm:pt modelId="{1C69D359-1BD1-4488-B074-1E9711B2A133}" type="pres">
+      <dgm:prSet presAssocID="{0773FD2E-8F8F-4DD7-916C-3163F71F5B49}" presName="horzTwo" presStyleCnt="0"/>
+      <dgm:spPr/>
+    </dgm:pt>
+    <dgm:pt modelId="{176DA18E-5AA0-4A29-AFC6-046518877B16}" type="pres">
+      <dgm:prSet presAssocID="{41C1004B-286F-4BD5-9F7F-1137E61CAF59}" presName="vertThree" presStyleCnt="0"/>
+      <dgm:spPr/>
+    </dgm:pt>
+    <dgm:pt modelId="{78392F01-4EC5-4E3D-A629-6F8D3A523E89}" type="pres">
+      <dgm:prSet presAssocID="{41C1004B-286F-4BD5-9F7F-1137E61CAF59}" presName="txThree" presStyleLbl="node3" presStyleIdx="3" presStyleCnt="4">
+        <dgm:presLayoutVars>
+          <dgm:chPref val="3"/>
+        </dgm:presLayoutVars>
+      </dgm:prSet>
+      <dgm:spPr/>
+    </dgm:pt>
+    <dgm:pt modelId="{93EF2A32-9D61-425D-93A7-44D45A3EE908}" type="pres">
+      <dgm:prSet presAssocID="{41C1004B-286F-4BD5-9F7F-1137E61CAF59}" presName="horzThree" presStyleCnt="0"/>
+      <dgm:spPr/>
+    </dgm:pt>
+  </dgm:ptLst>
+  <dgm:cxnLst>
+    <dgm:cxn modelId="{16E17412-24C4-4B1E-9215-792A6FCFA16E}" type="presOf" srcId="{3571FCF3-351E-4A3D-BE3F-7DE80222A2A8}" destId="{27503300-9311-4A07-887D-B360ED0AF5C6}" srcOrd="0" destOrd="0" presId="urn:microsoft.com/office/officeart/2005/8/layout/hierarchy4"/>
+    <dgm:cxn modelId="{6590A015-EA3B-4F43-AA01-DCFC319FFA4D}" type="presOf" srcId="{014056EF-B142-4365-B613-378AE9F8A403}" destId="{66726902-678E-4099-AB9C-7C60963989B1}" srcOrd="0" destOrd="0" presId="urn:microsoft.com/office/officeart/2005/8/layout/hierarchy4"/>
+    <dgm:cxn modelId="{3D6A8E1B-FD30-4DD6-854F-81841CC136FC}" srcId="{3571FCF3-351E-4A3D-BE3F-7DE80222A2A8}" destId="{49E7D9DE-3DDA-4DEF-B5AB-903EB366E0F8}" srcOrd="0" destOrd="0" parTransId="{017EC651-2467-4E9A-8457-615703FEED16}" sibTransId="{9D6A8A6A-2773-4C38-9645-487AB7BD8ECB}"/>
+    <dgm:cxn modelId="{937A045C-1870-4650-81E3-2AB2AB923FAC}" srcId="{014056EF-B142-4365-B613-378AE9F8A403}" destId="{3571FCF3-351E-4A3D-BE3F-7DE80222A2A8}" srcOrd="0" destOrd="0" parTransId="{6C6376F2-C0B7-49E5-B639-9E28CD799F37}" sibTransId="{1DAEBA5B-1720-4769-98D5-8A12D5724074}"/>
+    <dgm:cxn modelId="{1B3CE542-2AA8-4F4F-86A6-6874D9301088}" type="presOf" srcId="{92FC9D4F-B71C-425E-8A6C-338BE9FB50A1}" destId="{D8F357CE-370D-46D4-9CBE-37CEDE3D6C01}" srcOrd="0" destOrd="0" presId="urn:microsoft.com/office/officeart/2005/8/layout/hierarchy4"/>
+    <dgm:cxn modelId="{124FE470-1909-4941-ADBA-620A5194387D}" type="presOf" srcId="{279BE969-06A3-4642-BC3C-8DF03B430D8E}" destId="{09FBB450-5A0F-4650-BD32-E99F213A2E4F}" srcOrd="0" destOrd="0" presId="urn:microsoft.com/office/officeart/2005/8/layout/hierarchy4"/>
+    <dgm:cxn modelId="{037C5683-AE8F-4EEF-9322-C070F2FA1111}" type="presOf" srcId="{2D01E107-2671-4505-AC88-B88D55C82A8F}" destId="{BF8B2150-AD42-4555-AC3F-035C56A3F2AB}" srcOrd="0" destOrd="0" presId="urn:microsoft.com/office/officeart/2005/8/layout/hierarchy4"/>
+    <dgm:cxn modelId="{3D25CA8B-3BEC-44F7-8D58-35DAC20E9190}" srcId="{3571FCF3-351E-4A3D-BE3F-7DE80222A2A8}" destId="{2D01E107-2671-4505-AC88-B88D55C82A8F}" srcOrd="2" destOrd="0" parTransId="{4BF9FEE4-8FEC-4FF7-82CF-2EF13A328330}" sibTransId="{8F53596C-F4F9-4ACD-A1FE-2ED872C4D00A}"/>
+    <dgm:cxn modelId="{3256EFB4-6B03-4A55-81A4-EE14F358B243}" srcId="{014056EF-B142-4365-B613-378AE9F8A403}" destId="{0773FD2E-8F8F-4DD7-916C-3163F71F5B49}" srcOrd="1" destOrd="0" parTransId="{0B541536-F82E-4AB4-9F3A-741CD359F288}" sibTransId="{FB3C67F4-E1D6-40EA-9401-401E1AD604E0}"/>
+    <dgm:cxn modelId="{1EEE23C6-EB85-4C3A-8E3F-21D2F0F5DEF8}" srcId="{279BE969-06A3-4642-BC3C-8DF03B430D8E}" destId="{014056EF-B142-4365-B613-378AE9F8A403}" srcOrd="0" destOrd="0" parTransId="{673C7A01-FB2F-48E7-A1D8-459CB2256C3E}" sibTransId="{05FF1D5F-659F-4D5C-AB74-87A1596290CE}"/>
+    <dgm:cxn modelId="{FC312BC6-7C85-4DD7-8269-E8C04A234039}" type="presOf" srcId="{0773FD2E-8F8F-4DD7-916C-3163F71F5B49}" destId="{E51C2F0B-9940-4C4D-9A3C-7D2EEC2B4C32}" srcOrd="0" destOrd="0" presId="urn:microsoft.com/office/officeart/2005/8/layout/hierarchy4"/>
+    <dgm:cxn modelId="{54D615D1-8C77-4650-B7C7-195B068E2465}" srcId="{0773FD2E-8F8F-4DD7-916C-3163F71F5B49}" destId="{41C1004B-286F-4BD5-9F7F-1137E61CAF59}" srcOrd="0" destOrd="0" parTransId="{8D720EAE-35FE-409C-8A1C-0BFAE75BDC64}" sibTransId="{01AF8128-2F2C-4EE2-9591-0AC50B1C190A}"/>
+    <dgm:cxn modelId="{027EC5E9-370A-483B-92E6-9BA2C30F6540}" type="presOf" srcId="{49E7D9DE-3DDA-4DEF-B5AB-903EB366E0F8}" destId="{1985FC96-89B2-4199-86D3-531EFE1A482E}" srcOrd="0" destOrd="0" presId="urn:microsoft.com/office/officeart/2005/8/layout/hierarchy4"/>
+    <dgm:cxn modelId="{A0580EF4-8845-4EE2-B44C-7B34431176D2}" type="presOf" srcId="{41C1004B-286F-4BD5-9F7F-1137E61CAF59}" destId="{78392F01-4EC5-4E3D-A629-6F8D3A523E89}" srcOrd="0" destOrd="0" presId="urn:microsoft.com/office/officeart/2005/8/layout/hierarchy4"/>
+    <dgm:cxn modelId="{FC81A4F9-94E5-4BA2-9624-2B5D52A2CCA9}" srcId="{3571FCF3-351E-4A3D-BE3F-7DE80222A2A8}" destId="{92FC9D4F-B71C-425E-8A6C-338BE9FB50A1}" srcOrd="1" destOrd="0" parTransId="{C591297C-362F-4087-AFF8-03D9BCA4D41D}" sibTransId="{492A98F0-DFD7-4A8C-82C3-647F7E53BDD0}"/>
+    <dgm:cxn modelId="{46FF64C1-3E8D-4D1D-982E-FB722306A235}" type="presParOf" srcId="{09FBB450-5A0F-4650-BD32-E99F213A2E4F}" destId="{E04E0680-B1AA-4290-9C5A-D428190B788F}" srcOrd="0" destOrd="0" presId="urn:microsoft.com/office/officeart/2005/8/layout/hierarchy4"/>
+    <dgm:cxn modelId="{F095206F-FFFE-4F89-95D7-7A42DFD812CA}" type="presParOf" srcId="{E04E0680-B1AA-4290-9C5A-D428190B788F}" destId="{66726902-678E-4099-AB9C-7C60963989B1}" srcOrd="0" destOrd="0" presId="urn:microsoft.com/office/officeart/2005/8/layout/hierarchy4"/>
+    <dgm:cxn modelId="{9C850074-BA15-46E7-B5D8-DB954EB96574}" type="presParOf" srcId="{E04E0680-B1AA-4290-9C5A-D428190B788F}" destId="{DA6056F5-41D4-4A88-80F4-A9D1EC8B3F74}" srcOrd="1" destOrd="0" presId="urn:microsoft.com/office/officeart/2005/8/layout/hierarchy4"/>
+    <dgm:cxn modelId="{2CD9369A-F6F0-41A7-83F9-5DC926D133FF}" type="presParOf" srcId="{E04E0680-B1AA-4290-9C5A-D428190B788F}" destId="{51A3FC27-4488-4590-8CED-55F41EF67C4D}" srcOrd="2" destOrd="0" presId="urn:microsoft.com/office/officeart/2005/8/layout/hierarchy4"/>
+    <dgm:cxn modelId="{1B86EC9A-CD64-43BC-A42E-C14108171BCC}" type="presParOf" srcId="{51A3FC27-4488-4590-8CED-55F41EF67C4D}" destId="{DD9022E5-7CBC-4773-804D-71F1A9624F56}" srcOrd="0" destOrd="0" presId="urn:microsoft.com/office/officeart/2005/8/layout/hierarchy4"/>
+    <dgm:cxn modelId="{5894AF76-100B-482B-937A-6BF62B18E89E}" type="presParOf" srcId="{DD9022E5-7CBC-4773-804D-71F1A9624F56}" destId="{27503300-9311-4A07-887D-B360ED0AF5C6}" srcOrd="0" destOrd="0" presId="urn:microsoft.com/office/officeart/2005/8/layout/hierarchy4"/>
+    <dgm:cxn modelId="{FA049E5F-14D5-486D-845A-DAE76B31FDC2}" type="presParOf" srcId="{DD9022E5-7CBC-4773-804D-71F1A9624F56}" destId="{A50DE5C6-1B52-4F97-8D3E-2226211A4ECF}" srcOrd="1" destOrd="0" presId="urn:microsoft.com/office/officeart/2005/8/layout/hierarchy4"/>
+    <dgm:cxn modelId="{32516638-0CAD-463B-95D8-F604E84CD1B1}" type="presParOf" srcId="{DD9022E5-7CBC-4773-804D-71F1A9624F56}" destId="{1EAD2EAC-F438-42B1-AFF1-13E3A1E04C57}" srcOrd="2" destOrd="0" presId="urn:microsoft.com/office/officeart/2005/8/layout/hierarchy4"/>
+    <dgm:cxn modelId="{39A87230-4C14-4B67-9FDB-086ED275B624}" type="presParOf" srcId="{1EAD2EAC-F438-42B1-AFF1-13E3A1E04C57}" destId="{CBBBE1C3-E1E7-4C87-9BDC-2388691A1FD7}" srcOrd="0" destOrd="0" presId="urn:microsoft.com/office/officeart/2005/8/layout/hierarchy4"/>
+    <dgm:cxn modelId="{E4547253-A71A-4872-8662-1E2B963CAF8D}" type="presParOf" srcId="{CBBBE1C3-E1E7-4C87-9BDC-2388691A1FD7}" destId="{1985FC96-89B2-4199-86D3-531EFE1A482E}" srcOrd="0" destOrd="0" presId="urn:microsoft.com/office/officeart/2005/8/layout/hierarchy4"/>
+    <dgm:cxn modelId="{BDC19D01-1F0C-4ADB-86EE-E17EB8AC2856}" type="presParOf" srcId="{CBBBE1C3-E1E7-4C87-9BDC-2388691A1FD7}" destId="{8D9365B9-3A5E-463C-88AE-382E824EBCC2}" srcOrd="1" destOrd="0" presId="urn:microsoft.com/office/officeart/2005/8/layout/hierarchy4"/>
+    <dgm:cxn modelId="{83C9E850-30FB-4D38-8E62-F42A2861A683}" type="presParOf" srcId="{1EAD2EAC-F438-42B1-AFF1-13E3A1E04C57}" destId="{15785B3E-5A0F-47A8-B7BE-3698E62643EC}" srcOrd="1" destOrd="0" presId="urn:microsoft.com/office/officeart/2005/8/layout/hierarchy4"/>
+    <dgm:cxn modelId="{7D669417-06CA-46EC-A98B-CF4DEE0B4BD4}" type="presParOf" srcId="{1EAD2EAC-F438-42B1-AFF1-13E3A1E04C57}" destId="{7DDD3BE5-2F73-45B3-BADE-DF3C501FE619}" srcOrd="2" destOrd="0" presId="urn:microsoft.com/office/officeart/2005/8/layout/hierarchy4"/>
+    <dgm:cxn modelId="{AF74F305-FFEC-4DC4-8AFD-9132C6216560}" type="presParOf" srcId="{7DDD3BE5-2F73-45B3-BADE-DF3C501FE619}" destId="{D8F357CE-370D-46D4-9CBE-37CEDE3D6C01}" srcOrd="0" destOrd="0" presId="urn:microsoft.com/office/officeart/2005/8/layout/hierarchy4"/>
+    <dgm:cxn modelId="{2EAAEB62-DB3C-4915-A1A1-A2D27E9836E5}" type="presParOf" srcId="{7DDD3BE5-2F73-45B3-BADE-DF3C501FE619}" destId="{2D29B8C4-3951-44AF-BDFA-520A57A3A120}" srcOrd="1" destOrd="0" presId="urn:microsoft.com/office/officeart/2005/8/layout/hierarchy4"/>
+    <dgm:cxn modelId="{C582C921-4DB6-4F7F-9576-A12EF77C710F}" type="presParOf" srcId="{1EAD2EAC-F438-42B1-AFF1-13E3A1E04C57}" destId="{1B01DDE3-9676-461A-A92A-FCF19AF2A7E9}" srcOrd="3" destOrd="0" presId="urn:microsoft.com/office/officeart/2005/8/layout/hierarchy4"/>
+    <dgm:cxn modelId="{62B2EBF8-96F6-4479-87A9-A45E97925C0D}" type="presParOf" srcId="{1EAD2EAC-F438-42B1-AFF1-13E3A1E04C57}" destId="{C2F0928D-10D6-4E72-BFB3-653C4DE3351A}" srcOrd="4" destOrd="0" presId="urn:microsoft.com/office/officeart/2005/8/layout/hierarchy4"/>
+    <dgm:cxn modelId="{A6EBCB24-D023-44C4-843B-C9F424863C20}" type="presParOf" srcId="{C2F0928D-10D6-4E72-BFB3-653C4DE3351A}" destId="{BF8B2150-AD42-4555-AC3F-035C56A3F2AB}" srcOrd="0" destOrd="0" presId="urn:microsoft.com/office/officeart/2005/8/layout/hierarchy4"/>
+    <dgm:cxn modelId="{C9F7FDC3-4AE0-4DF7-8A0D-646A30A6DEF2}" type="presParOf" srcId="{C2F0928D-10D6-4E72-BFB3-653C4DE3351A}" destId="{F13E3399-B757-4D94-87F9-2E7DFA6C1000}" srcOrd="1" destOrd="0" presId="urn:microsoft.com/office/officeart/2005/8/layout/hierarchy4"/>
+    <dgm:cxn modelId="{9E26760B-A1E3-4C16-BFF4-F34EDE54E63C}" type="presParOf" srcId="{51A3FC27-4488-4590-8CED-55F41EF67C4D}" destId="{179C0CF4-FED7-448C-8A1F-2DE5A388EE6D}" srcOrd="1" destOrd="0" presId="urn:microsoft.com/office/officeart/2005/8/layout/hierarchy4"/>
+    <dgm:cxn modelId="{3997A3E7-BCA6-4CAE-8B15-AE5A4D962E31}" type="presParOf" srcId="{51A3FC27-4488-4590-8CED-55F41EF67C4D}" destId="{8433FC88-B1EB-45DC-B4FC-08D7AF5C176B}" srcOrd="2" destOrd="0" presId="urn:microsoft.com/office/officeart/2005/8/layout/hierarchy4"/>
+    <dgm:cxn modelId="{5DEE0AC3-1BB0-4C1E-91CC-4D2C6D9010A7}" type="presParOf" srcId="{8433FC88-B1EB-45DC-B4FC-08D7AF5C176B}" destId="{E51C2F0B-9940-4C4D-9A3C-7D2EEC2B4C32}" srcOrd="0" destOrd="0" presId="urn:microsoft.com/office/officeart/2005/8/layout/hierarchy4"/>
+    <dgm:cxn modelId="{C18FD424-7C98-4BE0-91C4-A8F061805207}" type="presParOf" srcId="{8433FC88-B1EB-45DC-B4FC-08D7AF5C176B}" destId="{ED6D290D-A5C4-4619-8A42-FAF5B82399D5}" srcOrd="1" destOrd="0" presId="urn:microsoft.com/office/officeart/2005/8/layout/hierarchy4"/>
+    <dgm:cxn modelId="{C52DE1DA-67E1-463C-A127-B0FE6E359E36}" type="presParOf" srcId="{8433FC88-B1EB-45DC-B4FC-08D7AF5C176B}" destId="{1C69D359-1BD1-4488-B074-1E9711B2A133}" srcOrd="2" destOrd="0" presId="urn:microsoft.com/office/officeart/2005/8/layout/hierarchy4"/>
+    <dgm:cxn modelId="{EF0B7E79-B502-4DD0-856B-3268AF566F9D}" type="presParOf" srcId="{1C69D359-1BD1-4488-B074-1E9711B2A133}" destId="{176DA18E-5AA0-4A29-AFC6-046518877B16}" srcOrd="0" destOrd="0" presId="urn:microsoft.com/office/officeart/2005/8/layout/hierarchy4"/>
+    <dgm:cxn modelId="{AC8069EF-8B54-4EA8-B1DC-5DF6F1F35452}" type="presParOf" srcId="{176DA18E-5AA0-4A29-AFC6-046518877B16}" destId="{78392F01-4EC5-4E3D-A629-6F8D3A523E89}" srcOrd="0" destOrd="0" presId="urn:microsoft.com/office/officeart/2005/8/layout/hierarchy4"/>
+    <dgm:cxn modelId="{D2C971E7-F313-4354-AB3F-C7172F33FF5F}" type="presParOf" srcId="{176DA18E-5AA0-4A29-AFC6-046518877B16}" destId="{93EF2A32-9D61-425D-93A7-44D45A3EE908}" srcOrd="1" destOrd="0" presId="urn:microsoft.com/office/officeart/2005/8/layout/hierarchy4"/>
+  </dgm:cxnLst>
+  <dgm:bg/>
+  <dgm:whole/>
+  <dgm:extLst>
+    <a:ext uri="http://schemas.microsoft.com/office/drawing/2008/diagram">
+      <dsp:dataModelExt xmlns:dsp="http://schemas.microsoft.com/office/drawing/2008/diagram" relId="rId6" minVer="http://schemas.openxmlformats.org/drawingml/2006/diagram"/>
+    </a:ext>
+  </dgm:extLst>
+</dgm:dataModel>
+</file>
+
+<file path=ppt/diagrams/drawing1.xml><?xml version="1.0" encoding="utf-8"?>
+<dsp:drawing xmlns:dgm="http://schemas.openxmlformats.org/drawingml/2006/diagram" xmlns:dsp="http://schemas.microsoft.com/office/drawing/2008/diagram" xmlns:a="http://schemas.openxmlformats.org/drawingml/2006/main">
+  <dsp:spTree>
+    <dsp:nvGrpSpPr>
+      <dsp:cNvPr id="0" name=""/>
+      <dsp:cNvGrpSpPr/>
+    </dsp:nvGrpSpPr>
+    <dsp:grpSpPr/>
+    <dsp:sp modelId="{66726902-678E-4099-AB9C-7C60963989B1}">
+      <dsp:nvSpPr>
+        <dsp:cNvPr id="0" name=""/>
+        <dsp:cNvSpPr/>
+      </dsp:nvSpPr>
+      <dsp:spPr>
+        <a:xfrm>
+          <a:off x="3242" y="815"/>
+          <a:ext cx="8778739" cy="1361967"/>
+        </a:xfrm>
+        <a:prstGeom prst="roundRect">
+          <a:avLst>
+            <a:gd name="adj" fmla="val 10000"/>
+          </a:avLst>
+        </a:prstGeom>
+        <a:solidFill>
+          <a:schemeClr val="accent1">
+            <a:hueOff val="0"/>
+            <a:satOff val="0"/>
+            <a:lumOff val="0"/>
+            <a:alphaOff val="0"/>
+          </a:schemeClr>
+        </a:solidFill>
+        <a:ln w="25400" cap="flat" cmpd="sng" algn="ctr">
+          <a:solidFill>
+            <a:schemeClr val="lt1">
+              <a:hueOff val="0"/>
+              <a:satOff val="0"/>
+              <a:lumOff val="0"/>
+              <a:alphaOff val="0"/>
+            </a:schemeClr>
+          </a:solidFill>
+          <a:prstDash val="solid"/>
+        </a:ln>
+        <a:effectLst/>
+      </dsp:spPr>
+      <dsp:style>
+        <a:lnRef idx="2">
+          <a:scrgbClr r="0" g="0" b="0"/>
+        </a:lnRef>
+        <a:fillRef idx="1">
+          <a:scrgbClr r="0" g="0" b="0"/>
+        </a:fillRef>
+        <a:effectRef idx="0">
+          <a:scrgbClr r="0" g="0" b="0"/>
+        </a:effectRef>
+        <a:fontRef idx="minor">
+          <a:schemeClr val="lt1"/>
+        </a:fontRef>
+      </dsp:style>
+      <dsp:txBody>
+        <a:bodyPr spcFirstLastPara="0" vert="horz" wrap="square" lIns="160020" tIns="160020" rIns="160020" bIns="160020" numCol="1" spcCol="1270" anchor="ctr" anchorCtr="0">
+          <a:noAutofit/>
+        </a:bodyPr>
+        <a:lstStyle/>
+        <a:p>
+          <a:pPr marL="0" lvl="0" indent="0" algn="ctr" defTabSz="1866900">
+            <a:lnSpc>
+              <a:spcPct val="90000"/>
+            </a:lnSpc>
+            <a:spcBef>
+              <a:spcPct val="0"/>
+            </a:spcBef>
+            <a:spcAft>
+              <a:spcPct val="35000"/>
+            </a:spcAft>
+            <a:buNone/>
+          </a:pPr>
+          <a:r>
+            <a:rPr lang="ur-PK" sz="4200" kern="1200" dirty="0"/>
+            <a:t>مشابهة الفعل المضارع بالاسم</a:t>
+          </a:r>
+          <a:endParaRPr lang="en-GB" sz="4200" kern="1200" dirty="0"/>
+        </a:p>
+      </dsp:txBody>
+      <dsp:txXfrm>
+        <a:off x="43133" y="40706"/>
+        <a:ext cx="8698957" cy="1282185"/>
+      </dsp:txXfrm>
+    </dsp:sp>
+    <dsp:sp modelId="{27503300-9311-4A07-887D-B360ED0AF5C6}">
+      <dsp:nvSpPr>
+        <dsp:cNvPr id="0" name=""/>
+        <dsp:cNvSpPr/>
+      </dsp:nvSpPr>
+      <dsp:spPr>
+        <a:xfrm>
+          <a:off x="2286389" y="1515322"/>
+          <a:ext cx="6495592" cy="1361967"/>
+        </a:xfrm>
+        <a:prstGeom prst="roundRect">
+          <a:avLst>
+            <a:gd name="adj" fmla="val 10000"/>
+          </a:avLst>
+        </a:prstGeom>
+        <a:solidFill>
+          <a:schemeClr val="accent2">
+            <a:hueOff val="0"/>
+            <a:satOff val="0"/>
+            <a:lumOff val="0"/>
+            <a:alphaOff val="0"/>
+          </a:schemeClr>
+        </a:solidFill>
+        <a:ln w="25400" cap="flat" cmpd="sng" algn="ctr">
+          <a:solidFill>
+            <a:schemeClr val="lt1">
+              <a:hueOff val="0"/>
+              <a:satOff val="0"/>
+              <a:lumOff val="0"/>
+              <a:alphaOff val="0"/>
+            </a:schemeClr>
+          </a:solidFill>
+          <a:prstDash val="solid"/>
+        </a:ln>
+        <a:effectLst/>
+      </dsp:spPr>
+      <dsp:style>
+        <a:lnRef idx="2">
+          <a:scrgbClr r="0" g="0" b="0"/>
+        </a:lnRef>
+        <a:fillRef idx="1">
+          <a:scrgbClr r="0" g="0" b="0"/>
+        </a:fillRef>
+        <a:effectRef idx="0">
+          <a:scrgbClr r="0" g="0" b="0"/>
+        </a:effectRef>
+        <a:fontRef idx="minor">
+          <a:schemeClr val="lt1"/>
+        </a:fontRef>
+      </dsp:style>
+      <dsp:txBody>
+        <a:bodyPr spcFirstLastPara="0" vert="horz" wrap="square" lIns="160020" tIns="160020" rIns="160020" bIns="160020" numCol="1" spcCol="1270" anchor="ctr" anchorCtr="0">
+          <a:noAutofit/>
+        </a:bodyPr>
+        <a:lstStyle/>
+        <a:p>
+          <a:pPr marL="0" lvl="0" indent="0" algn="ctr" defTabSz="1866900">
+            <a:lnSpc>
+              <a:spcPct val="90000"/>
+            </a:lnSpc>
+            <a:spcBef>
+              <a:spcPct val="0"/>
+            </a:spcBef>
+            <a:spcAft>
+              <a:spcPct val="35000"/>
+            </a:spcAft>
+            <a:buNone/>
+          </a:pPr>
+          <a:r>
+            <a:rPr lang="ur-PK" sz="4200" kern="1200" dirty="0"/>
+            <a:t>لفظا</a:t>
+          </a:r>
+          <a:endParaRPr lang="en-GB" sz="4200" kern="1200" dirty="0"/>
+        </a:p>
+      </dsp:txBody>
+      <dsp:txXfrm>
+        <a:off x="2326280" y="1555213"/>
+        <a:ext cx="6415810" cy="1282185"/>
+      </dsp:txXfrm>
+    </dsp:sp>
+    <dsp:sp modelId="{1985FC96-89B2-4199-86D3-531EFE1A482E}">
+      <dsp:nvSpPr>
+        <dsp:cNvPr id="0" name=""/>
+        <dsp:cNvSpPr/>
+      </dsp:nvSpPr>
+      <dsp:spPr>
+        <a:xfrm>
+          <a:off x="6675758" y="3029829"/>
+          <a:ext cx="2106223" cy="1361967"/>
+        </a:xfrm>
+        <a:prstGeom prst="roundRect">
+          <a:avLst>
+            <a:gd name="adj" fmla="val 10000"/>
+          </a:avLst>
+        </a:prstGeom>
+        <a:solidFill>
+          <a:schemeClr val="accent3">
+            <a:hueOff val="0"/>
+            <a:satOff val="0"/>
+            <a:lumOff val="0"/>
+            <a:alphaOff val="0"/>
+          </a:schemeClr>
+        </a:solidFill>
+        <a:ln w="25400" cap="flat" cmpd="sng" algn="ctr">
+          <a:solidFill>
+            <a:schemeClr val="lt1">
+              <a:hueOff val="0"/>
+              <a:satOff val="0"/>
+              <a:lumOff val="0"/>
+              <a:alphaOff val="0"/>
+            </a:schemeClr>
+          </a:solidFill>
+          <a:prstDash val="solid"/>
+        </a:ln>
+        <a:effectLst/>
+      </dsp:spPr>
+      <dsp:style>
+        <a:lnRef idx="2">
+          <a:scrgbClr r="0" g="0" b="0"/>
+        </a:lnRef>
+        <a:fillRef idx="1">
+          <a:scrgbClr r="0" g="0" b="0"/>
+        </a:fillRef>
+        <a:effectRef idx="0">
+          <a:scrgbClr r="0" g="0" b="0"/>
+        </a:effectRef>
+        <a:fontRef idx="minor">
+          <a:schemeClr val="lt1"/>
+        </a:fontRef>
+      </dsp:style>
+      <dsp:txBody>
+        <a:bodyPr spcFirstLastPara="0" vert="horz" wrap="square" lIns="91440" tIns="91440" rIns="91440" bIns="91440" numCol="1" spcCol="1270" anchor="ctr" anchorCtr="0">
+          <a:noAutofit/>
+        </a:bodyPr>
+        <a:lstStyle/>
+        <a:p>
+          <a:pPr marL="0" lvl="0" indent="0" algn="ctr" defTabSz="1066800">
+            <a:lnSpc>
+              <a:spcPct val="90000"/>
+            </a:lnSpc>
+            <a:spcBef>
+              <a:spcPct val="0"/>
+            </a:spcBef>
+            <a:spcAft>
+              <a:spcPct val="35000"/>
+            </a:spcAft>
+            <a:buNone/>
+          </a:pPr>
+          <a:r>
+            <a:rPr lang="ar-SA" sz="2400" kern="1200" dirty="0"/>
+            <a:t>اِتِّفَاقُ الْحَرَكاتِ وَالسَّكَنَاتِ </a:t>
+          </a:r>
+          <a:endParaRPr lang="en-GB" sz="2400" kern="1200" dirty="0"/>
+        </a:p>
+      </dsp:txBody>
+      <dsp:txXfrm>
+        <a:off x="6715649" y="3069720"/>
+        <a:ext cx="2026441" cy="1282185"/>
+      </dsp:txXfrm>
+    </dsp:sp>
+    <dsp:sp modelId="{D8F357CE-370D-46D4-9CBE-37CEDE3D6C01}">
+      <dsp:nvSpPr>
+        <dsp:cNvPr id="0" name=""/>
+        <dsp:cNvSpPr/>
+      </dsp:nvSpPr>
+      <dsp:spPr>
+        <a:xfrm>
+          <a:off x="4481073" y="3029829"/>
+          <a:ext cx="2106223" cy="1361967"/>
+        </a:xfrm>
+        <a:prstGeom prst="roundRect">
+          <a:avLst>
+            <a:gd name="adj" fmla="val 10000"/>
+          </a:avLst>
+        </a:prstGeom>
+        <a:solidFill>
+          <a:schemeClr val="accent3">
+            <a:hueOff val="0"/>
+            <a:satOff val="0"/>
+            <a:lumOff val="0"/>
+            <a:alphaOff val="0"/>
+          </a:schemeClr>
+        </a:solidFill>
+        <a:ln w="25400" cap="flat" cmpd="sng" algn="ctr">
+          <a:solidFill>
+            <a:schemeClr val="lt1">
+              <a:hueOff val="0"/>
+              <a:satOff val="0"/>
+              <a:lumOff val="0"/>
+              <a:alphaOff val="0"/>
+            </a:schemeClr>
+          </a:solidFill>
+          <a:prstDash val="solid"/>
+        </a:ln>
+        <a:effectLst/>
+      </dsp:spPr>
+      <dsp:style>
+        <a:lnRef idx="2">
+          <a:scrgbClr r="0" g="0" b="0"/>
+        </a:lnRef>
+        <a:fillRef idx="1">
+          <a:scrgbClr r="0" g="0" b="0"/>
+        </a:fillRef>
+        <a:effectRef idx="0">
+          <a:scrgbClr r="0" g="0" b="0"/>
+        </a:effectRef>
+        <a:fontRef idx="minor">
+          <a:schemeClr val="lt1"/>
+        </a:fontRef>
+      </dsp:style>
+      <dsp:txBody>
+        <a:bodyPr spcFirstLastPara="0" vert="horz" wrap="square" lIns="91440" tIns="91440" rIns="91440" bIns="91440" numCol="1" spcCol="1270" anchor="ctr" anchorCtr="0">
+          <a:noAutofit/>
+        </a:bodyPr>
+        <a:lstStyle/>
+        <a:p>
+          <a:pPr marL="0" lvl="0" indent="0" algn="ctr" defTabSz="1066800">
+            <a:lnSpc>
+              <a:spcPct val="90000"/>
+            </a:lnSpc>
+            <a:spcBef>
+              <a:spcPct val="0"/>
+            </a:spcBef>
+            <a:spcAft>
+              <a:spcPct val="35000"/>
+            </a:spcAft>
+            <a:buNone/>
+          </a:pPr>
+          <a:r>
+            <a:rPr lang="ar-SA" sz="2400" kern="1200" dirty="0"/>
+            <a:t>دُخُولِ لَامِ التَّأكيدِ فِي أوَّلِهِمَا</a:t>
+          </a:r>
+          <a:endParaRPr lang="en-GB" sz="2400" kern="1200" dirty="0"/>
+        </a:p>
+      </dsp:txBody>
+      <dsp:txXfrm>
+        <a:off x="4520964" y="3069720"/>
+        <a:ext cx="2026441" cy="1282185"/>
+      </dsp:txXfrm>
+    </dsp:sp>
+    <dsp:sp modelId="{BF8B2150-AD42-4555-AC3F-035C56A3F2AB}">
+      <dsp:nvSpPr>
+        <dsp:cNvPr id="0" name=""/>
+        <dsp:cNvSpPr/>
+      </dsp:nvSpPr>
+      <dsp:spPr>
+        <a:xfrm>
+          <a:off x="2286389" y="3029829"/>
+          <a:ext cx="2106223" cy="1361967"/>
+        </a:xfrm>
+        <a:prstGeom prst="roundRect">
+          <a:avLst>
+            <a:gd name="adj" fmla="val 10000"/>
+          </a:avLst>
+        </a:prstGeom>
+        <a:solidFill>
+          <a:schemeClr val="accent3">
+            <a:hueOff val="0"/>
+            <a:satOff val="0"/>
+            <a:lumOff val="0"/>
+            <a:alphaOff val="0"/>
+          </a:schemeClr>
+        </a:solidFill>
+        <a:ln w="25400" cap="flat" cmpd="sng" algn="ctr">
+          <a:solidFill>
+            <a:schemeClr val="lt1">
+              <a:hueOff val="0"/>
+              <a:satOff val="0"/>
+              <a:lumOff val="0"/>
+              <a:alphaOff val="0"/>
+            </a:schemeClr>
+          </a:solidFill>
+          <a:prstDash val="solid"/>
+        </a:ln>
+        <a:effectLst/>
+      </dsp:spPr>
+      <dsp:style>
+        <a:lnRef idx="2">
+          <a:scrgbClr r="0" g="0" b="0"/>
+        </a:lnRef>
+        <a:fillRef idx="1">
+          <a:scrgbClr r="0" g="0" b="0"/>
+        </a:fillRef>
+        <a:effectRef idx="0">
+          <a:scrgbClr r="0" g="0" b="0"/>
+        </a:effectRef>
+        <a:fontRef idx="minor">
+          <a:schemeClr val="lt1"/>
+        </a:fontRef>
+      </dsp:style>
+      <dsp:txBody>
+        <a:bodyPr spcFirstLastPara="0" vert="horz" wrap="square" lIns="91440" tIns="91440" rIns="91440" bIns="91440" numCol="1" spcCol="1270" anchor="ctr" anchorCtr="0">
+          <a:noAutofit/>
+        </a:bodyPr>
+        <a:lstStyle/>
+        <a:p>
+          <a:pPr marL="0" lvl="0" indent="0" algn="ctr" defTabSz="1066800">
+            <a:lnSpc>
+              <a:spcPct val="90000"/>
+            </a:lnSpc>
+            <a:spcBef>
+              <a:spcPct val="0"/>
+            </a:spcBef>
+            <a:spcAft>
+              <a:spcPct val="35000"/>
+            </a:spcAft>
+            <a:buNone/>
+          </a:pPr>
+          <a:r>
+            <a:rPr lang="ar-SA" sz="2400" kern="1200"/>
+            <a:t>تَسَاوِيْهِمَا فِي عَدَدِ الحُرُوفِ</a:t>
+          </a:r>
+          <a:endParaRPr lang="en-GB" sz="2400" kern="1200" dirty="0"/>
+        </a:p>
+      </dsp:txBody>
+      <dsp:txXfrm>
+        <a:off x="2326280" y="3069720"/>
+        <a:ext cx="2026441" cy="1282185"/>
+      </dsp:txXfrm>
+    </dsp:sp>
+    <dsp:sp modelId="{E51C2F0B-9940-4C4D-9A3C-7D2EEC2B4C32}">
+      <dsp:nvSpPr>
+        <dsp:cNvPr id="0" name=""/>
+        <dsp:cNvSpPr/>
+      </dsp:nvSpPr>
+      <dsp:spPr>
+        <a:xfrm>
+          <a:off x="3242" y="1515322"/>
+          <a:ext cx="2106223" cy="1361967"/>
+        </a:xfrm>
+        <a:prstGeom prst="roundRect">
+          <a:avLst>
+            <a:gd name="adj" fmla="val 10000"/>
+          </a:avLst>
+        </a:prstGeom>
+        <a:solidFill>
+          <a:schemeClr val="accent2">
+            <a:hueOff val="0"/>
+            <a:satOff val="0"/>
+            <a:lumOff val="0"/>
+            <a:alphaOff val="0"/>
+          </a:schemeClr>
+        </a:solidFill>
+        <a:ln w="25400" cap="flat" cmpd="sng" algn="ctr">
+          <a:solidFill>
+            <a:schemeClr val="lt1">
+              <a:hueOff val="0"/>
+              <a:satOff val="0"/>
+              <a:lumOff val="0"/>
+              <a:alphaOff val="0"/>
+            </a:schemeClr>
+          </a:solidFill>
+          <a:prstDash val="solid"/>
+        </a:ln>
+        <a:effectLst/>
+      </dsp:spPr>
+      <dsp:style>
+        <a:lnRef idx="2">
+          <a:scrgbClr r="0" g="0" b="0"/>
+        </a:lnRef>
+        <a:fillRef idx="1">
+          <a:scrgbClr r="0" g="0" b="0"/>
+        </a:fillRef>
+        <a:effectRef idx="0">
+          <a:scrgbClr r="0" g="0" b="0"/>
+        </a:effectRef>
+        <a:fontRef idx="minor">
+          <a:schemeClr val="lt1"/>
+        </a:fontRef>
+      </dsp:style>
+      <dsp:txBody>
+        <a:bodyPr spcFirstLastPara="0" vert="horz" wrap="square" lIns="160020" tIns="160020" rIns="160020" bIns="160020" numCol="1" spcCol="1270" anchor="ctr" anchorCtr="0">
+          <a:noAutofit/>
+        </a:bodyPr>
+        <a:lstStyle/>
+        <a:p>
+          <a:pPr marL="0" lvl="0" indent="0" algn="ctr" defTabSz="1866900">
+            <a:lnSpc>
+              <a:spcPct val="90000"/>
+            </a:lnSpc>
+            <a:spcBef>
+              <a:spcPct val="0"/>
+            </a:spcBef>
+            <a:spcAft>
+              <a:spcPct val="35000"/>
+            </a:spcAft>
+            <a:buNone/>
+          </a:pPr>
+          <a:r>
+            <a:rPr lang="ur-PK" sz="4200" kern="1200" dirty="0"/>
+            <a:t>معنی</a:t>
+          </a:r>
+          <a:endParaRPr lang="en-GB" sz="4200" kern="1200" dirty="0"/>
+        </a:p>
+      </dsp:txBody>
+      <dsp:txXfrm>
+        <a:off x="43133" y="1555213"/>
+        <a:ext cx="2026441" cy="1282185"/>
+      </dsp:txXfrm>
+    </dsp:sp>
+    <dsp:sp modelId="{78392F01-4EC5-4E3D-A629-6F8D3A523E89}">
+      <dsp:nvSpPr>
+        <dsp:cNvPr id="0" name=""/>
+        <dsp:cNvSpPr/>
+      </dsp:nvSpPr>
+      <dsp:spPr>
+        <a:xfrm>
+          <a:off x="3242" y="3029829"/>
+          <a:ext cx="2106223" cy="1361967"/>
+        </a:xfrm>
+        <a:prstGeom prst="roundRect">
+          <a:avLst>
+            <a:gd name="adj" fmla="val 10000"/>
+          </a:avLst>
+        </a:prstGeom>
+        <a:solidFill>
+          <a:schemeClr val="accent3">
+            <a:hueOff val="0"/>
+            <a:satOff val="0"/>
+            <a:lumOff val="0"/>
+            <a:alphaOff val="0"/>
+          </a:schemeClr>
+        </a:solidFill>
+        <a:ln w="25400" cap="flat" cmpd="sng" algn="ctr">
+          <a:solidFill>
+            <a:schemeClr val="lt1">
+              <a:hueOff val="0"/>
+              <a:satOff val="0"/>
+              <a:lumOff val="0"/>
+              <a:alphaOff val="0"/>
+            </a:schemeClr>
+          </a:solidFill>
+          <a:prstDash val="solid"/>
+        </a:ln>
+        <a:effectLst/>
+      </dsp:spPr>
+      <dsp:style>
+        <a:lnRef idx="2">
+          <a:scrgbClr r="0" g="0" b="0"/>
+        </a:lnRef>
+        <a:fillRef idx="1">
+          <a:scrgbClr r="0" g="0" b="0"/>
+        </a:fillRef>
+        <a:effectRef idx="0">
+          <a:scrgbClr r="0" g="0" b="0"/>
+        </a:effectRef>
+        <a:fontRef idx="minor">
+          <a:schemeClr val="lt1"/>
+        </a:fontRef>
+      </dsp:style>
+      <dsp:txBody>
+        <a:bodyPr spcFirstLastPara="0" vert="horz" wrap="square" lIns="91440" tIns="91440" rIns="91440" bIns="91440" numCol="1" spcCol="1270" anchor="ctr" anchorCtr="0">
+          <a:noAutofit/>
+        </a:bodyPr>
+        <a:lstStyle/>
+        <a:p>
+          <a:pPr marL="0" lvl="0" indent="0" algn="ctr" defTabSz="1066800">
+            <a:lnSpc>
+              <a:spcPct val="90000"/>
+            </a:lnSpc>
+            <a:spcBef>
+              <a:spcPct val="0"/>
+            </a:spcBef>
+            <a:spcAft>
+              <a:spcPct val="35000"/>
+            </a:spcAft>
+            <a:buNone/>
+          </a:pPr>
+          <a:r>
+            <a:rPr lang="ar-SA" sz="2400" kern="1200" dirty="0"/>
+            <a:t>أَنَّهُ مُشْتَرِكٌ بَيْنَ الحَالِ وَالاسْتِقْبالِ</a:t>
+          </a:r>
+          <a:endParaRPr lang="en-GB" sz="2400" kern="1200" dirty="0"/>
+        </a:p>
+      </dsp:txBody>
+      <dsp:txXfrm>
+        <a:off x="43133" y="3069720"/>
+        <a:ext cx="2026441" cy="1282185"/>
+      </dsp:txXfrm>
+    </dsp:sp>
+  </dsp:spTree>
+</dsp:drawing>
+</file>
+
+<file path=ppt/diagrams/layout1.xml><?xml version="1.0" encoding="utf-8"?>
+<dgm:layoutDef xmlns:dgm="http://schemas.openxmlformats.org/drawingml/2006/diagram" xmlns:a="http://schemas.openxmlformats.org/drawingml/2006/main" uniqueId="urn:microsoft.com/office/officeart/2005/8/layout/hierarchy4">
+  <dgm:title val=""/>
+  <dgm:desc val=""/>
+  <dgm:catLst>
+    <dgm:cat type="hierarchy" pri="4000"/>
+    <dgm:cat type="list" pri="24000"/>
+    <dgm:cat type="relationship" pri="10000"/>
+  </dgm:catLst>
+  <dgm:sampData>
+    <dgm:dataModel>
+      <dgm:ptLst>
+        <dgm:pt modelId="0" type="doc"/>
+        <dgm:pt modelId="1">
+          <dgm:prSet phldr="1"/>
+        </dgm:pt>
+        <dgm:pt modelId="2">
+          <dgm:prSet phldr="1"/>
+        </dgm:pt>
+        <dgm:pt modelId="21">
+          <dgm:prSet phldr="1"/>
+        </dgm:pt>
+        <dgm:pt modelId="22">
+          <dgm:prSet phldr="1"/>
+        </dgm:pt>
+        <dgm:pt modelId="3">
+          <dgm:prSet phldr="1"/>
+        </dgm:pt>
+        <dgm:pt modelId="31">
+          <dgm:prSet phldr="1"/>
+        </dgm:pt>
+      </dgm:ptLst>
+      <dgm:cxnLst>
+        <dgm:cxn modelId="4" srcId="0" destId="1" srcOrd="0" destOrd="0"/>
+        <dgm:cxn modelId="5" srcId="1" destId="2" srcOrd="0" destOrd="0"/>
+        <dgm:cxn modelId="6" srcId="1" destId="3" srcOrd="1" destOrd="0"/>
+        <dgm:cxn modelId="23" srcId="2" destId="21" srcOrd="0" destOrd="0"/>
+        <dgm:cxn modelId="24" srcId="2" destId="22" srcOrd="1" destOrd="0"/>
+        <dgm:cxn modelId="33" srcId="3" destId="31" srcOrd="0" destOrd="0"/>
+      </dgm:cxnLst>
+      <dgm:bg/>
+      <dgm:whole/>
+    </dgm:dataModel>
+  </dgm:sampData>
+  <dgm:styleData>
+    <dgm:dataModel>
+      <dgm:ptLst>
+        <dgm:pt modelId="0" type="doc"/>
+        <dgm:pt modelId="1"/>
+        <dgm:pt modelId="11"/>
+        <dgm:pt modelId="12"/>
+      </dgm:ptLst>
+      <dgm:cxnLst>
+        <dgm:cxn modelId="2" srcId="0" destId="1" srcOrd="0" destOrd="0"/>
+        <dgm:cxn modelId="13" srcId="1" destId="11" srcOrd="0" destOrd="0"/>
+        <dgm:cxn modelId="14" srcId="1" destId="12" srcOrd="1" destOrd="0"/>
+      </dgm:cxnLst>
+      <dgm:bg/>
+      <dgm:whole/>
+    </dgm:dataModel>
+  </dgm:styleData>
+  <dgm:clrData>
+    <dgm:dataModel>
+      <dgm:ptLst>
+        <dgm:pt modelId="0" type="doc"/>
+        <dgm:pt modelId="1"/>
+        <dgm:pt modelId="2"/>
+        <dgm:pt modelId="21"/>
+        <dgm:pt modelId="211"/>
+        <dgm:pt modelId="3"/>
+        <dgm:pt modelId="31"/>
+        <dgm:pt modelId="311"/>
+      </dgm:ptLst>
+      <dgm:cxnLst>
+        <dgm:cxn modelId="4" srcId="0" destId="1" srcOrd="0" destOrd="0"/>
+        <dgm:cxn modelId="5" srcId="1" destId="2" srcOrd="0" destOrd="0"/>
+        <dgm:cxn modelId="6" srcId="1" destId="3" srcOrd="1" destOrd="0"/>
+        <dgm:cxn modelId="23" srcId="2" destId="21" srcOrd="0" destOrd="0"/>
+        <dgm:cxn modelId="24" srcId="21" destId="211" srcOrd="0" destOrd="0"/>
+        <dgm:cxn modelId="33" srcId="3" destId="31" srcOrd="0" destOrd="0"/>
+        <dgm:cxn modelId="34" srcId="31" destId="311" srcOrd="0" destOrd="0"/>
+      </dgm:cxnLst>
+      <dgm:bg/>
+      <dgm:whole/>
+    </dgm:dataModel>
+  </dgm:clrData>
+  <dgm:layoutNode name="Name0">
+    <dgm:varLst>
+      <dgm:chPref val="1"/>
+      <dgm:dir/>
+      <dgm:animOne val="branch"/>
+      <dgm:animLvl val="lvl"/>
+      <dgm:resizeHandles/>
+    </dgm:varLst>
+    <dgm:choose name="Name1">
+      <dgm:if name="Name2" func="var" arg="dir" op="equ" val="norm">
+        <dgm:alg type="lin">
+          <dgm:param type="linDir" val="fromL"/>
+          <dgm:param type="nodeVertAlign" val="t"/>
+        </dgm:alg>
+      </dgm:if>
+      <dgm:else name="Name3">
+        <dgm:alg type="lin">
+          <dgm:param type="linDir" val="fromR"/>
+          <dgm:param type="nodeVertAlign" val="t"/>
+        </dgm:alg>
+      </dgm:else>
+    </dgm:choose>
+    <dgm:shape xmlns:r="http://schemas.openxmlformats.org/officeDocument/2006/relationships" r:blip="">
+      <dgm:adjLst/>
+    </dgm:shape>
+    <dgm:presOf/>
+    <dgm:constrLst>
+      <dgm:constr type="w" for="ch" forName="vertOne" refType="w"/>
+      <dgm:constr type="w" for="des" forName="horzOne" refType="w"/>
+      <dgm:constr type="w" for="des" forName="txOne" refType="w"/>
+      <dgm:constr type="w" for="des" forName="vertTwo" refType="w"/>
+      <dgm:constr type="w" for="des" forName="horzTwo" refType="w"/>
+      <dgm:constr type="w" for="des" forName="txTwo" refType="w"/>
+      <dgm:constr type="w" for="des" forName="vertThree" refType="w"/>
+      <dgm:constr type="w" for="des" forName="horzThree" refType="w"/>
+      <dgm:constr type="w" for="des" forName="txThree" refType="w"/>
+      <dgm:constr type="w" for="des" forName="vertFour" refType="w"/>
+      <dgm:constr type="w" for="des" forName="horzFour" refType="w"/>
+      <dgm:constr type="w" for="des" forName="txFour" refType="w"/>
+      <dgm:constr type="h" for="des" ptType="node" op="equ"/>
+      <dgm:constr type="h" for="des" forName="txOne" refType="h"/>
+      <dgm:constr type="userH" for="des" ptType="node" refType="h" refFor="des" refForName="txOne"/>
+      <dgm:constr type="primFontSz" for="des" forName="txOne" val="65"/>
+      <dgm:constr type="primFontSz" for="des" forName="txTwo" val="65"/>
+      <dgm:constr type="primFontSz" for="des" forName="txTwo" refType="primFontSz" refFor="des" refForName="txOne" op="lte"/>
+      <dgm:constr type="primFontSz" for="des" forName="txThree" val="65"/>
+      <dgm:constr type="primFontSz" for="des" forName="txThree" refType="primFontSz" refFor="des" refForName="txOne" op="lte"/>
+      <dgm:constr type="primFontSz" for="des" forName="txThree" refType="primFontSz" refFor="des" refForName="txTwo" op="lte"/>
+      <dgm:constr type="primFontSz" for="des" forName="txFour" val="65"/>
+      <dgm:constr type="primFontSz" for="des" forName="txFour" refType="primFontSz" refFor="des" refForName="txOne" op="lte"/>
+      <dgm:constr type="primFontSz" for="des" forName="txFour" refType="primFontSz" refFor="des" refForName="txTwo" op="lte"/>
+      <dgm:constr type="primFontSz" for="des" forName="txFour" refType="primFontSz" refFor="des" refForName="txThree" op="lte"/>
+      <dgm:constr type="w" for="des" forName="sibSpaceOne" refType="w" fact="0.168"/>
+      <dgm:constr type="w" for="des" forName="sibSpaceTwo" refType="w" refFor="des" refForName="sibSpaceOne" op="equ" fact="0.5"/>
+      <dgm:constr type="w" for="des" forName="sibSpaceThree" refType="w" refFor="des" refForName="sibSpaceTwo" op="equ" fact="0.5"/>
+      <dgm:constr type="w" for="des" forName="sibSpaceFour" refType="w" refFor="des" refForName="sibSpaceThree" op="equ" fact="0.5"/>
+      <dgm:constr type="h" for="des" forName="parTransOne" refType="w" fact="0.056"/>
+      <dgm:constr type="h" for="des" forName="parTransTwo" refType="h" refFor="des" refForName="parTransOne" op="equ"/>
+      <dgm:constr type="h" for="des" forName="parTransThree" refType="h" refFor="des" refForName="parTransTwo" op="equ"/>
+      <dgm:constr type="h" for="des" forName="parTransFour" refType="h" refFor="des" refForName="parTransThree" op="equ"/>
+    </dgm:constrLst>
+    <dgm:ruleLst/>
+    <dgm:forEach name="Name4" axis="ch" ptType="node">
+      <dgm:layoutNode name="vertOne">
+        <dgm:alg type="lin">
+          <dgm:param type="linDir" val="fromT"/>
+        </dgm:alg>
+        <dgm:shape xmlns:r="http://schemas.openxmlformats.org/officeDocument/2006/relationships" r:blip="">
+          <dgm:adjLst/>
+        </dgm:shape>
+        <dgm:presOf/>
+        <dgm:constrLst>
+          <dgm:constr type="w" for="ch" forName="txOne" refType="w" refFor="ch" refForName="horzOne" op="gte"/>
+        </dgm:constrLst>
+        <dgm:ruleLst/>
+        <dgm:layoutNode name="txOne" styleLbl="node0">
+          <dgm:varLst>
+            <dgm:chPref val="3"/>
+          </dgm:varLst>
+          <dgm:alg type="tx"/>
+          <dgm:shape xmlns:r="http://schemas.openxmlformats.org/officeDocument/2006/relationships" type="roundRect" r:blip="">
+            <dgm:adjLst>
+              <dgm:adj idx="1" val="0.1"/>
+            </dgm:adjLst>
+          </dgm:shape>
+          <dgm:presOf axis="self"/>
+          <dgm:constrLst>
+            <dgm:constr type="tMarg" refType="primFontSz" fact="0.3"/>
+            <dgm:constr type="bMarg" refType="primFontSz" fact="0.3"/>
+            <dgm:constr type="lMarg" refType="primFontSz" fact="0.3"/>
+            <dgm:constr type="rMarg" refType="primFontSz" fact="0.3"/>
+          </dgm:constrLst>
+          <dgm:ruleLst>
+            <dgm:rule type="primFontSz" val="5" fact="NaN" max="NaN"/>
+          </dgm:ruleLst>
+        </dgm:layoutNode>
+        <dgm:choose name="Name5">
+          <dgm:if name="Name6" axis="des" ptType="node" func="cnt" op="gt" val="0">
+            <dgm:layoutNode name="parTransOne">
+              <dgm:alg type="sp"/>
+              <dgm:shape xmlns:r="http://schemas.openxmlformats.org/officeDocument/2006/relationships" r:blip="">
+                <dgm:adjLst/>
+              </dgm:shape>
+              <dgm:presOf/>
+              <dgm:constrLst/>
+              <dgm:ruleLst/>
+            </dgm:layoutNode>
+          </dgm:if>
+          <dgm:else name="Name7"/>
+        </dgm:choose>
+        <dgm:layoutNode name="horzOne">
+          <dgm:choose name="Name8">
+            <dgm:if name="Name9" func="var" arg="dir" op="equ" val="norm">
+              <dgm:alg type="lin">
+                <dgm:param type="linDir" val="fromL"/>
+                <dgm:param type="nodeVertAlign" val="t"/>
+              </dgm:alg>
+            </dgm:if>
+            <dgm:else name="Name10">
+              <dgm:alg type="lin">
+                <dgm:param type="linDir" val="fromR"/>
+                <dgm:param type="nodeVertAlign" val="t"/>
+              </dgm:alg>
+            </dgm:else>
+          </dgm:choose>
+          <dgm:shape xmlns:r="http://schemas.openxmlformats.org/officeDocument/2006/relationships" r:blip="">
+            <dgm:adjLst/>
+          </dgm:shape>
+          <dgm:presOf/>
+          <dgm:constrLst/>
+          <dgm:ruleLst>
+            <dgm:rule type="w" val="INF" fact="NaN" max="NaN"/>
+          </dgm:ruleLst>
+          <dgm:forEach name="Name11" axis="ch" ptType="node">
+            <dgm:layoutNode name="vertTwo">
+              <dgm:alg type="lin">
+                <dgm:param type="linDir" val="fromT"/>
+              </dgm:alg>
+              <dgm:shape xmlns:r="http://schemas.openxmlformats.org/officeDocument/2006/relationships" r:blip="">
+                <dgm:adjLst/>
+              </dgm:shape>
+              <dgm:presOf/>
+              <dgm:constrLst>
+                <dgm:constr type="w" for="ch" forName="txTwo" refType="w" refFor="ch" refForName="horzTwo" op="gte"/>
+              </dgm:constrLst>
+              <dgm:ruleLst/>
+              <dgm:layoutNode name="txTwo">
+                <dgm:varLst>
+                  <dgm:chPref val="3"/>
+                </dgm:varLst>
+                <dgm:alg type="tx"/>
+                <dgm:shape xmlns:r="http://schemas.openxmlformats.org/officeDocument/2006/relationships" type="roundRect" r:blip="">
+                  <dgm:adjLst>
+                    <dgm:adj idx="1" val="0.1"/>
+                  </dgm:adjLst>
+                </dgm:shape>
+                <dgm:presOf axis="self"/>
+                <dgm:constrLst>
+                  <dgm:constr type="userH"/>
+                  <dgm:constr type="h" refType="userH"/>
+                  <dgm:constr type="tMarg" refType="primFontSz" fact="0.3"/>
+                  <dgm:constr type="bMarg" refType="primFontSz" fact="0.3"/>
+                  <dgm:constr type="lMarg" refType="primFontSz" fact="0.3"/>
+                  <dgm:constr type="rMarg" refType="primFontSz" fact="0.3"/>
+                </dgm:constrLst>
+                <dgm:ruleLst>
+                  <dgm:rule type="primFontSz" val="5" fact="NaN" max="NaN"/>
+                </dgm:ruleLst>
+              </dgm:layoutNode>
+              <dgm:choose name="Name12">
+                <dgm:if name="Name13" axis="des" ptType="node" func="cnt" op="gt" val="0">
+                  <dgm:layoutNode name="parTransTwo">
+                    <dgm:alg type="sp"/>
+                    <dgm:shape xmlns:r="http://schemas.openxmlformats.org/officeDocument/2006/relationships" r:blip="">
+                      <dgm:adjLst/>
+                    </dgm:shape>
+                    <dgm:presOf/>
+                    <dgm:constrLst/>
+                    <dgm:ruleLst/>
+                  </dgm:layoutNode>
+                </dgm:if>
+                <dgm:else name="Name14"/>
+              </dgm:choose>
+              <dgm:layoutNode name="horzTwo">
+                <dgm:choose name="Name15">
+                  <dgm:if name="Name16" func="var" arg="dir" op="equ" val="norm">
+                    <dgm:alg type="lin">
+                      <dgm:param type="linDir" val="fromL"/>
+                      <dgm:param type="nodeVertAlign" val="t"/>
+                    </dgm:alg>
+                  </dgm:if>
+                  <dgm:else name="Name17">
+                    <dgm:alg type="lin">
+                      <dgm:param type="linDir" val="fromR"/>
+                      <dgm:param type="nodeVertAlign" val="t"/>
+                    </dgm:alg>
+                  </dgm:else>
+                </dgm:choose>
+                <dgm:shape xmlns:r="http://schemas.openxmlformats.org/officeDocument/2006/relationships" r:blip="">
+                  <dgm:adjLst/>
+                </dgm:shape>
+                <dgm:presOf/>
+                <dgm:constrLst/>
+                <dgm:ruleLst>
+                  <dgm:rule type="w" val="INF" fact="NaN" max="NaN"/>
+                </dgm:ruleLst>
+                <dgm:forEach name="Name18" axis="ch" ptType="node">
+                  <dgm:layoutNode name="vertThree">
+                    <dgm:alg type="lin">
+                      <dgm:param type="linDir" val="fromT"/>
+                    </dgm:alg>
+                    <dgm:shape xmlns:r="http://schemas.openxmlformats.org/officeDocument/2006/relationships" r:blip="">
+                      <dgm:adjLst/>
+                    </dgm:shape>
+                    <dgm:presOf/>
+                    <dgm:constrLst>
+                      <dgm:constr type="w" for="ch" forName="txThree" refType="w" refFor="ch" refForName="horzThree" op="gte"/>
+                    </dgm:constrLst>
+                    <dgm:ruleLst/>
+                    <dgm:layoutNode name="txThree">
+                      <dgm:varLst>
+                        <dgm:chPref val="3"/>
+                      </dgm:varLst>
+                      <dgm:alg type="tx"/>
+                      <dgm:shape xmlns:r="http://schemas.openxmlformats.org/officeDocument/2006/relationships" type="roundRect" r:blip="">
+                        <dgm:adjLst>
+                          <dgm:adj idx="1" val="0.1"/>
+                        </dgm:adjLst>
+                      </dgm:shape>
+                      <dgm:presOf axis="self"/>
+                      <dgm:constrLst>
+                        <dgm:constr type="userH"/>
+                        <dgm:constr type="h" refType="userH"/>
+                        <dgm:constr type="tMarg" refType="primFontSz" fact="0.3"/>
+                        <dgm:constr type="bMarg" refType="primFontSz" fact="0.3"/>
+                        <dgm:constr type="lMarg" refType="primFontSz" fact="0.3"/>
+                        <dgm:constr type="rMarg" refType="primFontSz" fact="0.3"/>
+                      </dgm:constrLst>
+                      <dgm:ruleLst>
+                        <dgm:rule type="primFontSz" val="5" fact="NaN" max="NaN"/>
+                      </dgm:ruleLst>
+                    </dgm:layoutNode>
+                    <dgm:choose name="Name19">
+                      <dgm:if name="Name20" axis="des" ptType="node" func="cnt" op="gt" val="0">
+                        <dgm:layoutNode name="parTransThree">
+                          <dgm:alg type="sp"/>
+                          <dgm:shape xmlns:r="http://schemas.openxmlformats.org/officeDocument/2006/relationships" r:blip="">
+                            <dgm:adjLst/>
+                          </dgm:shape>
+                          <dgm:presOf/>
+                          <dgm:constrLst/>
+                          <dgm:ruleLst/>
+                        </dgm:layoutNode>
+                      </dgm:if>
+                      <dgm:else name="Name21"/>
+                    </dgm:choose>
+                    <dgm:layoutNode name="horzThree">
+                      <dgm:choose name="Name22">
+                        <dgm:if name="Name23" func="var" arg="dir" op="equ" val="norm">
+                          <dgm:alg type="lin">
+                            <dgm:param type="linDir" val="fromL"/>
+                            <dgm:param type="nodeVertAlign" val="t"/>
+                          </dgm:alg>
+                        </dgm:if>
+                        <dgm:else name="Name24">
+                          <dgm:alg type="lin">
+                            <dgm:param type="linDir" val="fromR"/>
+                            <dgm:param type="nodeVertAlign" val="t"/>
+                          </dgm:alg>
+                        </dgm:else>
+                      </dgm:choose>
+                      <dgm:shape xmlns:r="http://schemas.openxmlformats.org/officeDocument/2006/relationships" r:blip="">
+                        <dgm:adjLst/>
+                      </dgm:shape>
+                      <dgm:presOf/>
+                      <dgm:constrLst/>
+                      <dgm:ruleLst>
+                        <dgm:rule type="w" val="INF" fact="NaN" max="NaN"/>
+                      </dgm:ruleLst>
+                      <dgm:forEach name="repeat" axis="ch" ptType="node">
+                        <dgm:layoutNode name="vertFour">
+                          <dgm:varLst>
+                            <dgm:chPref val="3"/>
+                          </dgm:varLst>
+                          <dgm:alg type="lin">
+                            <dgm:param type="linDir" val="fromT"/>
+                          </dgm:alg>
+                          <dgm:shape xmlns:r="http://schemas.openxmlformats.org/officeDocument/2006/relationships" r:blip="">
+                            <dgm:adjLst/>
+                          </dgm:shape>
+                          <dgm:presOf/>
+                          <dgm:constrLst>
+                            <dgm:constr type="w" for="ch" forName="txFour" refType="w" refFor="ch" refForName="horzFour" op="gte"/>
+                          </dgm:constrLst>
+                          <dgm:ruleLst/>
+                          <dgm:layoutNode name="txFour">
+                            <dgm:varLst>
+                              <dgm:chPref val="3"/>
+                            </dgm:varLst>
+                            <dgm:alg type="tx"/>
+                            <dgm:shape xmlns:r="http://schemas.openxmlformats.org/officeDocument/2006/relationships" type="roundRect" r:blip="">
+                              <dgm:adjLst>
+                                <dgm:adj idx="1" val="0.1"/>
+                              </dgm:adjLst>
+                            </dgm:shape>
+                            <dgm:presOf axis="self"/>
+                            <dgm:constrLst>
+                              <dgm:constr type="userH"/>
+                              <dgm:constr type="h" refType="userH"/>
+                              <dgm:constr type="tMarg" refType="primFontSz" fact="0.3"/>
+                              <dgm:constr type="bMarg" refType="primFontSz" fact="0.3"/>
+                              <dgm:constr type="lMarg" refType="primFontSz" fact="0.3"/>
+                              <dgm:constr type="rMarg" refType="primFontSz" fact="0.3"/>
+                            </dgm:constrLst>
+                            <dgm:ruleLst>
+                              <dgm:rule type="primFontSz" val="5" fact="NaN" max="NaN"/>
+                            </dgm:ruleLst>
+                          </dgm:layoutNode>
+                          <dgm:choose name="Name25">
+                            <dgm:if name="Name26" axis="des" ptType="node" func="cnt" op="gt" val="0">
+                              <dgm:layoutNode name="parTransFour">
+                                <dgm:alg type="sp"/>
+                                <dgm:shape xmlns:r="http://schemas.openxmlformats.org/officeDocument/2006/relationships" r:blip="">
+                                  <dgm:adjLst/>
+                                </dgm:shape>
+                                <dgm:presOf/>
+                                <dgm:constrLst/>
+                                <dgm:ruleLst/>
+                              </dgm:layoutNode>
+                            </dgm:if>
+                            <dgm:else name="Name27"/>
+                          </dgm:choose>
+                          <dgm:layoutNode name="horzFour">
+                            <dgm:choose name="Name28">
+                              <dgm:if name="Name29" func="var" arg="dir" op="equ" val="norm">
+                                <dgm:alg type="lin">
+                                  <dgm:param type="linDir" val="fromL"/>
+                                  <dgm:param type="nodeVertAlign" val="t"/>
+                                </dgm:alg>
+                              </dgm:if>
+                              <dgm:else name="Name30">
+                                <dgm:alg type="lin">
+                                  <dgm:param type="linDir" val="fromR"/>
+                                  <dgm:param type="nodeVertAlign" val="t"/>
+                                </dgm:alg>
+                              </dgm:else>
+                            </dgm:choose>
+                            <dgm:shape xmlns:r="http://schemas.openxmlformats.org/officeDocument/2006/relationships" r:blip="">
+                              <dgm:adjLst/>
+                            </dgm:shape>
+                            <dgm:presOf/>
+                            <dgm:constrLst/>
+                            <dgm:ruleLst>
+                              <dgm:rule type="w" val="INF" fact="NaN" max="NaN"/>
+                            </dgm:ruleLst>
+                            <dgm:forEach name="Name31" ref="repeat"/>
+                          </dgm:layoutNode>
+                        </dgm:layoutNode>
+                        <dgm:choose name="Name32">
+                          <dgm:if name="Name33" axis="self" ptType="node" func="revPos" op="gte" val="2">
+                            <dgm:forEach name="Name34" axis="followSib" ptType="sibTrans" cnt="1">
+                              <dgm:layoutNode name="sibSpaceFour">
+                                <dgm:alg type="sp"/>
+                                <dgm:shape xmlns:r="http://schemas.openxmlformats.org/officeDocument/2006/relationships" r:blip="">
+                                  <dgm:adjLst/>
+                                </dgm:shape>
+                                <dgm:presOf/>
+                                <dgm:constrLst/>
+                                <dgm:ruleLst/>
+                              </dgm:layoutNode>
+                            </dgm:forEach>
+                          </dgm:if>
+                          <dgm:else name="Name35"/>
+                        </dgm:choose>
+                      </dgm:forEach>
+                    </dgm:layoutNode>
+                  </dgm:layoutNode>
+                  <dgm:choose name="Name36">
+                    <dgm:if name="Name37" axis="self" ptType="node" func="revPos" op="gte" val="2">
+                      <dgm:forEach name="Name38" axis="followSib" ptType="sibTrans" cnt="1">
+                        <dgm:layoutNode name="sibSpaceThree">
+                          <dgm:alg type="sp"/>
+                          <dgm:shape xmlns:r="http://schemas.openxmlformats.org/officeDocument/2006/relationships" r:blip="">
+                            <dgm:adjLst/>
+                          </dgm:shape>
+                          <dgm:presOf/>
+                          <dgm:constrLst/>
+                          <dgm:ruleLst/>
+                        </dgm:layoutNode>
+                      </dgm:forEach>
+                    </dgm:if>
+                    <dgm:else name="Name39"/>
+                  </dgm:choose>
+                </dgm:forEach>
+              </dgm:layoutNode>
+            </dgm:layoutNode>
+            <dgm:choose name="Name40">
+              <dgm:if name="Name41" axis="self" ptType="node" func="revPos" op="gte" val="2">
+                <dgm:forEach name="Name42" axis="followSib" ptType="sibTrans" cnt="1">
+                  <dgm:layoutNode name="sibSpaceTwo">
+                    <dgm:alg type="sp"/>
+                    <dgm:shape xmlns:r="http://schemas.openxmlformats.org/officeDocument/2006/relationships" r:blip="">
+                      <dgm:adjLst/>
+                    </dgm:shape>
+                    <dgm:presOf/>
+                    <dgm:constrLst/>
+                    <dgm:ruleLst/>
+                  </dgm:layoutNode>
+                </dgm:forEach>
+              </dgm:if>
+              <dgm:else name="Name43"/>
+            </dgm:choose>
+          </dgm:forEach>
+        </dgm:layoutNode>
+      </dgm:layoutNode>
+      <dgm:choose name="Name44">
+        <dgm:if name="Name45" axis="self" ptType="node" func="revPos" op="gte" val="2">
+          <dgm:forEach name="Name46" axis="followSib" ptType="sibTrans" cnt="1">
+            <dgm:layoutNode name="sibSpaceOne">
+              <dgm:alg type="sp"/>
+              <dgm:shape xmlns:r="http://schemas.openxmlformats.org/officeDocument/2006/relationships" r:blip="">
+                <dgm:adjLst/>
+              </dgm:shape>
+              <dgm:presOf/>
+              <dgm:constrLst/>
+              <dgm:ruleLst/>
+            </dgm:layoutNode>
+          </dgm:forEach>
+        </dgm:if>
+        <dgm:else name="Name47"/>
+      </dgm:choose>
+    </dgm:forEach>
+  </dgm:layoutNode>
+</dgm:layoutDef>
+</file>
+
+<file path=ppt/diagrams/quickStyle1.xml><?xml version="1.0" encoding="utf-8"?>
+<dgm:styleDef xmlns:dgm="http://schemas.openxmlformats.org/drawingml/2006/diagram" xmlns:a="http://schemas.openxmlformats.org/drawingml/2006/main" uniqueId="urn:microsoft.com/office/officeart/2005/8/quickstyle/simple1">
+  <dgm:title val=""/>
+  <dgm:desc val=""/>
+  <dgm:catLst>
+    <dgm:cat type="simple" pri="10100"/>
+  </dgm:catLst>
+  <dgm:scene3d>
+    <a:camera prst="orthographicFront"/>
+    <a:lightRig rig="threePt" dir="t"/>
+  </dgm:scene3d>
+  <dgm:styleLbl name="node0">
+    <dgm:scene3d>
+      <a:camera prst="orthographicFront"/>
+      <a:lightRig rig="threePt" dir="t"/>
+    </dgm:scene3d>
+    <dgm:sp3d/>
+    <dgm:txPr/>
+    <dgm:style>
+      <a:lnRef idx="2">
+        <a:scrgbClr r="0" g="0" b="0"/>
+      </a:lnRef>
+      <a:fillRef idx="1">
+        <a:scrgbClr r="0" g="0" b="0"/>
+      </a:fillRef>
+      <a:effectRef idx="0">
+        <a:scrgbClr r="0" g="0" b="0"/>
+      </a:effectRef>
+      <a:fontRef idx="minor">
+        <a:schemeClr val="lt1"/>
+      </a:fontRef>
+    </dgm:style>
+  </dgm:styleLbl>
+  <dgm:styleLbl name="lnNode1">
+    <dgm:scene3d>
+      <a:camera prst="orthographicFront"/>
+      <a:lightRig rig="threePt" dir="t"/>
+    </dgm:scene3d>
+    <dgm:sp3d/>
+    <dgm:txPr/>
+    <dgm:style>
+      <a:lnRef idx="2">
+        <a:scrgbClr r="0" g="0" b="0"/>
+      </a:lnRef>
+      <a:fillRef idx="1">
+        <a:scrgbClr r="0" g="0" b="0"/>
+      </a:fillRef>
+      <a:effectRef idx="0">
+        <a:scrgbClr r="0" g="0" b="0"/>
+      </a:effectRef>
+      <a:fontRef idx="minor">
+        <a:schemeClr val="lt1"/>
+      </a:fontRef>
+    </dgm:style>
+  </dgm:styleLbl>
+  <dgm:styleLbl name="vennNode1">
+    <dgm:scene3d>
+      <a:camera prst="orthographicFront"/>
+      <a:lightRig rig="threePt" dir="t"/>
+    </dgm:scene3d>
+    <dgm:sp3d/>
+    <dgm:txPr/>
+    <dgm:style>
+      <a:lnRef idx="2">
+        <a:scrgbClr r="0" g="0" b="0"/>
+      </a:lnRef>
+      <a:fillRef idx="1">
+        <a:scrgbClr r="0" g="0" b="0"/>
+      </a:fillRef>
+      <a:effectRef idx="0">
+        <a:scrgbClr r="0" g="0" b="0"/>
+      </a:effectRef>
+      <a:fontRef idx="minor">
+        <a:schemeClr val="tx1"/>
+      </a:fontRef>
+    </dgm:style>
+  </dgm:styleLbl>
+  <dgm:styleLbl name="alignNode1">
+    <dgm:scene3d>
+      <a:camera prst="orthographicFront"/>
+      <a:lightRig rig="threePt" dir="t"/>
+    </dgm:scene3d>
+    <dgm:sp3d/>
+    <dgm:txPr/>
+    <dgm:style>
+      <a:lnRef idx="2">
+        <a:scrgbClr r="0" g="0" b="0"/>
+      </a:lnRef>
+      <a:fillRef idx="1">
+        <a:scrgbClr r="0" g="0" b="0"/>
+      </a:fillRef>
+      <a:effectRef idx="0">
+        <a:scrgbClr r="0" g="0" b="0"/>
+      </a:effectRef>
+      <a:fontRef idx="minor">
+        <a:schemeClr val="lt1"/>
+      </a:fontRef>
+    </dgm:style>
+  </dgm:styleLbl>
+  <dgm:styleLbl name="node1">
+    <dgm:scene3d>
+      <a:camera prst="orthographicFront"/>
+      <a:lightRig rig="threePt" dir="t"/>
+    </dgm:scene3d>
+    <dgm:sp3d/>
+    <dgm:txPr/>
+    <dgm:style>
+      <a:lnRef idx="2">
+        <a:scrgbClr r="0" g="0" b="0"/>
+      </a:lnRef>
+      <a:fillRef idx="1">
+        <a:scrgbClr r="0" g="0" b="0"/>
+      </a:fillRef>
+      <a:effectRef idx="0">
+        <a:scrgbClr r="0" g="0" b="0"/>
+      </a:effectRef>
+      <a:fontRef idx="minor">
+        <a:schemeClr val="lt1"/>
+      </a:fontRef>
+    </dgm:style>
+  </dgm:styleLbl>
+  <dgm:styleLbl name="node2">
+    <dgm:scene3d>
+      <a:camera prst="orthographicFront"/>
+      <a:lightRig rig="threePt" dir="t"/>
+    </dgm:scene3d>
+    <dgm:sp3d/>
+    <dgm:txPr/>
+    <dgm:style>
+      <a:lnRef idx="2">
+        <a:scrgbClr r="0" g="0" b="0"/>
+      </a:lnRef>
+      <a:fillRef idx="1">
+        <a:scrgbClr r="0" g="0" b="0"/>
+      </a:fillRef>
+      <a:effectRef idx="0">
+        <a:scrgbClr r="0" g="0" b="0"/>
+      </a:effectRef>
+      <a:fontRef idx="minor">
+        <a:schemeClr val="lt1"/>
+      </a:fontRef>
+    </dgm:style>
+  </dgm:styleLbl>
+  <dgm:styleLbl name="node3">
+    <dgm:scene3d>
+      <a:camera prst="orthographicFront"/>
+      <a:lightRig rig="threePt" dir="t"/>
+    </dgm:scene3d>
+    <dgm:sp3d/>
+    <dgm:txPr/>
+    <dgm:style>
+      <a:lnRef idx="2">
+        <a:scrgbClr r="0" g="0" b="0"/>
+      </a:lnRef>
+      <a:fillRef idx="1">
+        <a:scrgbClr r="0" g="0" b="0"/>
+      </a:fillRef>
+      <a:effectRef idx="0">
+        <a:scrgbClr r="0" g="0" b="0"/>
+      </a:effectRef>
+      <a:fontRef idx="minor">
+        <a:schemeClr val="lt1"/>
+      </a:fontRef>
+    </dgm:style>
+  </dgm:styleLbl>
+  <dgm:styleLbl name="node4">
+    <dgm:scene3d>
+      <a:camera prst="orthographicFront"/>
+      <a:lightRig rig="threePt" dir="t"/>
+    </dgm:scene3d>
+    <dgm:sp3d/>
+    <dgm:txPr/>
+    <dgm:style>
+      <a:lnRef idx="2">
+        <a:scrgbClr r="0" g="0" b="0"/>
+      </a:lnRef>
+      <a:fillRef idx="1">
+        <a:scrgbClr r="0" g="0" b="0"/>
+      </a:fillRef>
+      <a:effectRef idx="0">
+        <a:scrgbClr r="0" g="0" b="0"/>
+      </a:effectRef>
+      <a:fontRef idx="minor">
+        <a:schemeClr val="lt1"/>
+      </a:fontRef>
+    </dgm:style>
+  </dgm:styleLbl>
+  <dgm:styleLbl name="fgImgPlace1">
+    <dgm:scene3d>
+      <a:camera prst="orthographicFront"/>
+      <a:lightRig rig="threePt" dir="t"/>
+    </dgm:scene3d>
+    <dgm:sp3d/>
+    <dgm:txPr/>
+    <dgm:style>
+      <a:lnRef idx="2">
+        <a:scrgbClr r="0" g="0" b="0"/>
+      </a:lnRef>
+      <a:fillRef idx="1">
+        <a:scrgbClr r="0" g="0" b="0"/>
+      </a:fillRef>
+      <a:effectRef idx="0">
+        <a:scrgbClr r="0" g="0" b="0"/>
+      </a:effectRef>
+      <a:fontRef idx="minor"/>
+    </dgm:style>
+  </dgm:styleLbl>
+  <dgm:styleLbl name="alignImgPlace1">
+    <dgm:scene3d>
+      <a:camera prst="orthographicFront"/>
+      <a:lightRig rig="threePt" dir="t"/>
+    </dgm:scene3d>
+    <dgm:sp3d/>
+    <dgm:txPr/>
+    <dgm:style>
+      <a:lnRef idx="2">
+        <a:scrgbClr r="0" g="0" b="0"/>
+      </a:lnRef>
+      <a:fillRef idx="1">
+        <a:scrgbClr r="0" g="0" b="0"/>
+      </a:fillRef>
+      <a:effectRef idx="0">
+        <a:scrgbClr r="0" g="0" b="0"/>
+      </a:effectRef>
+      <a:fontRef idx="minor"/>
+    </dgm:style>
+  </dgm:styleLbl>
+  <dgm:styleLbl name="bgImgPlace1">
+    <dgm:scene3d>
+      <a:camera prst="orthographicFront"/>
+      <a:lightRig rig="threePt" dir="t"/>
+    </dgm:scene3d>
+    <dgm:sp3d/>
+    <dgm:txPr/>
+    <dgm:style>
+      <a:lnRef idx="2">
+        <a:scrgbClr r="0" g="0" b="0"/>
+      </a:lnRef>
+      <a:fillRef idx="1">
+        <a:scrgbClr r="0" g="0" b="0"/>
+      </a:fillRef>
+      <a:effectRef idx="0">
+        <a:scrgbClr r="0" g="0" b="0"/>
+      </a:effectRef>
+      <a:fontRef idx="minor"/>
+    </dgm:style>
+  </dgm:styleLbl>
+  <dgm:styleLbl name="sibTrans2D1">
+    <dgm:scene3d>
+      <a:camera prst="orthographicFront"/>
+      <a:lightRig rig="threePt" dir="t"/>
+    </dgm:scene3d>
+    <dgm:sp3d/>
+    <dgm:txPr/>
+    <dgm:style>
+      <a:lnRef idx="0">
+        <a:scrgbClr r="0" g="0" b="0"/>
+      </a:lnRef>
+      <a:fillRef idx="1">
+        <a:scrgbClr r="0" g="0" b="0"/>
+      </a:fillRef>
+      <a:effectRef idx="0">
+        <a:scrgbClr r="0" g="0" b="0"/>
+      </a:effectRef>
+      <a:fontRef idx="minor">
+        <a:schemeClr val="lt1"/>
+      </a:fontRef>
+    </dgm:style>
+  </dgm:styleLbl>
+  <dgm:styleLbl name="fgSibTrans2D1">
+    <dgm:scene3d>
+      <a:camera prst="orthographicFront"/>
+      <a:lightRig rig="threePt" dir="t"/>
+    </dgm:scene3d>
+    <dgm:sp3d/>
+    <dgm:txPr/>
+    <dgm:style>
+      <a:lnRef idx="0">
+        <a:scrgbClr r="0" g="0" b="0"/>
+      </a:lnRef>
+      <a:fillRef idx="1">
+        <a:scrgbClr r="0" g="0" b="0"/>
+      </a:fillRef>
+      <a:effectRef idx="0">
+        <a:scrgbClr r="0" g="0" b="0"/>
+      </a:effectRef>
+      <a:fontRef idx="minor">
+        <a:schemeClr val="lt1"/>
+      </a:fontRef>
+    </dgm:style>
+  </dgm:styleLbl>
+  <dgm:styleLbl name="bgSibTrans2D1">
+    <dgm:scene3d>
+      <a:camera prst="orthographicFront"/>
+      <a:lightRig rig="threePt" dir="t"/>
+    </dgm:scene3d>
+    <dgm:sp3d/>
+    <dgm:txPr/>
+    <dgm:style>
+      <a:lnRef idx="0">
+        <a:scrgbClr r="0" g="0" b="0"/>
+      </a:lnRef>
+      <a:fillRef idx="1">
+        <a:scrgbClr r="0" g="0" b="0"/>
+      </a:fillRef>
+      <a:effectRef idx="0">
+        <a:scrgbClr r="0" g="0" b="0"/>
+      </a:effectRef>
+      <a:fontRef idx="minor">
+        <a:schemeClr val="lt1"/>
+      </a:fontRef>
+    </dgm:style>
+  </dgm:styleLbl>
+  <dgm:styleLbl name="sibTrans1D1">
+    <dgm:scene3d>
+      <a:camera prst="orthographicFront"/>
+      <a:lightRig rig="threePt" dir="t"/>
+    </dgm:scene3d>
+    <dgm:sp3d/>
+    <dgm:txPr/>
+    <dgm:style>
+      <a:lnRef idx="1">
+        <a:scrgbClr r="0" g="0" b="0"/>
+      </a:lnRef>
+      <a:fillRef idx="0">
+        <a:scrgbClr r="0" g="0" b="0"/>
+      </a:fillRef>
+      <a:effectRef idx="0">
+        <a:scrgbClr r="0" g="0" b="0"/>
+      </a:effectRef>
+      <a:fontRef idx="minor"/>
+    </dgm:style>
+  </dgm:styleLbl>
+  <dgm:styleLbl name="callout">
+    <dgm:scene3d>
+      <a:camera prst="orthographicFront"/>
+      <a:lightRig rig="threePt" dir="t"/>
+    </dgm:scene3d>
+    <dgm:sp3d/>
+    <dgm:txPr/>
+    <dgm:style>
+      <a:lnRef idx="2">
+        <a:scrgbClr r="0" g="0" b="0"/>
+      </a:lnRef>
+      <a:fillRef idx="1">
+        <a:scrgbClr r="0" g="0" b="0"/>
+      </a:fillRef>
+      <a:effectRef idx="0">
+        <a:scrgbClr r="0" g="0" b="0"/>
+      </a:effectRef>
+      <a:fontRef idx="minor"/>
+    </dgm:style>
+  </dgm:styleLbl>
+  <dgm:styleLbl name="asst0">
+    <dgm:scene3d>
+      <a:camera prst="orthographicFront"/>
+      <a:lightRig rig="threePt" dir="t"/>
+    </dgm:scene3d>
+    <dgm:sp3d/>
+    <dgm:txPr/>
+    <dgm:style>
+      <a:lnRef idx="2">
+        <a:scrgbClr r="0" g="0" b="0"/>
+      </a:lnRef>
+      <a:fillRef idx="1">
+        <a:scrgbClr r="0" g="0" b="0"/>
+      </a:fillRef>
+      <a:effectRef idx="0">
+        <a:scrgbClr r="0" g="0" b="0"/>
+      </a:effectRef>
+      <a:fontRef idx="minor">
+        <a:schemeClr val="lt1"/>
+      </a:fontRef>
+    </dgm:style>
+  </dgm:styleLbl>
+  <dgm:styleLbl name="asst1">
+    <dgm:scene3d>
+      <a:camera prst="orthographicFront"/>
+      <a:lightRig rig="threePt" dir="t"/>
+    </dgm:scene3d>
+    <dgm:sp3d/>
+    <dgm:txPr/>
+    <dgm:style>
+      <a:lnRef idx="2">
+        <a:scrgbClr r="0" g="0" b="0"/>
+      </a:lnRef>
+      <a:fillRef idx="1">
+        <a:scrgbClr r="0" g="0" b="0"/>
+      </a:fillRef>
+      <a:effectRef idx="0">
+        <a:scrgbClr r="0" g="0" b="0"/>
+      </a:effectRef>
+      <a:fontRef idx="minor">
+        <a:schemeClr val="lt1"/>
+      </a:fontRef>
+    </dgm:style>
+  </dgm:styleLbl>
+  <dgm:styleLbl name="asst2">
+    <dgm:scene3d>
+      <a:camera prst="orthographicFront"/>
+      <a:lightRig rig="threePt" dir="t"/>
+    </dgm:scene3d>
+    <dgm:sp3d/>
+    <dgm:txPr/>
+    <dgm:style>
+      <a:lnRef idx="2">
+        <a:scrgbClr r="0" g="0" b="0"/>
+      </a:lnRef>
+      <a:fillRef idx="1">
+        <a:scrgbClr r="0" g="0" b="0"/>
+      </a:fillRef>
+      <a:effectRef idx="0">
+        <a:scrgbClr r="0" g="0" b="0"/>
+      </a:effectRef>
+      <a:fontRef idx="minor">
+        <a:schemeClr val="lt1"/>
+      </a:fontRef>
+    </dgm:style>
+  </dgm:styleLbl>
+  <dgm:styleLbl name="asst3">
+    <dgm:scene3d>
+      <a:camera prst="orthographicFront"/>
+      <a:lightRig rig="threePt" dir="t"/>
+    </dgm:scene3d>
+    <dgm:sp3d/>
+    <dgm:txPr/>
+    <dgm:style>
+      <a:lnRef idx="2">
+        <a:scrgbClr r="0" g="0" b="0"/>
+      </a:lnRef>
+      <a:fillRef idx="1">
+        <a:scrgbClr r="0" g="0" b="0"/>
+      </a:fillRef>
+      <a:effectRef idx="0">
+        <a:scrgbClr r="0" g="0" b="0"/>
+      </a:effectRef>
+      <a:fontRef idx="minor">
+        <a:schemeClr val="lt1"/>
+      </a:fontRef>
+    </dgm:style>
+  </dgm:styleLbl>
+  <dgm:styleLbl name="asst4">
+    <dgm:scene3d>
+      <a:camera prst="orthographicFront"/>
+      <a:lightRig rig="threePt" dir="t"/>
+    </dgm:scene3d>
+    <dgm:sp3d/>
+    <dgm:txPr/>
+    <dgm:style>
+      <a:lnRef idx="2">
+        <a:scrgbClr r="0" g="0" b="0"/>
+      </a:lnRef>
+      <a:fillRef idx="1">
+        <a:scrgbClr r="0" g="0" b="0"/>
+      </a:fillRef>
+      <a:effectRef idx="0">
+        <a:scrgbClr r="0" g="0" b="0"/>
+      </a:effectRef>
+      <a:fontRef idx="minor">
+        <a:schemeClr val="lt1"/>
+      </a:fontRef>
+    </dgm:style>
+  </dgm:styleLbl>
+  <dgm:styleLbl name="parChTrans2D1">
+    <dgm:scene3d>
+      <a:camera prst="orthographicFront"/>
+      <a:lightRig rig="threePt" dir="t"/>
+    </dgm:scene3d>
+    <dgm:sp3d/>
+    <dgm:txPr/>
+    <dgm:style>
+      <a:lnRef idx="2">
+        <a:scrgbClr r="0" g="0" b="0"/>
+      </a:lnRef>
+      <a:fillRef idx="1">
+        <a:scrgbClr r="0" g="0" b="0"/>
+      </a:fillRef>
+      <a:effectRef idx="0">
+        <a:scrgbClr r="0" g="0" b="0"/>
+      </a:effectRef>
+      <a:fontRef idx="minor">
+        <a:schemeClr val="lt1"/>
+      </a:fontRef>
+    </dgm:style>
+  </dgm:styleLbl>
+  <dgm:styleLbl name="parChTrans2D2">
+    <dgm:scene3d>
+      <a:camera prst="orthographicFront"/>
+      <a:lightRig rig="threePt" dir="t"/>
+    </dgm:scene3d>
+    <dgm:sp3d/>
+    <dgm:txPr/>
+    <dgm:style>
+      <a:lnRef idx="2">
+        <a:scrgbClr r="0" g="0" b="0"/>
+      </a:lnRef>
+      <a:fillRef idx="1">
+        <a:scrgbClr r="0" g="0" b="0"/>
+      </a:fillRef>
+      <a:effectRef idx="0">
+        <a:scrgbClr r="0" g="0" b="0"/>
+      </a:effectRef>
+      <a:fontRef idx="minor">
+        <a:schemeClr val="lt1"/>
+      </a:fontRef>
+    </dgm:style>
+  </dgm:styleLbl>
+  <dgm:styleLbl name="parChTrans2D3">
+    <dgm:scene3d>
+      <a:camera prst="orthographicFront"/>
+      <a:lightRig rig="threePt" dir="t"/>
+    </dgm:scene3d>
+    <dgm:sp3d/>
+    <dgm:txPr/>
+    <dgm:style>
+      <a:lnRef idx="2">
+        <a:scrgbClr r="0" g="0" b="0"/>
+      </a:lnRef>
+      <a:fillRef idx="1">
+        <a:scrgbClr r="0" g="0" b="0"/>
+      </a:fillRef>
+      <a:effectRef idx="0">
+        <a:scrgbClr r="0" g="0" b="0"/>
+      </a:effectRef>
+      <a:fontRef idx="minor">
+        <a:schemeClr val="lt1"/>
+      </a:fontRef>
+    </dgm:style>
+  </dgm:styleLbl>
+  <dgm:styleLbl name="parChTrans2D4">
+    <dgm:scene3d>
+      <a:camera prst="orthographicFront"/>
+      <a:lightRig rig="threePt" dir="t"/>
+    </dgm:scene3d>
+    <dgm:sp3d/>
+    <dgm:txPr/>
+    <dgm:style>
+      <a:lnRef idx="2">
+        <a:scrgbClr r="0" g="0" b="0"/>
+      </a:lnRef>
+      <a:fillRef idx="1">
+        <a:scrgbClr r="0" g="0" b="0"/>
+      </a:fillRef>
+      <a:effectRef idx="0">
+        <a:scrgbClr r="0" g="0" b="0"/>
+      </a:effectRef>
+      <a:fontRef idx="minor">
+        <a:schemeClr val="lt1"/>
+      </a:fontRef>
+    </dgm:style>
+  </dgm:styleLbl>
+  <dgm:styleLbl name="parChTrans1D1">
+    <dgm:scene3d>
+      <a:camera prst="orthographicFront"/>
+      <a:lightRig rig="threePt" dir="t"/>
+    </dgm:scene3d>
+    <dgm:sp3d/>
+    <dgm:txPr/>
+    <dgm:style>
+      <a:lnRef idx="2">
+        <a:scrgbClr r="0" g="0" b="0"/>
+      </a:lnRef>
+      <a:fillRef idx="0">
+        <a:scrgbClr r="0" g="0" b="0"/>
+      </a:fillRef>
+      <a:effectRef idx="0">
+        <a:scrgbClr r="0" g="0" b="0"/>
+      </a:effectRef>
+      <a:fontRef idx="minor"/>
+    </dgm:style>
+  </dgm:styleLbl>
+  <dgm:styleLbl name="parChTrans1D2">
+    <dgm:scene3d>
+      <a:camera prst="orthographicFront"/>
+      <a:lightRig rig="threePt" dir="t"/>
+    </dgm:scene3d>
+    <dgm:sp3d/>
+    <dgm:txPr/>
+    <dgm:style>
+      <a:lnRef idx="2">
+        <a:scrgbClr r="0" g="0" b="0"/>
+      </a:lnRef>
+      <a:fillRef idx="0">
+        <a:scrgbClr r="0" g="0" b="0"/>
+      </a:fillRef>
+      <a:effectRef idx="0">
+        <a:scrgbClr r="0" g="0" b="0"/>
+      </a:effectRef>
+      <a:fontRef idx="minor"/>
+    </dgm:style>
+  </dgm:styleLbl>
+  <dgm:styleLbl name="parChTrans1D3">
+    <dgm:scene3d>
+      <a:camera prst="orthographicFront"/>
+      <a:lightRig rig="threePt" dir="t"/>
+    </dgm:scene3d>
+    <dgm:sp3d/>
+    <dgm:txPr/>
+    <dgm:style>
+      <a:lnRef idx="2">
+        <a:scrgbClr r="0" g="0" b="0"/>
+      </a:lnRef>
+      <a:fillRef idx="0">
+        <a:scrgbClr r="0" g="0" b="0"/>
+      </a:fillRef>
+      <a:effectRef idx="0">
+        <a:scrgbClr r="0" g="0" b="0"/>
+      </a:effectRef>
+      <a:fontRef idx="minor"/>
+    </dgm:style>
+  </dgm:styleLbl>
+  <dgm:styleLbl name="parChTrans1D4">
+    <dgm:scene3d>
+      <a:camera prst="orthographicFront"/>
+      <a:lightRig rig="threePt" dir="t"/>
+    </dgm:scene3d>
+    <dgm:sp3d/>
+    <dgm:txPr/>
+    <dgm:style>
+      <a:lnRef idx="2">
+        <a:scrgbClr r="0" g="0" b="0"/>
+      </a:lnRef>
+      <a:fillRef idx="0">
+        <a:scrgbClr r="0" g="0" b="0"/>
+      </a:fillRef>
+      <a:effectRef idx="0">
+        <a:scrgbClr r="0" g="0" b="0"/>
+      </a:effectRef>
+      <a:fontRef idx="minor"/>
+    </dgm:style>
+  </dgm:styleLbl>
+  <dgm:styleLbl name="fgAcc1">
+    <dgm:scene3d>
+      <a:camera prst="orthographicFront"/>
+      <a:lightRig rig="threePt" dir="t"/>
+    </dgm:scene3d>
+    <dgm:sp3d/>
+    <dgm:txPr/>
+    <dgm:style>
+      <a:lnRef idx="2">
+        <a:scrgbClr r="0" g="0" b="0"/>
+      </a:lnRef>
+      <a:fillRef idx="1">
+        <a:scrgbClr r="0" g="0" b="0"/>
+      </a:fillRef>
+      <a:effectRef idx="0">
+        <a:scrgbClr r="0" g="0" b="0"/>
+      </a:effectRef>
+      <a:fontRef idx="minor"/>
+    </dgm:style>
+  </dgm:styleLbl>
+  <dgm:styleLbl name="conFgAcc1">
+    <dgm:scene3d>
+      <a:camera prst="orthographicFront"/>
+      <a:lightRig rig="threePt" dir="t"/>
+    </dgm:scene3d>
+    <dgm:sp3d/>
+    <dgm:txPr/>
+    <dgm:style>
+      <a:lnRef idx="2">
+        <a:scrgbClr r="0" g="0" b="0"/>
+      </a:lnRef>
+      <a:fillRef idx="1">
+        <a:scrgbClr r="0" g="0" b="0"/>
+      </a:fillRef>
+      <a:effectRef idx="0">
+        <a:scrgbClr r="0" g="0" b="0"/>
+      </a:effectRef>
+      <a:fontRef idx="minor"/>
+    </dgm:style>
+  </dgm:styleLbl>
+  <dgm:styleLbl name="alignAcc1">
+    <dgm:scene3d>
+      <a:camera prst="orthographicFront"/>
+      <a:lightRig rig="threePt" dir="t"/>
+    </dgm:scene3d>
+    <dgm:sp3d/>
+    <dgm:txPr/>
+    <dgm:style>
+      <a:lnRef idx="2">
+        <a:scrgbClr r="0" g="0" b="0"/>
+      </a:lnRef>
+      <a:fillRef idx="1">
+        <a:scrgbClr r="0" g="0" b="0"/>
+      </a:fillRef>
+      <a:effectRef idx="0">
+        <a:scrgbClr r="0" g="0" b="0"/>
+      </a:effectRef>
+      <a:fontRef idx="minor"/>
+    </dgm:style>
+  </dgm:styleLbl>
+  <dgm:styleLbl name="trAlignAcc1">
+    <dgm:scene3d>
+      <a:camera prst="orthographicFront"/>
+      <a:lightRig rig="threePt" dir="t"/>
+    </dgm:scene3d>
+    <dgm:sp3d/>
+    <dgm:txPr/>
+    <dgm:style>
+      <a:lnRef idx="1">
+        <a:scrgbClr r="0" g="0" b="0"/>
+      </a:lnRef>
+      <a:fillRef idx="1">
+        <a:scrgbClr r="0" g="0" b="0"/>
+      </a:fillRef>
+      <a:effectRef idx="0">
+        <a:scrgbClr r="0" g="0" b="0"/>
+      </a:effectRef>
+      <a:fontRef idx="minor"/>
+    </dgm:style>
+  </dgm:styleLbl>
+  <dgm:styleLbl name="bgAcc1">
+    <dgm:scene3d>
+      <a:camera prst="orthographicFront"/>
+      <a:lightRig rig="threePt" dir="t"/>
+    </dgm:scene3d>
+    <dgm:sp3d/>
+    <dgm:txPr/>
+    <dgm:style>
+      <a:lnRef idx="2">
+        <a:scrgbClr r="0" g="0" b="0"/>
+      </a:lnRef>
+      <a:fillRef idx="1">
+        <a:scrgbClr r="0" g="0" b="0"/>
+      </a:fillRef>
+      <a:effectRef idx="0">
+        <a:scrgbClr r="0" g="0" b="0"/>
+      </a:effectRef>
+      <a:fontRef idx="minor"/>
+    </dgm:style>
+  </dgm:styleLbl>
+  <dgm:styleLbl name="solidFgAcc1">
+    <dgm:scene3d>
+      <a:camera prst="orthographicFront"/>
+      <a:lightRig rig="threePt" dir="t"/>
+    </dgm:scene3d>
+    <dgm:sp3d/>
+    <dgm:txPr/>
+    <dgm:style>
+      <a:lnRef idx="2">
+        <a:scrgbClr r="0" g="0" b="0"/>
+      </a:lnRef>
+      <a:fillRef idx="1">
+        <a:scrgbClr r="0" g="0" b="0"/>
+      </a:fillRef>
+      <a:effectRef idx="0">
+        <a:scrgbClr r="0" g="0" b="0"/>
+      </a:effectRef>
+      <a:fontRef idx="minor"/>
+    </dgm:style>
+  </dgm:styleLbl>
+  <dgm:styleLbl name="solidAlignAcc1">
+    <dgm:scene3d>
+      <a:camera prst="orthographicFront"/>
+      <a:lightRig rig="threePt" dir="t"/>
+    </dgm:scene3d>
+    <dgm:sp3d/>
+    <dgm:txPr/>
+    <dgm:style>
+      <a:lnRef idx="2">
+        <a:scrgbClr r="0" g="0" b="0"/>
+      </a:lnRef>
+      <a:fillRef idx="1">
+        <a:scrgbClr r="0" g="0" b="0"/>
+      </a:fillRef>
+      <a:effectRef idx="0">
+        <a:scrgbClr r="0" g="0" b="0"/>
+      </a:effectRef>
+      <a:fontRef idx="minor"/>
+    </dgm:style>
+  </dgm:styleLbl>
+  <dgm:styleLbl name="solidBgAcc1">
+    <dgm:scene3d>
+      <a:camera prst="orthographicFront"/>
+      <a:lightRig rig="threePt" dir="t"/>
+    </dgm:scene3d>
+    <dgm:sp3d/>
+    <dgm:txPr/>
+    <dgm:style>
+      <a:lnRef idx="2">
+        <a:scrgbClr r="0" g="0" b="0"/>
+      </a:lnRef>
+      <a:fillRef idx="1">
+        <a:scrgbClr r="0" g="0" b="0"/>
+      </a:fillRef>
+      <a:effectRef idx="0">
+        <a:scrgbClr r="0" g="0" b="0"/>
+      </a:effectRef>
+      <a:fontRef idx="minor"/>
+    </dgm:style>
+  </dgm:styleLbl>
+  <dgm:styleLbl name="fgAccFollowNode1">
+    <dgm:scene3d>
+      <a:camera prst="orthographicFront"/>
+      <a:lightRig rig="threePt" dir="t"/>
+    </dgm:scene3d>
+    <dgm:sp3d/>
+    <dgm:txPr/>
+    <dgm:style>
+      <a:lnRef idx="2">
+        <a:scrgbClr r="0" g="0" b="0"/>
+      </a:lnRef>
+      <a:fillRef idx="1">
+        <a:scrgbClr r="0" g="0" b="0"/>
+      </a:fillRef>
+      <a:effectRef idx="0">
+        <a:scrgbClr r="0" g="0" b="0"/>
+      </a:effectRef>
+      <a:fontRef idx="minor"/>
+    </dgm:style>
+  </dgm:styleLbl>
+  <dgm:styleLbl name="alignAccFollowNode1">
+    <dgm:scene3d>
+      <a:camera prst="orthographicFront"/>
+      <a:lightRig rig="threePt" dir="t"/>
+    </dgm:scene3d>
+    <dgm:sp3d/>
+    <dgm:txPr/>
+    <dgm:style>
+      <a:lnRef idx="2">
+        <a:scrgbClr r="0" g="0" b="0"/>
+      </a:lnRef>
+      <a:fillRef idx="1">
+        <a:scrgbClr r="0" g="0" b="0"/>
+      </a:fillRef>
+      <a:effectRef idx="0">
+        <a:scrgbClr r="0" g="0" b="0"/>
+      </a:effectRef>
+      <a:fontRef idx="minor"/>
+    </dgm:style>
+  </dgm:styleLbl>
+  <dgm:styleLbl name="bgAccFollowNode1">
+    <dgm:scene3d>
+      <a:camera prst="orthographicFront"/>
+      <a:lightRig rig="threePt" dir="t"/>
+    </dgm:scene3d>
+    <dgm:sp3d/>
+    <dgm:txPr/>
+    <dgm:style>
+      <a:lnRef idx="2">
+        <a:scrgbClr r="0" g="0" b="0"/>
+      </a:lnRef>
+      <a:fillRef idx="1">
+        <a:scrgbClr r="0" g="0" b="0"/>
+      </a:fillRef>
+      <a:effectRef idx="0">
+        <a:scrgbClr r="0" g="0" b="0"/>
+      </a:effectRef>
+      <a:fontRef idx="minor"/>
+    </dgm:style>
+  </dgm:styleLbl>
+  <dgm:styleLbl name="fgAcc0">
+    <dgm:scene3d>
+      <a:camera prst="orthographicFront"/>
+      <a:lightRig rig="threePt" dir="t"/>
+    </dgm:scene3d>
+    <dgm:sp3d/>
+    <dgm:txPr/>
+    <dgm:style>
+      <a:lnRef idx="2">
+        <a:scrgbClr r="0" g="0" b="0"/>
+      </a:lnRef>
+      <a:fillRef idx="1">
+        <a:scrgbClr r="0" g="0" b="0"/>
+      </a:fillRef>
+      <a:effectRef idx="0">
+        <a:scrgbClr r="0" g="0" b="0"/>
+      </a:effectRef>
+      <a:fontRef idx="minor"/>
+    </dgm:style>
+  </dgm:styleLbl>
+  <dgm:styleLbl name="fgAcc2">
+    <dgm:scene3d>
+      <a:camera prst="orthographicFront"/>
+      <a:lightRig rig="threePt" dir="t"/>
+    </dgm:scene3d>
+    <dgm:sp3d/>
+    <dgm:txPr/>
+    <dgm:style>
+      <a:lnRef idx="2">
+        <a:scrgbClr r="0" g="0" b="0"/>
+      </a:lnRef>
+      <a:fillRef idx="1">
+        <a:scrgbClr r="0" g="0" b="0"/>
+      </a:fillRef>
+      <a:effectRef idx="0">
+        <a:scrgbClr r="0" g="0" b="0"/>
+      </a:effectRef>
+      <a:fontRef idx="minor"/>
+    </dgm:style>
+  </dgm:styleLbl>
+  <dgm:styleLbl name="fgAcc3">
+    <dgm:scene3d>
+      <a:camera prst="orthographicFront"/>
+      <a:lightRig rig="threePt" dir="t"/>
+    </dgm:scene3d>
+    <dgm:sp3d/>
+    <dgm:txPr/>
+    <dgm:style>
+      <a:lnRef idx="2">
+        <a:scrgbClr r="0" g="0" b="0"/>
+      </a:lnRef>
+      <a:fillRef idx="1">
+        <a:scrgbClr r="0" g="0" b="0"/>
+      </a:fillRef>
+      <a:effectRef idx="0">
+        <a:scrgbClr r="0" g="0" b="0"/>
+      </a:effectRef>
+      <a:fontRef idx="minor"/>
+    </dgm:style>
+  </dgm:styleLbl>
+  <dgm:styleLbl name="fgAcc4">
+    <dgm:scene3d>
+      <a:camera prst="orthographicFront"/>
+      <a:lightRig rig="threePt" dir="t"/>
+    </dgm:scene3d>
+    <dgm:sp3d/>
+    <dgm:txPr/>
+    <dgm:style>
+      <a:lnRef idx="2">
+        <a:scrgbClr r="0" g="0" b="0"/>
+      </a:lnRef>
+      <a:fillRef idx="1">
+        <a:scrgbClr r="0" g="0" b="0"/>
+      </a:fillRef>
+      <a:effectRef idx="0">
+        <a:scrgbClr r="0" g="0" b="0"/>
+      </a:effectRef>
+      <a:fontRef idx="minor"/>
+    </dgm:style>
+  </dgm:styleLbl>
+  <dgm:styleLbl name="bgShp">
+    <dgm:scene3d>
+      <a:camera prst="orthographicFront"/>
+      <a:lightRig rig="threePt" dir="t"/>
+    </dgm:scene3d>
+    <dgm:sp3d/>
+    <dgm:txPr/>
+    <dgm:style>
+      <a:lnRef idx="0">
+        <a:scrgbClr r="0" g="0" b="0"/>
+      </a:lnRef>
+      <a:fillRef idx="1">
+        <a:scrgbClr r="0" g="0" b="0"/>
+      </a:fillRef>
+      <a:effectRef idx="0">
+        <a:scrgbClr r="0" g="0" b="0"/>
+      </a:effectRef>
+      <a:fontRef idx="minor"/>
+    </dgm:style>
+  </dgm:styleLbl>
+  <dgm:styleLbl name="dkBgShp">
+    <dgm:scene3d>
+      <a:camera prst="orthographicFront"/>
+      <a:lightRig rig="threePt" dir="t"/>
+    </dgm:scene3d>
+    <dgm:sp3d/>
+    <dgm:txPr/>
+    <dgm:style>
+      <a:lnRef idx="0">
+        <a:scrgbClr r="0" g="0" b="0"/>
+      </a:lnRef>
+      <a:fillRef idx="1">
+        <a:scrgbClr r="0" g="0" b="0"/>
+      </a:fillRef>
+      <a:effectRef idx="0">
+        <a:scrgbClr r="0" g="0" b="0"/>
+      </a:effectRef>
+      <a:fontRef idx="minor"/>
+    </dgm:style>
+  </dgm:styleLbl>
+  <dgm:styleLbl name="trBgShp">
+    <dgm:scene3d>
+      <a:camera prst="orthographicFront"/>
+      <a:lightRig rig="threePt" dir="t"/>
+    </dgm:scene3d>
+    <dgm:sp3d/>
+    <dgm:txPr/>
+    <dgm:style>
+      <a:lnRef idx="0">
+        <a:scrgbClr r="0" g="0" b="0"/>
+      </a:lnRef>
+      <a:fillRef idx="1">
+        <a:scrgbClr r="0" g="0" b="0"/>
+      </a:fillRef>
+      <a:effectRef idx="0">
+        <a:scrgbClr r="0" g="0" b="0"/>
+      </a:effectRef>
+      <a:fontRef idx="minor"/>
+    </dgm:style>
+  </dgm:styleLbl>
+  <dgm:styleLbl name="fgShp">
+    <dgm:scene3d>
+      <a:camera prst="orthographicFront"/>
+      <a:lightRig rig="threePt" dir="t"/>
+    </dgm:scene3d>
+    <dgm:sp3d/>
+    <dgm:txPr/>
+    <dgm:style>
+      <a:lnRef idx="2">
+        <a:scrgbClr r="0" g="0" b="0"/>
+      </a:lnRef>
+      <a:fillRef idx="1">
+        <a:scrgbClr r="0" g="0" b="0"/>
+      </a:fillRef>
+      <a:effectRef idx="0">
+        <a:scrgbClr r="0" g="0" b="0"/>
+      </a:effectRef>
+      <a:fontRef idx="minor"/>
+    </dgm:style>
+  </dgm:styleLbl>
+  <dgm:styleLbl name="revTx">
+    <dgm:scene3d>
+      <a:camera prst="orthographicFront"/>
+      <a:lightRig rig="threePt" dir="t"/>
+    </dgm:scene3d>
+    <dgm:sp3d/>
+    <dgm:txPr/>
+    <dgm:style>
+      <a:lnRef idx="0">
+        <a:scrgbClr r="0" g="0" b="0"/>
+      </a:lnRef>
+      <a:fillRef idx="0">
+        <a:scrgbClr r="0" g="0" b="0"/>
+      </a:fillRef>
+      <a:effectRef idx="0">
+        <a:scrgbClr r="0" g="0" b="0"/>
+      </a:effectRef>
+      <a:fontRef idx="minor"/>
+    </dgm:style>
+  </dgm:styleLbl>
+</dgm:styleDef>
+</file>
+
 <file path=ppt/handoutMasters/handoutMaster1.xml><?xml version="1.0" encoding="utf-8"?>
 <p:handoutMaster xmlns:a="http://schemas.openxmlformats.org/drawingml/2006/main" xmlns:r="http://schemas.openxmlformats.org/officeDocument/2006/relationships" xmlns:p="http://schemas.openxmlformats.org/presentationml/2006/main">
   <p:cSld>
@@ -272,7 +3723,7 @@
           <a:p>
             <a:fld id="{C39F6900-AEE2-47B8-A499-BD6692AFBCD4}" type="datetimeFigureOut">
               <a:rPr lang="en-GB" smtClean="0"/>
-              <a:t>07/09/2020</a:t>
+              <a:t>04/09/2020</a:t>
             </a:fld>
             <a:endParaRPr lang="en-GB"/>
           </a:p>
@@ -437,7 +3888,7 @@
           <a:p>
             <a:fld id="{3B15138A-59B8-4DF8-BC54-5B5A845B84AB}" type="datetimeFigureOut">
               <a:rPr lang="en-GB" smtClean="0"/>
-              <a:t>07/09/2020</a:t>
+              <a:t>04/09/2020</a:t>
             </a:fld>
             <a:endParaRPr lang="en-GB"/>
           </a:p>
@@ -3491,28 +6942,15 @@
           <a:bodyPr rtlCol="0" anchor="ctr"/>
           <a:lstStyle/>
           <a:p>
-            <a:pPr algn="r" rtl="1">
-              <a:lnSpc>
-                <a:spcPct val="200000"/>
-              </a:lnSpc>
+            <a:pPr marL="342900" indent="-342900">
+              <a:buFont typeface="Arial" panose="020B0604020202020204" pitchFamily="34" charset="0"/>
+              <a:buChar char="•"/>
             </a:pPr>
-            <a:r>
-              <a:rPr lang="ur-PK" sz="2400" b="1" dirty="0">
-                <a:ln>
-                  <a:solidFill>
-                    <a:schemeClr val="accent4">
-                      <a:lumMod val="75000"/>
-                    </a:schemeClr>
-                  </a:solidFill>
-                </a:ln>
-                <a:solidFill>
-                  <a:schemeClr val="accent5"/>
-                </a:solidFill>
-                <a:latin typeface="adwa-assalaf" panose="02000000000000000000" pitchFamily="2" charset="-78"/>
-                <a:cs typeface="adwa-assalaf" panose="02000000000000000000" pitchFamily="2" charset="-78"/>
-              </a:rPr>
-              <a:t>الْمُقَدِمَةُ</a:t>
-            </a:r>
+            <a:endParaRPr lang="en-GB" sz="2400" b="1" dirty="0">
+              <a:solidFill>
+                <a:schemeClr val="accent3"/>
+              </a:solidFill>
+            </a:endParaRPr>
           </a:p>
         </p:txBody>
       </p:sp>
@@ -4486,296 +7924,6 @@
 </file>
 
 <file path=ppt/slides/slide10.xml><?xml version="1.0" encoding="utf-8"?>
-<p:sld xmlns:a="http://schemas.openxmlformats.org/drawingml/2006/main" xmlns:r="http://schemas.openxmlformats.org/officeDocument/2006/relationships" xmlns:p="http://schemas.openxmlformats.org/presentationml/2006/main">
-  <p:cSld>
-    <p:spTree>
-      <p:nvGrpSpPr>
-        <p:cNvPr id="1" name=""/>
-        <p:cNvGrpSpPr/>
-        <p:nvPr/>
-      </p:nvGrpSpPr>
-      <p:grpSpPr>
-        <a:xfrm>
-          <a:off x="0" y="0"/>
-          <a:ext cx="0" cy="0"/>
-          <a:chOff x="0" y="0"/>
-          <a:chExt cx="0" cy="0"/>
-        </a:xfrm>
-      </p:grpSpPr>
-      <p:sp>
-        <p:nvSpPr>
-          <p:cNvPr id="11" name="Arrow: Pentagon 10">
-            <a:extLst>
-              <a:ext uri="{FF2B5EF4-FFF2-40B4-BE49-F238E27FC236}">
-                <a16:creationId xmlns:a16="http://schemas.microsoft.com/office/drawing/2014/main" id="{5517573A-6CE9-4888-8279-E2F671151A41}"/>
-              </a:ext>
-            </a:extLst>
-          </p:cNvPr>
-          <p:cNvSpPr/>
-          <p:nvPr/>
-        </p:nvSpPr>
-        <p:spPr>
-          <a:xfrm flipH="1">
-            <a:off x="7344848" y="0"/>
-            <a:ext cx="1799151" cy="582595"/>
-          </a:xfrm>
-          <a:prstGeom prst="homePlate">
-            <a:avLst>
-              <a:gd name="adj" fmla="val 18654"/>
-            </a:avLst>
-          </a:prstGeom>
-          <a:ln>
-            <a:solidFill>
-              <a:schemeClr val="accent5"/>
-            </a:solidFill>
-          </a:ln>
-        </p:spPr>
-        <p:style>
-          <a:lnRef idx="2">
-            <a:schemeClr val="accent6">
-              <a:shade val="50000"/>
-            </a:schemeClr>
-          </a:lnRef>
-          <a:fillRef idx="1">
-            <a:schemeClr val="accent6"/>
-          </a:fillRef>
-          <a:effectRef idx="0">
-            <a:schemeClr val="accent6"/>
-          </a:effectRef>
-          <a:fontRef idx="minor">
-            <a:schemeClr val="lt1"/>
-          </a:fontRef>
-        </p:style>
-        <p:txBody>
-          <a:bodyPr rtlCol="0" anchor="ctr"/>
-          <a:lstStyle/>
-          <a:p>
-            <a:pPr algn="ctr"/>
-            <a:r>
-              <a:rPr lang="ur-PK" sz="1800" b="1" dirty="0">
-                <a:ln w="0"/>
-                <a:solidFill>
-                  <a:schemeClr val="bg1"/>
-                </a:solidFill>
-                <a:effectLst>
-                  <a:outerShdw blurRad="38100" dist="19050" dir="2700000" algn="tl" rotWithShape="0">
-                    <a:schemeClr val="dk1">
-                      <a:alpha val="40000"/>
-                    </a:schemeClr>
-                  </a:outerShdw>
-                </a:effectLst>
-                <a:latin typeface="adwa-assalaf" panose="02000000000000000000" pitchFamily="2" charset="-78"/>
-                <a:cs typeface="adwa-assalaf" panose="02000000000000000000" pitchFamily="2" charset="-78"/>
-              </a:rPr>
-              <a:t>الْقِسْمُ الثَّانِيْ فِي الْفِعْلِ</a:t>
-            </a:r>
-            <a:endParaRPr lang="en-GB" sz="1800" b="1" dirty="0">
-              <a:ln w="0"/>
-              <a:solidFill>
-                <a:schemeClr val="bg1"/>
-              </a:solidFill>
-              <a:effectLst>
-                <a:outerShdw blurRad="38100" dist="19050" dir="2700000" algn="tl" rotWithShape="0">
-                  <a:schemeClr val="dk1">
-                    <a:alpha val="40000"/>
-                  </a:schemeClr>
-                </a:outerShdw>
-              </a:effectLst>
-              <a:latin typeface="adwa-assalaf" panose="02000000000000000000" pitchFamily="2" charset="-78"/>
-              <a:cs typeface="adwa-assalaf" panose="02000000000000000000" pitchFamily="2" charset="-78"/>
-            </a:endParaRPr>
-          </a:p>
-        </p:txBody>
-      </p:sp>
-      <p:sp>
-        <p:nvSpPr>
-          <p:cNvPr id="17" name="Content Placeholder 5">
-            <a:extLst>
-              <a:ext uri="{FF2B5EF4-FFF2-40B4-BE49-F238E27FC236}">
-                <a16:creationId xmlns:a16="http://schemas.microsoft.com/office/drawing/2014/main" id="{065B51BA-E560-414B-81A5-9C3EC28BB3C6}"/>
-              </a:ext>
-            </a:extLst>
-          </p:cNvPr>
-          <p:cNvSpPr>
-            <a:spLocks noGrp="1"/>
-          </p:cNvSpPr>
-          <p:nvPr>
-            <p:ph idx="1"/>
-          </p:nvPr>
-        </p:nvSpPr>
-        <p:spPr>
-          <a:xfrm>
-            <a:off x="179388" y="627063"/>
-            <a:ext cx="8785225" cy="4392612"/>
-          </a:xfrm>
-        </p:spPr>
-        <p:txBody>
-          <a:bodyPr>
-            <a:normAutofit/>
-          </a:bodyPr>
-          <a:lstStyle/>
-          <a:p>
-            <a:pPr rtl="1"/>
-            <a:r>
-              <a:rPr lang="ur-PK" dirty="0"/>
-              <a:t>والسّينُ وسَوْفَ تُخَصِّصُهُ بِالاسْتِقْبالِ، نَحْوُ سَيَضْرِبُ </a:t>
-            </a:r>
-          </a:p>
-          <a:p>
-            <a:pPr rtl="1"/>
-            <a:r>
-              <a:rPr lang="ur-PK" dirty="0"/>
-              <a:t>واللاَّمُ المَفْتُوحَةُ بِالحالِ، نَحْوُ لَيَضْرِبُ. </a:t>
-            </a:r>
-            <a:endParaRPr lang="en-GB" dirty="0"/>
-          </a:p>
-        </p:txBody>
-      </p:sp>
-    </p:spTree>
-    <p:extLst>
-      <p:ext uri="{BB962C8B-B14F-4D97-AF65-F5344CB8AC3E}">
-        <p14:creationId xmlns:p14="http://schemas.microsoft.com/office/powerpoint/2010/main" val="131871736"/>
-      </p:ext>
-    </p:extLst>
-  </p:cSld>
-  <p:clrMapOvr>
-    <a:masterClrMapping/>
-  </p:clrMapOvr>
-  <p:timing>
-    <p:tnLst>
-      <p:par>
-        <p:cTn id="1" dur="indefinite" restart="never" nodeType="tmRoot">
-          <p:childTnLst>
-            <p:seq concurrent="1" nextAc="seek">
-              <p:cTn id="2" dur="indefinite" nodeType="mainSeq">
-                <p:childTnLst>
-                  <p:par>
-                    <p:cTn id="3" fill="hold">
-                      <p:stCondLst>
-                        <p:cond delay="indefinite"/>
-                      </p:stCondLst>
-                      <p:childTnLst>
-                        <p:par>
-                          <p:cTn id="4" fill="hold">
-                            <p:stCondLst>
-                              <p:cond delay="0"/>
-                            </p:stCondLst>
-                            <p:childTnLst>
-                              <p:par>
-                                <p:cTn id="5" presetID="1" presetClass="entr" presetSubtype="0" fill="hold" grpId="0" nodeType="clickEffect">
-                                  <p:stCondLst>
-                                    <p:cond delay="0"/>
-                                  </p:stCondLst>
-                                  <p:childTnLst>
-                                    <p:set>
-                                      <p:cBhvr>
-                                        <p:cTn id="6" dur="1" fill="hold">
-                                          <p:stCondLst>
-                                            <p:cond delay="0"/>
-                                          </p:stCondLst>
-                                        </p:cTn>
-                                        <p:tgtEl>
-                                          <p:spTgt spid="17">
-                                            <p:txEl>
-                                              <p:pRg st="0" end="0"/>
-                                            </p:txEl>
-                                          </p:spTgt>
-                                        </p:tgtEl>
-                                        <p:attrNameLst>
-                                          <p:attrName>style.visibility</p:attrName>
-                                        </p:attrNameLst>
-                                      </p:cBhvr>
-                                      <p:to>
-                                        <p:strVal val="visible"/>
-                                      </p:to>
-                                    </p:set>
-                                  </p:childTnLst>
-                                </p:cTn>
-                              </p:par>
-                            </p:childTnLst>
-                          </p:cTn>
-                        </p:par>
-                      </p:childTnLst>
-                    </p:cTn>
-                  </p:par>
-                  <p:par>
-                    <p:cTn id="7" fill="hold">
-                      <p:stCondLst>
-                        <p:cond delay="indefinite"/>
-                      </p:stCondLst>
-                      <p:childTnLst>
-                        <p:par>
-                          <p:cTn id="8" fill="hold">
-                            <p:stCondLst>
-                              <p:cond delay="0"/>
-                            </p:stCondLst>
-                            <p:childTnLst>
-                              <p:par>
-                                <p:cTn id="9" presetID="1" presetClass="entr" presetSubtype="0" fill="hold" grpId="0" nodeType="clickEffect">
-                                  <p:stCondLst>
-                                    <p:cond delay="0"/>
-                                  </p:stCondLst>
-                                  <p:childTnLst>
-                                    <p:set>
-                                      <p:cBhvr>
-                                        <p:cTn id="10" dur="1" fill="hold">
-                                          <p:stCondLst>
-                                            <p:cond delay="0"/>
-                                          </p:stCondLst>
-                                        </p:cTn>
-                                        <p:tgtEl>
-                                          <p:spTgt spid="17">
-                                            <p:txEl>
-                                              <p:pRg st="1" end="1"/>
-                                            </p:txEl>
-                                          </p:spTgt>
-                                        </p:tgtEl>
-                                        <p:attrNameLst>
-                                          <p:attrName>style.visibility</p:attrName>
-                                        </p:attrNameLst>
-                                      </p:cBhvr>
-                                      <p:to>
-                                        <p:strVal val="visible"/>
-                                      </p:to>
-                                    </p:set>
-                                  </p:childTnLst>
-                                </p:cTn>
-                              </p:par>
-                            </p:childTnLst>
-                          </p:cTn>
-                        </p:par>
-                      </p:childTnLst>
-                    </p:cTn>
-                  </p:par>
-                </p:childTnLst>
-              </p:cTn>
-              <p:prevCondLst>
-                <p:cond evt="onPrev" delay="0">
-                  <p:tgtEl>
-                    <p:sldTgt/>
-                  </p:tgtEl>
-                </p:cond>
-              </p:prevCondLst>
-              <p:nextCondLst>
-                <p:cond evt="onNext" delay="0">
-                  <p:tgtEl>
-                    <p:sldTgt/>
-                  </p:tgtEl>
-                </p:cond>
-              </p:nextCondLst>
-            </p:seq>
-          </p:childTnLst>
-        </p:cTn>
-      </p:par>
-    </p:tnLst>
-    <p:bldLst>
-      <p:bldP spid="17" grpId="0" uiExpand="1" build="p"/>
-    </p:bldLst>
-  </p:timing>
-</p:sld>
-</file>
-
-<file path=ppt/slides/slide11.xml><?xml version="1.0" encoding="utf-8"?>
 <p:sld xmlns:a="http://schemas.openxmlformats.org/drawingml/2006/main" xmlns:r="http://schemas.openxmlformats.org/officeDocument/2006/relationships" xmlns:p="http://schemas.openxmlformats.org/presentationml/2006/main">
   <p:cSld>
     <p:spTree>
@@ -5122,7 +8270,7 @@
 </p:sld>
 </file>
 
-<file path=ppt/slides/slide12.xml><?xml version="1.0" encoding="utf-8"?>
+<file path=ppt/slides/slide11.xml><?xml version="1.0" encoding="utf-8"?>
 <p:sld xmlns:a="http://schemas.openxmlformats.org/drawingml/2006/main" xmlns:r="http://schemas.openxmlformats.org/officeDocument/2006/relationships" xmlns:p="http://schemas.openxmlformats.org/presentationml/2006/main">
   <p:cSld>
     <p:spTree>
@@ -5255,14 +8403,7 @@
             <a:pPr rtl="1"/>
             <a:r>
               <a:rPr lang="ur-PK" dirty="0"/>
-              <a:t>وَإِنَّمَا أَعْرَبُوْهُ - مَعَ أَنَّ أصْلَ الْفِعْلِ البناءُ – لِمُضَارَعَتِهِ أَيْ لِمُشابَهَتِهِ الاسْمَ، فِيْ مَا عَرَفْتَ، </a:t>
-            </a:r>
-          </a:p>
-          <a:p>
-            <a:pPr rtl="1"/>
-            <a:r>
-              <a:rPr lang="ur-PK" dirty="0"/>
-              <a:t>وَأَصْلُ الاسْمِ الإعْرابُ، وذلِك إذا لمْ يَتَّصِلْ بِهِ نُونُ تَوْكِيْدٍ، وَلَا نُوْنُ جَمْعِ المُؤَنَّثِ. </a:t>
+              <a:t>وَإِنَّمَا أَعْرَبُوْهُ - مَعَ أَنَّ أصْلَ الْفِعْلِ البناءُ -لِمُضَارَعَتِهِ أَيْ لِمُشابَهَتِهِ الاسْمَ، فِيْ مَا عَرَفْتَ، وَأَصْلُ الاسْمِ الإعْرابُ، وذلِك إذا لمْ يَتَّصِلْ بِهِ نُونُ تَوْكِيْدٍ، وَلَا نُوْنُ جَمْعِ المُؤَنَّثِ. </a:t>
             </a:r>
             <a:endParaRPr lang="en-GB" dirty="0"/>
           </a:p>
@@ -5335,55 +8476,6 @@
                       </p:childTnLst>
                     </p:cTn>
                   </p:par>
-                  <p:par>
-                    <p:cTn id="7" fill="hold">
-                      <p:stCondLst>
-                        <p:cond delay="indefinite"/>
-                      </p:stCondLst>
-                      <p:childTnLst>
-                        <p:par>
-                          <p:cTn id="8" fill="hold">
-                            <p:stCondLst>
-                              <p:cond delay="0"/>
-                            </p:stCondLst>
-                            <p:childTnLst>
-                              <p:par>
-                                <p:cTn id="9" presetID="1" presetClass="entr" presetSubtype="0" fill="hold" grpId="0" nodeType="clickEffect">
-                                  <p:stCondLst>
-                                    <p:cond delay="0"/>
-                                  </p:stCondLst>
-                                  <p:childTnLst>
-                                    <p:set>
-                                      <p:cBhvr>
-                                        <p:cTn id="10" dur="1" fill="hold">
-                                          <p:stCondLst>
-                                            <p:cond delay="0"/>
-                                          </p:stCondLst>
-                                        </p:cTn>
-                                        <p:tgtEl>
-                                          <p:spTgt spid="17">
-                                            <p:txEl>
-                                              <p:pRg st="1" end="1"/>
-                                            </p:txEl>
-                                          </p:spTgt>
-                                        </p:tgtEl>
-                                        <p:attrNameLst>
-                                          <p:attrName>style.visibility</p:attrName>
-                                        </p:attrNameLst>
-                                      </p:cBhvr>
-                                      <p:to>
-                                        <p:strVal val="visible"/>
-                                      </p:to>
-                                    </p:set>
-                                  </p:childTnLst>
-                                </p:cTn>
-                              </p:par>
-                            </p:childTnLst>
-                          </p:cTn>
-                        </p:par>
-                      </p:childTnLst>
-                    </p:cTn>
-                  </p:par>
                 </p:childTnLst>
               </p:cTn>
               <p:prevCondLst>
@@ -5412,7 +8504,7 @@
 </p:sld>
 </file>
 
-<file path=ppt/slides/slide13.xml><?xml version="1.0" encoding="utf-8"?>
+<file path=ppt/slides/slide12.xml><?xml version="1.0" encoding="utf-8"?>
 <p:sld xmlns:a="http://schemas.openxmlformats.org/drawingml/2006/main" xmlns:r="http://schemas.openxmlformats.org/officeDocument/2006/relationships" xmlns:p="http://schemas.openxmlformats.org/presentationml/2006/main">
   <p:cSld>
     <p:spTree>
@@ -5646,7 +8738,7 @@
 </p:sld>
 </file>
 
-<file path=ppt/slides/slide14.xml><?xml version="1.0" encoding="utf-8"?>
+<file path=ppt/slides/slide13.xml><?xml version="1.0" encoding="utf-8"?>
 <p:sld xmlns:a="http://schemas.openxmlformats.org/drawingml/2006/main" xmlns:r="http://schemas.openxmlformats.org/officeDocument/2006/relationships" xmlns:p="http://schemas.openxmlformats.org/presentationml/2006/main">
   <p:cSld>
     <p:spTree>
@@ -6974,7 +10066,7 @@
 </p:sld>
 </file>
 
-<file path=ppt/slides/slide15.xml><?xml version="1.0" encoding="utf-8"?>
+<file path=ppt/slides/slide14.xml><?xml version="1.0" encoding="utf-8"?>
 <p:sld xmlns:a="http://schemas.openxmlformats.org/drawingml/2006/main" xmlns:r="http://schemas.openxmlformats.org/officeDocument/2006/relationships" xmlns:p="http://schemas.openxmlformats.org/presentationml/2006/main">
   <p:cSld>
     <p:spTree>
@@ -9186,7 +12278,7 @@
         </p:spPr>
         <p:txBody>
           <a:bodyPr>
-            <a:normAutofit/>
+            <a:normAutofit fontScale="62500" lnSpcReduction="20000"/>
           </a:bodyPr>
           <a:lstStyle/>
           <a:p>
@@ -9210,6 +12302,65 @@
           </a:p>
           <a:p>
             <a:pPr rtl="1"/>
+            <a:r>
+              <a:rPr lang="ur-PK" dirty="0"/>
+              <a:t>	لَفْظًا </a:t>
+            </a:r>
+          </a:p>
+          <a:p>
+            <a:pPr rtl="1"/>
+            <a:r>
+              <a:rPr lang="ur-PK" dirty="0"/>
+              <a:t>		فِي </a:t>
+            </a:r>
+            <a:r>
+              <a:rPr lang="ar-SA" dirty="0"/>
+              <a:t>اِتِّفَاق</a:t>
+            </a:r>
+            <a:r>
+              <a:rPr lang="ur-PK" dirty="0"/>
+              <a:t>ِ</a:t>
+            </a:r>
+            <a:r>
+              <a:rPr lang="ar-SA" dirty="0"/>
+              <a:t> الْحَرَكاتِ وَالسَّكَنَاتِ نَحْوُ: يَضْرِبُ، وَيَسْتَخْرِجُ، كَضَارِبٍ، ومُسْتَخْرِجٍ. </a:t>
+            </a:r>
+            <a:endParaRPr lang="en-GB" dirty="0"/>
+          </a:p>
+          <a:p>
+            <a:pPr lvl="0" rtl="1"/>
+            <a:r>
+              <a:rPr lang="ur-PK" dirty="0"/>
+              <a:t>		</a:t>
+            </a:r>
+            <a:r>
+              <a:rPr lang="ar-SA" dirty="0"/>
+              <a:t>وَفِيْ دُخُولِ لَامِ التَّأكيدِ فِي أوَّلِهِمَا، تَقُولُ: إنَّ زَيْدًا لَيَقٌومُ كَمَا تَقُولُ إنَّ زَيْدًا لَقائِمٌ </a:t>
+            </a:r>
+            <a:endParaRPr lang="en-GB" dirty="0"/>
+          </a:p>
+          <a:p>
+            <a:pPr lvl="0" rtl="1"/>
+            <a:r>
+              <a:rPr lang="ur-PK" dirty="0"/>
+              <a:t>		</a:t>
+            </a:r>
+            <a:r>
+              <a:rPr lang="ar-SA" dirty="0"/>
+              <a:t>وَفِيْ تَسَاوِيْهِمَا فِي عَدَدِ الحُرُوفِ.</a:t>
+            </a:r>
+            <a:endParaRPr lang="en-GB" dirty="0"/>
+          </a:p>
+          <a:p>
+            <a:pPr lvl="0" rtl="1"/>
+            <a:r>
+              <a:rPr lang="ur-PK" dirty="0"/>
+              <a:t>	</a:t>
+            </a:r>
+            <a:r>
+              <a:rPr lang="ar-SA" dirty="0"/>
+              <a:t>وَمَعْنىً فِي أَنَّهُ مُشْتَرِكٌ بَيْنَ الحَالِ وَالاسْتِقْبالِ، كَاسْمِ الفاعِلِ ولِذلِك سَمَّوْهُ مُضارِعًا.</a:t>
+            </a:r>
             <a:endParaRPr lang="en-GB" dirty="0"/>
           </a:p>
         </p:txBody>
@@ -9218,2001 +12369,6 @@
     <p:extLst>
       <p:ext uri="{BB962C8B-B14F-4D97-AF65-F5344CB8AC3E}">
         <p14:creationId xmlns:p14="http://schemas.microsoft.com/office/powerpoint/2010/main" val="1679603336"/>
-      </p:ext>
-    </p:extLst>
-  </p:cSld>
-  <p:clrMapOvr>
-    <a:masterClrMapping/>
-  </p:clrMapOvr>
-  <p:timing>
-    <p:tnLst>
-      <p:par>
-        <p:cTn id="1" dur="indefinite" restart="never" nodeType="tmRoot">
-          <p:childTnLst>
-            <p:seq concurrent="1" nextAc="seek">
-              <p:cTn id="2" dur="indefinite" nodeType="mainSeq">
-                <p:childTnLst>
-                  <p:par>
-                    <p:cTn id="3" fill="hold">
-                      <p:stCondLst>
-                        <p:cond delay="indefinite"/>
-                      </p:stCondLst>
-                      <p:childTnLst>
-                        <p:par>
-                          <p:cTn id="4" fill="hold">
-                            <p:stCondLst>
-                              <p:cond delay="0"/>
-                            </p:stCondLst>
-                            <p:childTnLst>
-                              <p:par>
-                                <p:cTn id="5" presetID="1" presetClass="entr" presetSubtype="0" fill="hold" grpId="0" nodeType="clickEffect">
-                                  <p:stCondLst>
-                                    <p:cond delay="0"/>
-                                  </p:stCondLst>
-                                  <p:childTnLst>
-                                    <p:set>
-                                      <p:cBhvr>
-                                        <p:cTn id="6" dur="1" fill="hold">
-                                          <p:stCondLst>
-                                            <p:cond delay="0"/>
-                                          </p:stCondLst>
-                                        </p:cTn>
-                                        <p:tgtEl>
-                                          <p:spTgt spid="17">
-                                            <p:txEl>
-                                              <p:pRg st="0" end="0"/>
-                                            </p:txEl>
-                                          </p:spTgt>
-                                        </p:tgtEl>
-                                        <p:attrNameLst>
-                                          <p:attrName>style.visibility</p:attrName>
-                                        </p:attrNameLst>
-                                      </p:cBhvr>
-                                      <p:to>
-                                        <p:strVal val="visible"/>
-                                      </p:to>
-                                    </p:set>
-                                  </p:childTnLst>
-                                </p:cTn>
-                              </p:par>
-                            </p:childTnLst>
-                          </p:cTn>
-                        </p:par>
-                      </p:childTnLst>
-                    </p:cTn>
-                  </p:par>
-                  <p:par>
-                    <p:cTn id="7" fill="hold">
-                      <p:stCondLst>
-                        <p:cond delay="indefinite"/>
-                      </p:stCondLst>
-                      <p:childTnLst>
-                        <p:par>
-                          <p:cTn id="8" fill="hold">
-                            <p:stCondLst>
-                              <p:cond delay="0"/>
-                            </p:stCondLst>
-                            <p:childTnLst>
-                              <p:par>
-                                <p:cTn id="9" presetID="1" presetClass="entr" presetSubtype="0" fill="hold" grpId="0" nodeType="clickEffect">
-                                  <p:stCondLst>
-                                    <p:cond delay="0"/>
-                                  </p:stCondLst>
-                                  <p:childTnLst>
-                                    <p:set>
-                                      <p:cBhvr>
-                                        <p:cTn id="10" dur="1" fill="hold">
-                                          <p:stCondLst>
-                                            <p:cond delay="0"/>
-                                          </p:stCondLst>
-                                        </p:cTn>
-                                        <p:tgtEl>
-                                          <p:spTgt spid="17">
-                                            <p:txEl>
-                                              <p:pRg st="1" end="1"/>
-                                            </p:txEl>
-                                          </p:spTgt>
-                                        </p:tgtEl>
-                                        <p:attrNameLst>
-                                          <p:attrName>style.visibility</p:attrName>
-                                        </p:attrNameLst>
-                                      </p:cBhvr>
-                                      <p:to>
-                                        <p:strVal val="visible"/>
-                                      </p:to>
-                                    </p:set>
-                                  </p:childTnLst>
-                                </p:cTn>
-                              </p:par>
-                            </p:childTnLst>
-                          </p:cTn>
-                        </p:par>
-                      </p:childTnLst>
-                    </p:cTn>
-                  </p:par>
-                </p:childTnLst>
-              </p:cTn>
-              <p:prevCondLst>
-                <p:cond evt="onPrev" delay="0">
-                  <p:tgtEl>
-                    <p:sldTgt/>
-                  </p:tgtEl>
-                </p:cond>
-              </p:prevCondLst>
-              <p:nextCondLst>
-                <p:cond evt="onNext" delay="0">
-                  <p:tgtEl>
-                    <p:sldTgt/>
-                  </p:tgtEl>
-                </p:cond>
-              </p:nextCondLst>
-            </p:seq>
-          </p:childTnLst>
-        </p:cTn>
-      </p:par>
-    </p:tnLst>
-    <p:bldLst>
-      <p:bldP spid="17" grpId="0" uiExpand="1" build="p"/>
-    </p:bldLst>
-  </p:timing>
-</p:sld>
-</file>
-
-<file path=ppt/slides/slide8.xml><?xml version="1.0" encoding="utf-8"?>
-<p:sld xmlns:a="http://schemas.openxmlformats.org/drawingml/2006/main" xmlns:r="http://schemas.openxmlformats.org/officeDocument/2006/relationships" xmlns:p="http://schemas.openxmlformats.org/presentationml/2006/main">
-  <p:cSld>
-    <p:spTree>
-      <p:nvGrpSpPr>
-        <p:cNvPr id="1" name=""/>
-        <p:cNvGrpSpPr/>
-        <p:nvPr/>
-      </p:nvGrpSpPr>
-      <p:grpSpPr>
-        <a:xfrm>
-          <a:off x="0" y="0"/>
-          <a:ext cx="0" cy="0"/>
-          <a:chOff x="0" y="0"/>
-          <a:chExt cx="0" cy="0"/>
-        </a:xfrm>
-      </p:grpSpPr>
-      <p:sp>
-        <p:nvSpPr>
-          <p:cNvPr id="11" name="Arrow: Pentagon 10">
-            <a:extLst>
-              <a:ext uri="{FF2B5EF4-FFF2-40B4-BE49-F238E27FC236}">
-                <a16:creationId xmlns:a16="http://schemas.microsoft.com/office/drawing/2014/main" id="{5517573A-6CE9-4888-8279-E2F671151A41}"/>
-              </a:ext>
-            </a:extLst>
-          </p:cNvPr>
-          <p:cNvSpPr/>
-          <p:nvPr/>
-        </p:nvSpPr>
-        <p:spPr>
-          <a:xfrm flipH="1">
-            <a:off x="7344848" y="0"/>
-            <a:ext cx="1799151" cy="582595"/>
-          </a:xfrm>
-          <a:prstGeom prst="homePlate">
-            <a:avLst>
-              <a:gd name="adj" fmla="val 18654"/>
-            </a:avLst>
-          </a:prstGeom>
-          <a:ln>
-            <a:solidFill>
-              <a:schemeClr val="accent5"/>
-            </a:solidFill>
-          </a:ln>
-        </p:spPr>
-        <p:style>
-          <a:lnRef idx="2">
-            <a:schemeClr val="accent6">
-              <a:shade val="50000"/>
-            </a:schemeClr>
-          </a:lnRef>
-          <a:fillRef idx="1">
-            <a:schemeClr val="accent6"/>
-          </a:fillRef>
-          <a:effectRef idx="0">
-            <a:schemeClr val="accent6"/>
-          </a:effectRef>
-          <a:fontRef idx="minor">
-            <a:schemeClr val="lt1"/>
-          </a:fontRef>
-        </p:style>
-        <p:txBody>
-          <a:bodyPr rtlCol="0" anchor="ctr"/>
-          <a:lstStyle/>
-          <a:p>
-            <a:pPr algn="ctr"/>
-            <a:r>
-              <a:rPr lang="ur-PK" sz="1800" b="1" dirty="0">
-                <a:ln w="0"/>
-                <a:solidFill>
-                  <a:schemeClr val="bg1"/>
-                </a:solidFill>
-                <a:effectLst>
-                  <a:outerShdw blurRad="38100" dist="19050" dir="2700000" algn="tl" rotWithShape="0">
-                    <a:schemeClr val="dk1">
-                      <a:alpha val="40000"/>
-                    </a:schemeClr>
-                  </a:outerShdw>
-                </a:effectLst>
-                <a:latin typeface="adwa-assalaf" panose="02000000000000000000" pitchFamily="2" charset="-78"/>
-                <a:cs typeface="adwa-assalaf" panose="02000000000000000000" pitchFamily="2" charset="-78"/>
-              </a:rPr>
-              <a:t>الْقِسْمُ الثَّانِيْ فِي الْفِعْلِ</a:t>
-            </a:r>
-            <a:endParaRPr lang="en-GB" sz="1800" b="1" dirty="0">
-              <a:ln w="0"/>
-              <a:solidFill>
-                <a:schemeClr val="bg1"/>
-              </a:solidFill>
-              <a:effectLst>
-                <a:outerShdw blurRad="38100" dist="19050" dir="2700000" algn="tl" rotWithShape="0">
-                  <a:schemeClr val="dk1">
-                    <a:alpha val="40000"/>
-                  </a:schemeClr>
-                </a:outerShdw>
-              </a:effectLst>
-              <a:latin typeface="adwa-assalaf" panose="02000000000000000000" pitchFamily="2" charset="-78"/>
-              <a:cs typeface="adwa-assalaf" panose="02000000000000000000" pitchFamily="2" charset="-78"/>
-            </a:endParaRPr>
-          </a:p>
-        </p:txBody>
-      </p:sp>
-      <p:sp>
-        <p:nvSpPr>
-          <p:cNvPr id="4" name="Freeform: Shape 3">
-            <a:extLst>
-              <a:ext uri="{FF2B5EF4-FFF2-40B4-BE49-F238E27FC236}">
-                <a16:creationId xmlns:a16="http://schemas.microsoft.com/office/drawing/2014/main" id="{5A91AE12-B95A-4A32-9CEC-0A3D2FC09C10}"/>
-              </a:ext>
-            </a:extLst>
-          </p:cNvPr>
-          <p:cNvSpPr/>
-          <p:nvPr/>
-        </p:nvSpPr>
-        <p:spPr>
-          <a:xfrm>
-            <a:off x="182630" y="627878"/>
-            <a:ext cx="8778739" cy="1361967"/>
-          </a:xfrm>
-          <a:custGeom>
-            <a:avLst/>
-            <a:gdLst>
-              <a:gd name="connsiteX0" fmla="*/ 0 w 8778739"/>
-              <a:gd name="connsiteY0" fmla="*/ 136197 h 1361967"/>
-              <a:gd name="connsiteX1" fmla="*/ 136197 w 8778739"/>
-              <a:gd name="connsiteY1" fmla="*/ 0 h 1361967"/>
-              <a:gd name="connsiteX2" fmla="*/ 8642542 w 8778739"/>
-              <a:gd name="connsiteY2" fmla="*/ 0 h 1361967"/>
-              <a:gd name="connsiteX3" fmla="*/ 8778739 w 8778739"/>
-              <a:gd name="connsiteY3" fmla="*/ 136197 h 1361967"/>
-              <a:gd name="connsiteX4" fmla="*/ 8778739 w 8778739"/>
-              <a:gd name="connsiteY4" fmla="*/ 1225770 h 1361967"/>
-              <a:gd name="connsiteX5" fmla="*/ 8642542 w 8778739"/>
-              <a:gd name="connsiteY5" fmla="*/ 1361967 h 1361967"/>
-              <a:gd name="connsiteX6" fmla="*/ 136197 w 8778739"/>
-              <a:gd name="connsiteY6" fmla="*/ 1361967 h 1361967"/>
-              <a:gd name="connsiteX7" fmla="*/ 0 w 8778739"/>
-              <a:gd name="connsiteY7" fmla="*/ 1225770 h 1361967"/>
-              <a:gd name="connsiteX8" fmla="*/ 0 w 8778739"/>
-              <a:gd name="connsiteY8" fmla="*/ 136197 h 1361967"/>
-            </a:gdLst>
-            <a:ahLst/>
-            <a:cxnLst>
-              <a:cxn ang="0">
-                <a:pos x="connsiteX0" y="connsiteY0"/>
-              </a:cxn>
-              <a:cxn ang="0">
-                <a:pos x="connsiteX1" y="connsiteY1"/>
-              </a:cxn>
-              <a:cxn ang="0">
-                <a:pos x="connsiteX2" y="connsiteY2"/>
-              </a:cxn>
-              <a:cxn ang="0">
-                <a:pos x="connsiteX3" y="connsiteY3"/>
-              </a:cxn>
-              <a:cxn ang="0">
-                <a:pos x="connsiteX4" y="connsiteY4"/>
-              </a:cxn>
-              <a:cxn ang="0">
-                <a:pos x="connsiteX5" y="connsiteY5"/>
-              </a:cxn>
-              <a:cxn ang="0">
-                <a:pos x="connsiteX6" y="connsiteY6"/>
-              </a:cxn>
-              <a:cxn ang="0">
-                <a:pos x="connsiteX7" y="connsiteY7"/>
-              </a:cxn>
-              <a:cxn ang="0">
-                <a:pos x="connsiteX8" y="connsiteY8"/>
-              </a:cxn>
-            </a:cxnLst>
-            <a:rect l="l" t="t" r="r" b="b"/>
-            <a:pathLst>
-              <a:path w="8778739" h="1361967">
-                <a:moveTo>
-                  <a:pt x="0" y="136197"/>
-                </a:moveTo>
-                <a:cubicBezTo>
-                  <a:pt x="0" y="60977"/>
-                  <a:pt x="60977" y="0"/>
-                  <a:pt x="136197" y="0"/>
-                </a:cubicBezTo>
-                <a:lnTo>
-                  <a:pt x="8642542" y="0"/>
-                </a:lnTo>
-                <a:cubicBezTo>
-                  <a:pt x="8717762" y="0"/>
-                  <a:pt x="8778739" y="60977"/>
-                  <a:pt x="8778739" y="136197"/>
-                </a:cubicBezTo>
-                <a:lnTo>
-                  <a:pt x="8778739" y="1225770"/>
-                </a:lnTo>
-                <a:cubicBezTo>
-                  <a:pt x="8778739" y="1300990"/>
-                  <a:pt x="8717762" y="1361967"/>
-                  <a:pt x="8642542" y="1361967"/>
-                </a:cubicBezTo>
-                <a:lnTo>
-                  <a:pt x="136197" y="1361967"/>
-                </a:lnTo>
-                <a:cubicBezTo>
-                  <a:pt x="60977" y="1361967"/>
-                  <a:pt x="0" y="1300990"/>
-                  <a:pt x="0" y="1225770"/>
-                </a:cubicBezTo>
-                <a:lnTo>
-                  <a:pt x="0" y="136197"/>
-                </a:lnTo>
-                <a:close/>
-              </a:path>
-            </a:pathLst>
-          </a:custGeom>
-        </p:spPr>
-        <p:style>
-          <a:lnRef idx="2">
-            <a:schemeClr val="lt1">
-              <a:hueOff val="0"/>
-              <a:satOff val="0"/>
-              <a:lumOff val="0"/>
-              <a:alphaOff val="0"/>
-            </a:schemeClr>
-          </a:lnRef>
-          <a:fillRef idx="1">
-            <a:schemeClr val="accent1">
-              <a:hueOff val="0"/>
-              <a:satOff val="0"/>
-              <a:lumOff val="0"/>
-              <a:alphaOff val="0"/>
-            </a:schemeClr>
-          </a:fillRef>
-          <a:effectRef idx="0">
-            <a:schemeClr val="accent1">
-              <a:hueOff val="0"/>
-              <a:satOff val="0"/>
-              <a:lumOff val="0"/>
-              <a:alphaOff val="0"/>
-            </a:schemeClr>
-          </a:effectRef>
-          <a:fontRef idx="minor">
-            <a:schemeClr val="lt1"/>
-          </a:fontRef>
-        </p:style>
-        <p:txBody>
-          <a:bodyPr spcFirstLastPara="0" vert="horz" wrap="square" lIns="199911" tIns="199911" rIns="199911" bIns="199911" numCol="1" spcCol="1270" anchor="ctr" anchorCtr="0">
-            <a:noAutofit/>
-          </a:bodyPr>
-          <a:lstStyle/>
-          <a:p>
-            <a:pPr marL="0" lvl="0" indent="0" algn="ctr" defTabSz="1866900">
-              <a:lnSpc>
-                <a:spcPct val="90000"/>
-              </a:lnSpc>
-              <a:spcBef>
-                <a:spcPct val="0"/>
-              </a:spcBef>
-              <a:spcAft>
-                <a:spcPct val="35000"/>
-              </a:spcAft>
-              <a:buNone/>
-            </a:pPr>
-            <a:r>
-              <a:rPr lang="ur-PK" sz="4200" kern="1200" dirty="0"/>
-              <a:t>مشابهة الفعل المضارع بالاسم</a:t>
-            </a:r>
-            <a:endParaRPr lang="en-GB" sz="4200" kern="1200" dirty="0"/>
-          </a:p>
-        </p:txBody>
-      </p:sp>
-      <p:sp>
-        <p:nvSpPr>
-          <p:cNvPr id="5" name="Freeform: Shape 4">
-            <a:extLst>
-              <a:ext uri="{FF2B5EF4-FFF2-40B4-BE49-F238E27FC236}">
-                <a16:creationId xmlns:a16="http://schemas.microsoft.com/office/drawing/2014/main" id="{8EFF71E4-492F-4D36-AA57-074154EE2452}"/>
-              </a:ext>
-            </a:extLst>
-          </p:cNvPr>
-          <p:cNvSpPr/>
-          <p:nvPr/>
-        </p:nvSpPr>
-        <p:spPr>
-          <a:xfrm>
-            <a:off x="2465777" y="2142385"/>
-            <a:ext cx="6495592" cy="1361967"/>
-          </a:xfrm>
-          <a:custGeom>
-            <a:avLst/>
-            <a:gdLst>
-              <a:gd name="connsiteX0" fmla="*/ 0 w 6495592"/>
-              <a:gd name="connsiteY0" fmla="*/ 136197 h 1361967"/>
-              <a:gd name="connsiteX1" fmla="*/ 136197 w 6495592"/>
-              <a:gd name="connsiteY1" fmla="*/ 0 h 1361967"/>
-              <a:gd name="connsiteX2" fmla="*/ 6359395 w 6495592"/>
-              <a:gd name="connsiteY2" fmla="*/ 0 h 1361967"/>
-              <a:gd name="connsiteX3" fmla="*/ 6495592 w 6495592"/>
-              <a:gd name="connsiteY3" fmla="*/ 136197 h 1361967"/>
-              <a:gd name="connsiteX4" fmla="*/ 6495592 w 6495592"/>
-              <a:gd name="connsiteY4" fmla="*/ 1225770 h 1361967"/>
-              <a:gd name="connsiteX5" fmla="*/ 6359395 w 6495592"/>
-              <a:gd name="connsiteY5" fmla="*/ 1361967 h 1361967"/>
-              <a:gd name="connsiteX6" fmla="*/ 136197 w 6495592"/>
-              <a:gd name="connsiteY6" fmla="*/ 1361967 h 1361967"/>
-              <a:gd name="connsiteX7" fmla="*/ 0 w 6495592"/>
-              <a:gd name="connsiteY7" fmla="*/ 1225770 h 1361967"/>
-              <a:gd name="connsiteX8" fmla="*/ 0 w 6495592"/>
-              <a:gd name="connsiteY8" fmla="*/ 136197 h 1361967"/>
-            </a:gdLst>
-            <a:ahLst/>
-            <a:cxnLst>
-              <a:cxn ang="0">
-                <a:pos x="connsiteX0" y="connsiteY0"/>
-              </a:cxn>
-              <a:cxn ang="0">
-                <a:pos x="connsiteX1" y="connsiteY1"/>
-              </a:cxn>
-              <a:cxn ang="0">
-                <a:pos x="connsiteX2" y="connsiteY2"/>
-              </a:cxn>
-              <a:cxn ang="0">
-                <a:pos x="connsiteX3" y="connsiteY3"/>
-              </a:cxn>
-              <a:cxn ang="0">
-                <a:pos x="connsiteX4" y="connsiteY4"/>
-              </a:cxn>
-              <a:cxn ang="0">
-                <a:pos x="connsiteX5" y="connsiteY5"/>
-              </a:cxn>
-              <a:cxn ang="0">
-                <a:pos x="connsiteX6" y="connsiteY6"/>
-              </a:cxn>
-              <a:cxn ang="0">
-                <a:pos x="connsiteX7" y="connsiteY7"/>
-              </a:cxn>
-              <a:cxn ang="0">
-                <a:pos x="connsiteX8" y="connsiteY8"/>
-              </a:cxn>
-            </a:cxnLst>
-            <a:rect l="l" t="t" r="r" b="b"/>
-            <a:pathLst>
-              <a:path w="6495592" h="1361967">
-                <a:moveTo>
-                  <a:pt x="0" y="136197"/>
-                </a:moveTo>
-                <a:cubicBezTo>
-                  <a:pt x="0" y="60977"/>
-                  <a:pt x="60977" y="0"/>
-                  <a:pt x="136197" y="0"/>
-                </a:cubicBezTo>
-                <a:lnTo>
-                  <a:pt x="6359395" y="0"/>
-                </a:lnTo>
-                <a:cubicBezTo>
-                  <a:pt x="6434615" y="0"/>
-                  <a:pt x="6495592" y="60977"/>
-                  <a:pt x="6495592" y="136197"/>
-                </a:cubicBezTo>
-                <a:lnTo>
-                  <a:pt x="6495592" y="1225770"/>
-                </a:lnTo>
-                <a:cubicBezTo>
-                  <a:pt x="6495592" y="1300990"/>
-                  <a:pt x="6434615" y="1361967"/>
-                  <a:pt x="6359395" y="1361967"/>
-                </a:cubicBezTo>
-                <a:lnTo>
-                  <a:pt x="136197" y="1361967"/>
-                </a:lnTo>
-                <a:cubicBezTo>
-                  <a:pt x="60977" y="1361967"/>
-                  <a:pt x="0" y="1300990"/>
-                  <a:pt x="0" y="1225770"/>
-                </a:cubicBezTo>
-                <a:lnTo>
-                  <a:pt x="0" y="136197"/>
-                </a:lnTo>
-                <a:close/>
-              </a:path>
-            </a:pathLst>
-          </a:custGeom>
-        </p:spPr>
-        <p:style>
-          <a:lnRef idx="2">
-            <a:schemeClr val="lt1">
-              <a:hueOff val="0"/>
-              <a:satOff val="0"/>
-              <a:lumOff val="0"/>
-              <a:alphaOff val="0"/>
-            </a:schemeClr>
-          </a:lnRef>
-          <a:fillRef idx="1">
-            <a:schemeClr val="accent2">
-              <a:hueOff val="0"/>
-              <a:satOff val="0"/>
-              <a:lumOff val="0"/>
-              <a:alphaOff val="0"/>
-            </a:schemeClr>
-          </a:fillRef>
-          <a:effectRef idx="0">
-            <a:schemeClr val="accent2">
-              <a:hueOff val="0"/>
-              <a:satOff val="0"/>
-              <a:lumOff val="0"/>
-              <a:alphaOff val="0"/>
-            </a:schemeClr>
-          </a:effectRef>
-          <a:fontRef idx="minor">
-            <a:schemeClr val="lt1"/>
-          </a:fontRef>
-        </p:style>
-        <p:txBody>
-          <a:bodyPr spcFirstLastPara="0" vert="horz" wrap="square" lIns="199911" tIns="199911" rIns="199911" bIns="199911" numCol="1" spcCol="1270" anchor="ctr" anchorCtr="0">
-            <a:noAutofit/>
-          </a:bodyPr>
-          <a:lstStyle/>
-          <a:p>
-            <a:pPr marL="0" lvl="0" indent="0" algn="ctr" defTabSz="1866900">
-              <a:lnSpc>
-                <a:spcPct val="90000"/>
-              </a:lnSpc>
-              <a:spcBef>
-                <a:spcPct val="0"/>
-              </a:spcBef>
-              <a:spcAft>
-                <a:spcPct val="35000"/>
-              </a:spcAft>
-              <a:buNone/>
-            </a:pPr>
-            <a:r>
-              <a:rPr lang="ur-PK" sz="4200" kern="1200" dirty="0"/>
-              <a:t>لفظا</a:t>
-            </a:r>
-            <a:endParaRPr lang="en-GB" sz="4200" kern="1200" dirty="0"/>
-          </a:p>
-        </p:txBody>
-      </p:sp>
-      <p:sp>
-        <p:nvSpPr>
-          <p:cNvPr id="6" name="Freeform: Shape 5">
-            <a:extLst>
-              <a:ext uri="{FF2B5EF4-FFF2-40B4-BE49-F238E27FC236}">
-                <a16:creationId xmlns:a16="http://schemas.microsoft.com/office/drawing/2014/main" id="{54A7DC84-0DC0-4B27-B479-9EF5911E5529}"/>
-              </a:ext>
-            </a:extLst>
-          </p:cNvPr>
-          <p:cNvSpPr/>
-          <p:nvPr/>
-        </p:nvSpPr>
-        <p:spPr>
-          <a:xfrm>
-            <a:off x="6855146" y="3656892"/>
-            <a:ext cx="2106223" cy="1361967"/>
-          </a:xfrm>
-          <a:custGeom>
-            <a:avLst/>
-            <a:gdLst>
-              <a:gd name="connsiteX0" fmla="*/ 0 w 2106223"/>
-              <a:gd name="connsiteY0" fmla="*/ 136197 h 1361967"/>
-              <a:gd name="connsiteX1" fmla="*/ 136197 w 2106223"/>
-              <a:gd name="connsiteY1" fmla="*/ 0 h 1361967"/>
-              <a:gd name="connsiteX2" fmla="*/ 1970026 w 2106223"/>
-              <a:gd name="connsiteY2" fmla="*/ 0 h 1361967"/>
-              <a:gd name="connsiteX3" fmla="*/ 2106223 w 2106223"/>
-              <a:gd name="connsiteY3" fmla="*/ 136197 h 1361967"/>
-              <a:gd name="connsiteX4" fmla="*/ 2106223 w 2106223"/>
-              <a:gd name="connsiteY4" fmla="*/ 1225770 h 1361967"/>
-              <a:gd name="connsiteX5" fmla="*/ 1970026 w 2106223"/>
-              <a:gd name="connsiteY5" fmla="*/ 1361967 h 1361967"/>
-              <a:gd name="connsiteX6" fmla="*/ 136197 w 2106223"/>
-              <a:gd name="connsiteY6" fmla="*/ 1361967 h 1361967"/>
-              <a:gd name="connsiteX7" fmla="*/ 0 w 2106223"/>
-              <a:gd name="connsiteY7" fmla="*/ 1225770 h 1361967"/>
-              <a:gd name="connsiteX8" fmla="*/ 0 w 2106223"/>
-              <a:gd name="connsiteY8" fmla="*/ 136197 h 1361967"/>
-            </a:gdLst>
-            <a:ahLst/>
-            <a:cxnLst>
-              <a:cxn ang="0">
-                <a:pos x="connsiteX0" y="connsiteY0"/>
-              </a:cxn>
-              <a:cxn ang="0">
-                <a:pos x="connsiteX1" y="connsiteY1"/>
-              </a:cxn>
-              <a:cxn ang="0">
-                <a:pos x="connsiteX2" y="connsiteY2"/>
-              </a:cxn>
-              <a:cxn ang="0">
-                <a:pos x="connsiteX3" y="connsiteY3"/>
-              </a:cxn>
-              <a:cxn ang="0">
-                <a:pos x="connsiteX4" y="connsiteY4"/>
-              </a:cxn>
-              <a:cxn ang="0">
-                <a:pos x="connsiteX5" y="connsiteY5"/>
-              </a:cxn>
-              <a:cxn ang="0">
-                <a:pos x="connsiteX6" y="connsiteY6"/>
-              </a:cxn>
-              <a:cxn ang="0">
-                <a:pos x="connsiteX7" y="connsiteY7"/>
-              </a:cxn>
-              <a:cxn ang="0">
-                <a:pos x="connsiteX8" y="connsiteY8"/>
-              </a:cxn>
-            </a:cxnLst>
-            <a:rect l="l" t="t" r="r" b="b"/>
-            <a:pathLst>
-              <a:path w="2106223" h="1361967">
-                <a:moveTo>
-                  <a:pt x="0" y="136197"/>
-                </a:moveTo>
-                <a:cubicBezTo>
-                  <a:pt x="0" y="60977"/>
-                  <a:pt x="60977" y="0"/>
-                  <a:pt x="136197" y="0"/>
-                </a:cubicBezTo>
-                <a:lnTo>
-                  <a:pt x="1970026" y="0"/>
-                </a:lnTo>
-                <a:cubicBezTo>
-                  <a:pt x="2045246" y="0"/>
-                  <a:pt x="2106223" y="60977"/>
-                  <a:pt x="2106223" y="136197"/>
-                </a:cubicBezTo>
-                <a:lnTo>
-                  <a:pt x="2106223" y="1225770"/>
-                </a:lnTo>
-                <a:cubicBezTo>
-                  <a:pt x="2106223" y="1300990"/>
-                  <a:pt x="2045246" y="1361967"/>
-                  <a:pt x="1970026" y="1361967"/>
-                </a:cubicBezTo>
-                <a:lnTo>
-                  <a:pt x="136197" y="1361967"/>
-                </a:lnTo>
-                <a:cubicBezTo>
-                  <a:pt x="60977" y="1361967"/>
-                  <a:pt x="0" y="1300990"/>
-                  <a:pt x="0" y="1225770"/>
-                </a:cubicBezTo>
-                <a:lnTo>
-                  <a:pt x="0" y="136197"/>
-                </a:lnTo>
-                <a:close/>
-              </a:path>
-            </a:pathLst>
-          </a:custGeom>
-        </p:spPr>
-        <p:style>
-          <a:lnRef idx="2">
-            <a:schemeClr val="lt1">
-              <a:hueOff val="0"/>
-              <a:satOff val="0"/>
-              <a:lumOff val="0"/>
-              <a:alphaOff val="0"/>
-            </a:schemeClr>
-          </a:lnRef>
-          <a:fillRef idx="1">
-            <a:schemeClr val="accent3">
-              <a:hueOff val="0"/>
-              <a:satOff val="0"/>
-              <a:lumOff val="0"/>
-              <a:alphaOff val="0"/>
-            </a:schemeClr>
-          </a:fillRef>
-          <a:effectRef idx="0">
-            <a:schemeClr val="accent3">
-              <a:hueOff val="0"/>
-              <a:satOff val="0"/>
-              <a:lumOff val="0"/>
-              <a:alphaOff val="0"/>
-            </a:schemeClr>
-          </a:effectRef>
-          <a:fontRef idx="minor">
-            <a:schemeClr val="lt1"/>
-          </a:fontRef>
-        </p:style>
-        <p:txBody>
-          <a:bodyPr spcFirstLastPara="0" vert="horz" wrap="square" lIns="131331" tIns="131331" rIns="131331" bIns="131331" numCol="1" spcCol="1270" anchor="ctr" anchorCtr="0">
-            <a:noAutofit/>
-          </a:bodyPr>
-          <a:lstStyle/>
-          <a:p>
-            <a:pPr marL="0" lvl="0" indent="0" algn="ctr" defTabSz="1066800">
-              <a:lnSpc>
-                <a:spcPct val="90000"/>
-              </a:lnSpc>
-              <a:spcBef>
-                <a:spcPct val="0"/>
-              </a:spcBef>
-              <a:spcAft>
-                <a:spcPct val="35000"/>
-              </a:spcAft>
-              <a:buNone/>
-            </a:pPr>
-            <a:r>
-              <a:rPr lang="ar-SA" sz="2400" kern="1200" dirty="0"/>
-              <a:t>اِتِّفَاقُ الْحَرَكاتِ وَالسَّكَنَاتِ </a:t>
-            </a:r>
-            <a:endParaRPr lang="en-GB" sz="2400" kern="1200" dirty="0"/>
-          </a:p>
-        </p:txBody>
-      </p:sp>
-      <p:sp>
-        <p:nvSpPr>
-          <p:cNvPr id="7" name="Freeform: Shape 6">
-            <a:extLst>
-              <a:ext uri="{FF2B5EF4-FFF2-40B4-BE49-F238E27FC236}">
-                <a16:creationId xmlns:a16="http://schemas.microsoft.com/office/drawing/2014/main" id="{12FD537B-26B8-4DBC-B17D-894D6C511CCE}"/>
-              </a:ext>
-            </a:extLst>
-          </p:cNvPr>
-          <p:cNvSpPr/>
-          <p:nvPr/>
-        </p:nvSpPr>
-        <p:spPr>
-          <a:xfrm>
-            <a:off x="4660461" y="3656892"/>
-            <a:ext cx="2106223" cy="1361967"/>
-          </a:xfrm>
-          <a:custGeom>
-            <a:avLst/>
-            <a:gdLst>
-              <a:gd name="connsiteX0" fmla="*/ 0 w 2106223"/>
-              <a:gd name="connsiteY0" fmla="*/ 136197 h 1361967"/>
-              <a:gd name="connsiteX1" fmla="*/ 136197 w 2106223"/>
-              <a:gd name="connsiteY1" fmla="*/ 0 h 1361967"/>
-              <a:gd name="connsiteX2" fmla="*/ 1970026 w 2106223"/>
-              <a:gd name="connsiteY2" fmla="*/ 0 h 1361967"/>
-              <a:gd name="connsiteX3" fmla="*/ 2106223 w 2106223"/>
-              <a:gd name="connsiteY3" fmla="*/ 136197 h 1361967"/>
-              <a:gd name="connsiteX4" fmla="*/ 2106223 w 2106223"/>
-              <a:gd name="connsiteY4" fmla="*/ 1225770 h 1361967"/>
-              <a:gd name="connsiteX5" fmla="*/ 1970026 w 2106223"/>
-              <a:gd name="connsiteY5" fmla="*/ 1361967 h 1361967"/>
-              <a:gd name="connsiteX6" fmla="*/ 136197 w 2106223"/>
-              <a:gd name="connsiteY6" fmla="*/ 1361967 h 1361967"/>
-              <a:gd name="connsiteX7" fmla="*/ 0 w 2106223"/>
-              <a:gd name="connsiteY7" fmla="*/ 1225770 h 1361967"/>
-              <a:gd name="connsiteX8" fmla="*/ 0 w 2106223"/>
-              <a:gd name="connsiteY8" fmla="*/ 136197 h 1361967"/>
-            </a:gdLst>
-            <a:ahLst/>
-            <a:cxnLst>
-              <a:cxn ang="0">
-                <a:pos x="connsiteX0" y="connsiteY0"/>
-              </a:cxn>
-              <a:cxn ang="0">
-                <a:pos x="connsiteX1" y="connsiteY1"/>
-              </a:cxn>
-              <a:cxn ang="0">
-                <a:pos x="connsiteX2" y="connsiteY2"/>
-              </a:cxn>
-              <a:cxn ang="0">
-                <a:pos x="connsiteX3" y="connsiteY3"/>
-              </a:cxn>
-              <a:cxn ang="0">
-                <a:pos x="connsiteX4" y="connsiteY4"/>
-              </a:cxn>
-              <a:cxn ang="0">
-                <a:pos x="connsiteX5" y="connsiteY5"/>
-              </a:cxn>
-              <a:cxn ang="0">
-                <a:pos x="connsiteX6" y="connsiteY6"/>
-              </a:cxn>
-              <a:cxn ang="0">
-                <a:pos x="connsiteX7" y="connsiteY7"/>
-              </a:cxn>
-              <a:cxn ang="0">
-                <a:pos x="connsiteX8" y="connsiteY8"/>
-              </a:cxn>
-            </a:cxnLst>
-            <a:rect l="l" t="t" r="r" b="b"/>
-            <a:pathLst>
-              <a:path w="2106223" h="1361967">
-                <a:moveTo>
-                  <a:pt x="0" y="136197"/>
-                </a:moveTo>
-                <a:cubicBezTo>
-                  <a:pt x="0" y="60977"/>
-                  <a:pt x="60977" y="0"/>
-                  <a:pt x="136197" y="0"/>
-                </a:cubicBezTo>
-                <a:lnTo>
-                  <a:pt x="1970026" y="0"/>
-                </a:lnTo>
-                <a:cubicBezTo>
-                  <a:pt x="2045246" y="0"/>
-                  <a:pt x="2106223" y="60977"/>
-                  <a:pt x="2106223" y="136197"/>
-                </a:cubicBezTo>
-                <a:lnTo>
-                  <a:pt x="2106223" y="1225770"/>
-                </a:lnTo>
-                <a:cubicBezTo>
-                  <a:pt x="2106223" y="1300990"/>
-                  <a:pt x="2045246" y="1361967"/>
-                  <a:pt x="1970026" y="1361967"/>
-                </a:cubicBezTo>
-                <a:lnTo>
-                  <a:pt x="136197" y="1361967"/>
-                </a:lnTo>
-                <a:cubicBezTo>
-                  <a:pt x="60977" y="1361967"/>
-                  <a:pt x="0" y="1300990"/>
-                  <a:pt x="0" y="1225770"/>
-                </a:cubicBezTo>
-                <a:lnTo>
-                  <a:pt x="0" y="136197"/>
-                </a:lnTo>
-                <a:close/>
-              </a:path>
-            </a:pathLst>
-          </a:custGeom>
-        </p:spPr>
-        <p:style>
-          <a:lnRef idx="2">
-            <a:schemeClr val="lt1">
-              <a:hueOff val="0"/>
-              <a:satOff val="0"/>
-              <a:lumOff val="0"/>
-              <a:alphaOff val="0"/>
-            </a:schemeClr>
-          </a:lnRef>
-          <a:fillRef idx="1">
-            <a:schemeClr val="accent3">
-              <a:hueOff val="0"/>
-              <a:satOff val="0"/>
-              <a:lumOff val="0"/>
-              <a:alphaOff val="0"/>
-            </a:schemeClr>
-          </a:fillRef>
-          <a:effectRef idx="0">
-            <a:schemeClr val="accent3">
-              <a:hueOff val="0"/>
-              <a:satOff val="0"/>
-              <a:lumOff val="0"/>
-              <a:alphaOff val="0"/>
-            </a:schemeClr>
-          </a:effectRef>
-          <a:fontRef idx="minor">
-            <a:schemeClr val="lt1"/>
-          </a:fontRef>
-        </p:style>
-        <p:txBody>
-          <a:bodyPr spcFirstLastPara="0" vert="horz" wrap="square" lIns="131331" tIns="131331" rIns="131331" bIns="131331" numCol="1" spcCol="1270" anchor="ctr" anchorCtr="0">
-            <a:noAutofit/>
-          </a:bodyPr>
-          <a:lstStyle/>
-          <a:p>
-            <a:pPr marL="0" lvl="0" indent="0" algn="ctr" defTabSz="1066800">
-              <a:lnSpc>
-                <a:spcPct val="90000"/>
-              </a:lnSpc>
-              <a:spcBef>
-                <a:spcPct val="0"/>
-              </a:spcBef>
-              <a:spcAft>
-                <a:spcPct val="35000"/>
-              </a:spcAft>
-              <a:buNone/>
-            </a:pPr>
-            <a:r>
-              <a:rPr lang="ar-SA" sz="2400" kern="1200" dirty="0"/>
-              <a:t>دُخُولِ لَامِ التَّأكيدِ فِي أوَّلِهِمَا</a:t>
-            </a:r>
-            <a:endParaRPr lang="en-GB" sz="2400" kern="1200" dirty="0"/>
-          </a:p>
-        </p:txBody>
-      </p:sp>
-      <p:sp>
-        <p:nvSpPr>
-          <p:cNvPr id="8" name="Freeform: Shape 7">
-            <a:extLst>
-              <a:ext uri="{FF2B5EF4-FFF2-40B4-BE49-F238E27FC236}">
-                <a16:creationId xmlns:a16="http://schemas.microsoft.com/office/drawing/2014/main" id="{DE18AA84-D6D4-4248-BE39-A565644E0139}"/>
-              </a:ext>
-            </a:extLst>
-          </p:cNvPr>
-          <p:cNvSpPr/>
-          <p:nvPr/>
-        </p:nvSpPr>
-        <p:spPr>
-          <a:xfrm>
-            <a:off x="2465777" y="3656892"/>
-            <a:ext cx="2106223" cy="1361967"/>
-          </a:xfrm>
-          <a:custGeom>
-            <a:avLst/>
-            <a:gdLst>
-              <a:gd name="connsiteX0" fmla="*/ 0 w 2106223"/>
-              <a:gd name="connsiteY0" fmla="*/ 136197 h 1361967"/>
-              <a:gd name="connsiteX1" fmla="*/ 136197 w 2106223"/>
-              <a:gd name="connsiteY1" fmla="*/ 0 h 1361967"/>
-              <a:gd name="connsiteX2" fmla="*/ 1970026 w 2106223"/>
-              <a:gd name="connsiteY2" fmla="*/ 0 h 1361967"/>
-              <a:gd name="connsiteX3" fmla="*/ 2106223 w 2106223"/>
-              <a:gd name="connsiteY3" fmla="*/ 136197 h 1361967"/>
-              <a:gd name="connsiteX4" fmla="*/ 2106223 w 2106223"/>
-              <a:gd name="connsiteY4" fmla="*/ 1225770 h 1361967"/>
-              <a:gd name="connsiteX5" fmla="*/ 1970026 w 2106223"/>
-              <a:gd name="connsiteY5" fmla="*/ 1361967 h 1361967"/>
-              <a:gd name="connsiteX6" fmla="*/ 136197 w 2106223"/>
-              <a:gd name="connsiteY6" fmla="*/ 1361967 h 1361967"/>
-              <a:gd name="connsiteX7" fmla="*/ 0 w 2106223"/>
-              <a:gd name="connsiteY7" fmla="*/ 1225770 h 1361967"/>
-              <a:gd name="connsiteX8" fmla="*/ 0 w 2106223"/>
-              <a:gd name="connsiteY8" fmla="*/ 136197 h 1361967"/>
-            </a:gdLst>
-            <a:ahLst/>
-            <a:cxnLst>
-              <a:cxn ang="0">
-                <a:pos x="connsiteX0" y="connsiteY0"/>
-              </a:cxn>
-              <a:cxn ang="0">
-                <a:pos x="connsiteX1" y="connsiteY1"/>
-              </a:cxn>
-              <a:cxn ang="0">
-                <a:pos x="connsiteX2" y="connsiteY2"/>
-              </a:cxn>
-              <a:cxn ang="0">
-                <a:pos x="connsiteX3" y="connsiteY3"/>
-              </a:cxn>
-              <a:cxn ang="0">
-                <a:pos x="connsiteX4" y="connsiteY4"/>
-              </a:cxn>
-              <a:cxn ang="0">
-                <a:pos x="connsiteX5" y="connsiteY5"/>
-              </a:cxn>
-              <a:cxn ang="0">
-                <a:pos x="connsiteX6" y="connsiteY6"/>
-              </a:cxn>
-              <a:cxn ang="0">
-                <a:pos x="connsiteX7" y="connsiteY7"/>
-              </a:cxn>
-              <a:cxn ang="0">
-                <a:pos x="connsiteX8" y="connsiteY8"/>
-              </a:cxn>
-            </a:cxnLst>
-            <a:rect l="l" t="t" r="r" b="b"/>
-            <a:pathLst>
-              <a:path w="2106223" h="1361967">
-                <a:moveTo>
-                  <a:pt x="0" y="136197"/>
-                </a:moveTo>
-                <a:cubicBezTo>
-                  <a:pt x="0" y="60977"/>
-                  <a:pt x="60977" y="0"/>
-                  <a:pt x="136197" y="0"/>
-                </a:cubicBezTo>
-                <a:lnTo>
-                  <a:pt x="1970026" y="0"/>
-                </a:lnTo>
-                <a:cubicBezTo>
-                  <a:pt x="2045246" y="0"/>
-                  <a:pt x="2106223" y="60977"/>
-                  <a:pt x="2106223" y="136197"/>
-                </a:cubicBezTo>
-                <a:lnTo>
-                  <a:pt x="2106223" y="1225770"/>
-                </a:lnTo>
-                <a:cubicBezTo>
-                  <a:pt x="2106223" y="1300990"/>
-                  <a:pt x="2045246" y="1361967"/>
-                  <a:pt x="1970026" y="1361967"/>
-                </a:cubicBezTo>
-                <a:lnTo>
-                  <a:pt x="136197" y="1361967"/>
-                </a:lnTo>
-                <a:cubicBezTo>
-                  <a:pt x="60977" y="1361967"/>
-                  <a:pt x="0" y="1300990"/>
-                  <a:pt x="0" y="1225770"/>
-                </a:cubicBezTo>
-                <a:lnTo>
-                  <a:pt x="0" y="136197"/>
-                </a:lnTo>
-                <a:close/>
-              </a:path>
-            </a:pathLst>
-          </a:custGeom>
-        </p:spPr>
-        <p:style>
-          <a:lnRef idx="2">
-            <a:schemeClr val="lt1">
-              <a:hueOff val="0"/>
-              <a:satOff val="0"/>
-              <a:lumOff val="0"/>
-              <a:alphaOff val="0"/>
-            </a:schemeClr>
-          </a:lnRef>
-          <a:fillRef idx="1">
-            <a:schemeClr val="accent3">
-              <a:hueOff val="0"/>
-              <a:satOff val="0"/>
-              <a:lumOff val="0"/>
-              <a:alphaOff val="0"/>
-            </a:schemeClr>
-          </a:fillRef>
-          <a:effectRef idx="0">
-            <a:schemeClr val="accent3">
-              <a:hueOff val="0"/>
-              <a:satOff val="0"/>
-              <a:lumOff val="0"/>
-              <a:alphaOff val="0"/>
-            </a:schemeClr>
-          </a:effectRef>
-          <a:fontRef idx="minor">
-            <a:schemeClr val="lt1"/>
-          </a:fontRef>
-        </p:style>
-        <p:txBody>
-          <a:bodyPr spcFirstLastPara="0" vert="horz" wrap="square" lIns="131331" tIns="131331" rIns="131331" bIns="131331" numCol="1" spcCol="1270" anchor="ctr" anchorCtr="0">
-            <a:noAutofit/>
-          </a:bodyPr>
-          <a:lstStyle/>
-          <a:p>
-            <a:pPr marL="0" lvl="0" indent="0" algn="ctr" defTabSz="1066800">
-              <a:lnSpc>
-                <a:spcPct val="90000"/>
-              </a:lnSpc>
-              <a:spcBef>
-                <a:spcPct val="0"/>
-              </a:spcBef>
-              <a:spcAft>
-                <a:spcPct val="35000"/>
-              </a:spcAft>
-              <a:buNone/>
-            </a:pPr>
-            <a:r>
-              <a:rPr lang="ar-SA" sz="2400" kern="1200"/>
-              <a:t>تَسَاوِيْهِمَا فِي عَدَدِ الحُرُوفِ</a:t>
-            </a:r>
-            <a:endParaRPr lang="en-GB" sz="2400" kern="1200" dirty="0"/>
-          </a:p>
-        </p:txBody>
-      </p:sp>
-      <p:sp>
-        <p:nvSpPr>
-          <p:cNvPr id="9" name="Freeform: Shape 8">
-            <a:extLst>
-              <a:ext uri="{FF2B5EF4-FFF2-40B4-BE49-F238E27FC236}">
-                <a16:creationId xmlns:a16="http://schemas.microsoft.com/office/drawing/2014/main" id="{BBE003A2-58F1-4E23-8B75-FCCFD1856C8D}"/>
-              </a:ext>
-            </a:extLst>
-          </p:cNvPr>
-          <p:cNvSpPr/>
-          <p:nvPr/>
-        </p:nvSpPr>
-        <p:spPr>
-          <a:xfrm>
-            <a:off x="182630" y="2142385"/>
-            <a:ext cx="2106223" cy="1361967"/>
-          </a:xfrm>
-          <a:custGeom>
-            <a:avLst/>
-            <a:gdLst>
-              <a:gd name="connsiteX0" fmla="*/ 0 w 2106223"/>
-              <a:gd name="connsiteY0" fmla="*/ 136197 h 1361967"/>
-              <a:gd name="connsiteX1" fmla="*/ 136197 w 2106223"/>
-              <a:gd name="connsiteY1" fmla="*/ 0 h 1361967"/>
-              <a:gd name="connsiteX2" fmla="*/ 1970026 w 2106223"/>
-              <a:gd name="connsiteY2" fmla="*/ 0 h 1361967"/>
-              <a:gd name="connsiteX3" fmla="*/ 2106223 w 2106223"/>
-              <a:gd name="connsiteY3" fmla="*/ 136197 h 1361967"/>
-              <a:gd name="connsiteX4" fmla="*/ 2106223 w 2106223"/>
-              <a:gd name="connsiteY4" fmla="*/ 1225770 h 1361967"/>
-              <a:gd name="connsiteX5" fmla="*/ 1970026 w 2106223"/>
-              <a:gd name="connsiteY5" fmla="*/ 1361967 h 1361967"/>
-              <a:gd name="connsiteX6" fmla="*/ 136197 w 2106223"/>
-              <a:gd name="connsiteY6" fmla="*/ 1361967 h 1361967"/>
-              <a:gd name="connsiteX7" fmla="*/ 0 w 2106223"/>
-              <a:gd name="connsiteY7" fmla="*/ 1225770 h 1361967"/>
-              <a:gd name="connsiteX8" fmla="*/ 0 w 2106223"/>
-              <a:gd name="connsiteY8" fmla="*/ 136197 h 1361967"/>
-            </a:gdLst>
-            <a:ahLst/>
-            <a:cxnLst>
-              <a:cxn ang="0">
-                <a:pos x="connsiteX0" y="connsiteY0"/>
-              </a:cxn>
-              <a:cxn ang="0">
-                <a:pos x="connsiteX1" y="connsiteY1"/>
-              </a:cxn>
-              <a:cxn ang="0">
-                <a:pos x="connsiteX2" y="connsiteY2"/>
-              </a:cxn>
-              <a:cxn ang="0">
-                <a:pos x="connsiteX3" y="connsiteY3"/>
-              </a:cxn>
-              <a:cxn ang="0">
-                <a:pos x="connsiteX4" y="connsiteY4"/>
-              </a:cxn>
-              <a:cxn ang="0">
-                <a:pos x="connsiteX5" y="connsiteY5"/>
-              </a:cxn>
-              <a:cxn ang="0">
-                <a:pos x="connsiteX6" y="connsiteY6"/>
-              </a:cxn>
-              <a:cxn ang="0">
-                <a:pos x="connsiteX7" y="connsiteY7"/>
-              </a:cxn>
-              <a:cxn ang="0">
-                <a:pos x="connsiteX8" y="connsiteY8"/>
-              </a:cxn>
-            </a:cxnLst>
-            <a:rect l="l" t="t" r="r" b="b"/>
-            <a:pathLst>
-              <a:path w="2106223" h="1361967">
-                <a:moveTo>
-                  <a:pt x="0" y="136197"/>
-                </a:moveTo>
-                <a:cubicBezTo>
-                  <a:pt x="0" y="60977"/>
-                  <a:pt x="60977" y="0"/>
-                  <a:pt x="136197" y="0"/>
-                </a:cubicBezTo>
-                <a:lnTo>
-                  <a:pt x="1970026" y="0"/>
-                </a:lnTo>
-                <a:cubicBezTo>
-                  <a:pt x="2045246" y="0"/>
-                  <a:pt x="2106223" y="60977"/>
-                  <a:pt x="2106223" y="136197"/>
-                </a:cubicBezTo>
-                <a:lnTo>
-                  <a:pt x="2106223" y="1225770"/>
-                </a:lnTo>
-                <a:cubicBezTo>
-                  <a:pt x="2106223" y="1300990"/>
-                  <a:pt x="2045246" y="1361967"/>
-                  <a:pt x="1970026" y="1361967"/>
-                </a:cubicBezTo>
-                <a:lnTo>
-                  <a:pt x="136197" y="1361967"/>
-                </a:lnTo>
-                <a:cubicBezTo>
-                  <a:pt x="60977" y="1361967"/>
-                  <a:pt x="0" y="1300990"/>
-                  <a:pt x="0" y="1225770"/>
-                </a:cubicBezTo>
-                <a:lnTo>
-                  <a:pt x="0" y="136197"/>
-                </a:lnTo>
-                <a:close/>
-              </a:path>
-            </a:pathLst>
-          </a:custGeom>
-        </p:spPr>
-        <p:style>
-          <a:lnRef idx="2">
-            <a:schemeClr val="lt1">
-              <a:hueOff val="0"/>
-              <a:satOff val="0"/>
-              <a:lumOff val="0"/>
-              <a:alphaOff val="0"/>
-            </a:schemeClr>
-          </a:lnRef>
-          <a:fillRef idx="1">
-            <a:schemeClr val="accent2">
-              <a:hueOff val="0"/>
-              <a:satOff val="0"/>
-              <a:lumOff val="0"/>
-              <a:alphaOff val="0"/>
-            </a:schemeClr>
-          </a:fillRef>
-          <a:effectRef idx="0">
-            <a:schemeClr val="accent2">
-              <a:hueOff val="0"/>
-              <a:satOff val="0"/>
-              <a:lumOff val="0"/>
-              <a:alphaOff val="0"/>
-            </a:schemeClr>
-          </a:effectRef>
-          <a:fontRef idx="minor">
-            <a:schemeClr val="lt1"/>
-          </a:fontRef>
-        </p:style>
-        <p:txBody>
-          <a:bodyPr spcFirstLastPara="0" vert="horz" wrap="square" lIns="199911" tIns="199911" rIns="199911" bIns="199911" numCol="1" spcCol="1270" anchor="ctr" anchorCtr="0">
-            <a:noAutofit/>
-          </a:bodyPr>
-          <a:lstStyle/>
-          <a:p>
-            <a:pPr marL="0" lvl="0" indent="0" algn="ctr" defTabSz="1866900">
-              <a:lnSpc>
-                <a:spcPct val="90000"/>
-              </a:lnSpc>
-              <a:spcBef>
-                <a:spcPct val="0"/>
-              </a:spcBef>
-              <a:spcAft>
-                <a:spcPct val="35000"/>
-              </a:spcAft>
-              <a:buNone/>
-            </a:pPr>
-            <a:r>
-              <a:rPr lang="ur-PK" sz="4200" kern="1200" dirty="0"/>
-              <a:t>معنی</a:t>
-            </a:r>
-            <a:endParaRPr lang="en-GB" sz="4200" kern="1200" dirty="0"/>
-          </a:p>
-        </p:txBody>
-      </p:sp>
-      <p:sp>
-        <p:nvSpPr>
-          <p:cNvPr id="10" name="Freeform: Shape 9">
-            <a:extLst>
-              <a:ext uri="{FF2B5EF4-FFF2-40B4-BE49-F238E27FC236}">
-                <a16:creationId xmlns:a16="http://schemas.microsoft.com/office/drawing/2014/main" id="{298BDA30-5AE0-4E64-92D5-E3DFB12B0A70}"/>
-              </a:ext>
-            </a:extLst>
-          </p:cNvPr>
-          <p:cNvSpPr/>
-          <p:nvPr/>
-        </p:nvSpPr>
-        <p:spPr>
-          <a:xfrm>
-            <a:off x="182630" y="3656892"/>
-            <a:ext cx="2106223" cy="1361967"/>
-          </a:xfrm>
-          <a:custGeom>
-            <a:avLst/>
-            <a:gdLst>
-              <a:gd name="connsiteX0" fmla="*/ 0 w 2106223"/>
-              <a:gd name="connsiteY0" fmla="*/ 136197 h 1361967"/>
-              <a:gd name="connsiteX1" fmla="*/ 136197 w 2106223"/>
-              <a:gd name="connsiteY1" fmla="*/ 0 h 1361967"/>
-              <a:gd name="connsiteX2" fmla="*/ 1970026 w 2106223"/>
-              <a:gd name="connsiteY2" fmla="*/ 0 h 1361967"/>
-              <a:gd name="connsiteX3" fmla="*/ 2106223 w 2106223"/>
-              <a:gd name="connsiteY3" fmla="*/ 136197 h 1361967"/>
-              <a:gd name="connsiteX4" fmla="*/ 2106223 w 2106223"/>
-              <a:gd name="connsiteY4" fmla="*/ 1225770 h 1361967"/>
-              <a:gd name="connsiteX5" fmla="*/ 1970026 w 2106223"/>
-              <a:gd name="connsiteY5" fmla="*/ 1361967 h 1361967"/>
-              <a:gd name="connsiteX6" fmla="*/ 136197 w 2106223"/>
-              <a:gd name="connsiteY6" fmla="*/ 1361967 h 1361967"/>
-              <a:gd name="connsiteX7" fmla="*/ 0 w 2106223"/>
-              <a:gd name="connsiteY7" fmla="*/ 1225770 h 1361967"/>
-              <a:gd name="connsiteX8" fmla="*/ 0 w 2106223"/>
-              <a:gd name="connsiteY8" fmla="*/ 136197 h 1361967"/>
-            </a:gdLst>
-            <a:ahLst/>
-            <a:cxnLst>
-              <a:cxn ang="0">
-                <a:pos x="connsiteX0" y="connsiteY0"/>
-              </a:cxn>
-              <a:cxn ang="0">
-                <a:pos x="connsiteX1" y="connsiteY1"/>
-              </a:cxn>
-              <a:cxn ang="0">
-                <a:pos x="connsiteX2" y="connsiteY2"/>
-              </a:cxn>
-              <a:cxn ang="0">
-                <a:pos x="connsiteX3" y="connsiteY3"/>
-              </a:cxn>
-              <a:cxn ang="0">
-                <a:pos x="connsiteX4" y="connsiteY4"/>
-              </a:cxn>
-              <a:cxn ang="0">
-                <a:pos x="connsiteX5" y="connsiteY5"/>
-              </a:cxn>
-              <a:cxn ang="0">
-                <a:pos x="connsiteX6" y="connsiteY6"/>
-              </a:cxn>
-              <a:cxn ang="0">
-                <a:pos x="connsiteX7" y="connsiteY7"/>
-              </a:cxn>
-              <a:cxn ang="0">
-                <a:pos x="connsiteX8" y="connsiteY8"/>
-              </a:cxn>
-            </a:cxnLst>
-            <a:rect l="l" t="t" r="r" b="b"/>
-            <a:pathLst>
-              <a:path w="2106223" h="1361967">
-                <a:moveTo>
-                  <a:pt x="0" y="136197"/>
-                </a:moveTo>
-                <a:cubicBezTo>
-                  <a:pt x="0" y="60977"/>
-                  <a:pt x="60977" y="0"/>
-                  <a:pt x="136197" y="0"/>
-                </a:cubicBezTo>
-                <a:lnTo>
-                  <a:pt x="1970026" y="0"/>
-                </a:lnTo>
-                <a:cubicBezTo>
-                  <a:pt x="2045246" y="0"/>
-                  <a:pt x="2106223" y="60977"/>
-                  <a:pt x="2106223" y="136197"/>
-                </a:cubicBezTo>
-                <a:lnTo>
-                  <a:pt x="2106223" y="1225770"/>
-                </a:lnTo>
-                <a:cubicBezTo>
-                  <a:pt x="2106223" y="1300990"/>
-                  <a:pt x="2045246" y="1361967"/>
-                  <a:pt x="1970026" y="1361967"/>
-                </a:cubicBezTo>
-                <a:lnTo>
-                  <a:pt x="136197" y="1361967"/>
-                </a:lnTo>
-                <a:cubicBezTo>
-                  <a:pt x="60977" y="1361967"/>
-                  <a:pt x="0" y="1300990"/>
-                  <a:pt x="0" y="1225770"/>
-                </a:cubicBezTo>
-                <a:lnTo>
-                  <a:pt x="0" y="136197"/>
-                </a:lnTo>
-                <a:close/>
-              </a:path>
-            </a:pathLst>
-          </a:custGeom>
-        </p:spPr>
-        <p:style>
-          <a:lnRef idx="2">
-            <a:schemeClr val="lt1">
-              <a:hueOff val="0"/>
-              <a:satOff val="0"/>
-              <a:lumOff val="0"/>
-              <a:alphaOff val="0"/>
-            </a:schemeClr>
-          </a:lnRef>
-          <a:fillRef idx="1">
-            <a:schemeClr val="accent3">
-              <a:hueOff val="0"/>
-              <a:satOff val="0"/>
-              <a:lumOff val="0"/>
-              <a:alphaOff val="0"/>
-            </a:schemeClr>
-          </a:fillRef>
-          <a:effectRef idx="0">
-            <a:schemeClr val="accent3">
-              <a:hueOff val="0"/>
-              <a:satOff val="0"/>
-              <a:lumOff val="0"/>
-              <a:alphaOff val="0"/>
-            </a:schemeClr>
-          </a:effectRef>
-          <a:fontRef idx="minor">
-            <a:schemeClr val="lt1"/>
-          </a:fontRef>
-        </p:style>
-        <p:txBody>
-          <a:bodyPr spcFirstLastPara="0" vert="horz" wrap="square" lIns="131331" tIns="131331" rIns="131331" bIns="131331" numCol="1" spcCol="1270" anchor="ctr" anchorCtr="0">
-            <a:noAutofit/>
-          </a:bodyPr>
-          <a:lstStyle/>
-          <a:p>
-            <a:pPr marL="0" lvl="0" indent="0" algn="ctr" defTabSz="1066800">
-              <a:lnSpc>
-                <a:spcPct val="90000"/>
-              </a:lnSpc>
-              <a:spcBef>
-                <a:spcPct val="0"/>
-              </a:spcBef>
-              <a:spcAft>
-                <a:spcPct val="35000"/>
-              </a:spcAft>
-              <a:buNone/>
-            </a:pPr>
-            <a:r>
-              <a:rPr lang="ar-SA" sz="2400" kern="1200" dirty="0"/>
-              <a:t>أَنَّهُ مُشْتَرِكٌ بَيْنَ الحَالِ وَالاسْتِقْبالِ</a:t>
-            </a:r>
-            <a:endParaRPr lang="en-GB" sz="2400" kern="1200" dirty="0"/>
-          </a:p>
-        </p:txBody>
-      </p:sp>
-    </p:spTree>
-    <p:extLst>
-      <p:ext uri="{BB962C8B-B14F-4D97-AF65-F5344CB8AC3E}">
-        <p14:creationId xmlns:p14="http://schemas.microsoft.com/office/powerpoint/2010/main" val="2494760231"/>
-      </p:ext>
-    </p:extLst>
-  </p:cSld>
-  <p:clrMapOvr>
-    <a:masterClrMapping/>
-  </p:clrMapOvr>
-  <p:timing>
-    <p:tnLst>
-      <p:par>
-        <p:cTn id="1" dur="indefinite" restart="never" nodeType="tmRoot">
-          <p:childTnLst>
-            <p:seq concurrent="1" nextAc="seek">
-              <p:cTn id="2" dur="indefinite" nodeType="mainSeq">
-                <p:childTnLst>
-                  <p:par>
-                    <p:cTn id="3" fill="hold">
-                      <p:stCondLst>
-                        <p:cond delay="indefinite"/>
-                      </p:stCondLst>
-                      <p:childTnLst>
-                        <p:par>
-                          <p:cTn id="4" fill="hold">
-                            <p:stCondLst>
-                              <p:cond delay="0"/>
-                            </p:stCondLst>
-                            <p:childTnLst>
-                              <p:par>
-                                <p:cTn id="5" presetID="1" presetClass="entr" presetSubtype="0" fill="hold" grpId="0" nodeType="clickEffect">
-                                  <p:stCondLst>
-                                    <p:cond delay="0"/>
-                                  </p:stCondLst>
-                                  <p:childTnLst>
-                                    <p:set>
-                                      <p:cBhvr>
-                                        <p:cTn id="6" dur="1" fill="hold">
-                                          <p:stCondLst>
-                                            <p:cond delay="0"/>
-                                          </p:stCondLst>
-                                        </p:cTn>
-                                        <p:tgtEl>
-                                          <p:spTgt spid="4"/>
-                                        </p:tgtEl>
-                                        <p:attrNameLst>
-                                          <p:attrName>style.visibility</p:attrName>
-                                        </p:attrNameLst>
-                                      </p:cBhvr>
-                                      <p:to>
-                                        <p:strVal val="visible"/>
-                                      </p:to>
-                                    </p:set>
-                                  </p:childTnLst>
-                                </p:cTn>
-                              </p:par>
-                            </p:childTnLst>
-                          </p:cTn>
-                        </p:par>
-                      </p:childTnLst>
-                    </p:cTn>
-                  </p:par>
-                  <p:par>
-                    <p:cTn id="7" fill="hold">
-                      <p:stCondLst>
-                        <p:cond delay="indefinite"/>
-                      </p:stCondLst>
-                      <p:childTnLst>
-                        <p:par>
-                          <p:cTn id="8" fill="hold">
-                            <p:stCondLst>
-                              <p:cond delay="0"/>
-                            </p:stCondLst>
-                            <p:childTnLst>
-                              <p:par>
-                                <p:cTn id="9" presetID="1" presetClass="entr" presetSubtype="0" fill="hold" grpId="0" nodeType="clickEffect">
-                                  <p:stCondLst>
-                                    <p:cond delay="0"/>
-                                  </p:stCondLst>
-                                  <p:childTnLst>
-                                    <p:set>
-                                      <p:cBhvr>
-                                        <p:cTn id="10" dur="1" fill="hold">
-                                          <p:stCondLst>
-                                            <p:cond delay="0"/>
-                                          </p:stCondLst>
-                                        </p:cTn>
-                                        <p:tgtEl>
-                                          <p:spTgt spid="5"/>
-                                        </p:tgtEl>
-                                        <p:attrNameLst>
-                                          <p:attrName>style.visibility</p:attrName>
-                                        </p:attrNameLst>
-                                      </p:cBhvr>
-                                      <p:to>
-                                        <p:strVal val="visible"/>
-                                      </p:to>
-                                    </p:set>
-                                  </p:childTnLst>
-                                </p:cTn>
-                              </p:par>
-                            </p:childTnLst>
-                          </p:cTn>
-                        </p:par>
-                      </p:childTnLst>
-                    </p:cTn>
-                  </p:par>
-                  <p:par>
-                    <p:cTn id="11" fill="hold">
-                      <p:stCondLst>
-                        <p:cond delay="indefinite"/>
-                      </p:stCondLst>
-                      <p:childTnLst>
-                        <p:par>
-                          <p:cTn id="12" fill="hold">
-                            <p:stCondLst>
-                              <p:cond delay="0"/>
-                            </p:stCondLst>
-                            <p:childTnLst>
-                              <p:par>
-                                <p:cTn id="13" presetID="1" presetClass="entr" presetSubtype="0" fill="hold" grpId="0" nodeType="clickEffect">
-                                  <p:stCondLst>
-                                    <p:cond delay="0"/>
-                                  </p:stCondLst>
-                                  <p:childTnLst>
-                                    <p:set>
-                                      <p:cBhvr>
-                                        <p:cTn id="14" dur="1" fill="hold">
-                                          <p:stCondLst>
-                                            <p:cond delay="0"/>
-                                          </p:stCondLst>
-                                        </p:cTn>
-                                        <p:tgtEl>
-                                          <p:spTgt spid="9"/>
-                                        </p:tgtEl>
-                                        <p:attrNameLst>
-                                          <p:attrName>style.visibility</p:attrName>
-                                        </p:attrNameLst>
-                                      </p:cBhvr>
-                                      <p:to>
-                                        <p:strVal val="visible"/>
-                                      </p:to>
-                                    </p:set>
-                                  </p:childTnLst>
-                                </p:cTn>
-                              </p:par>
-                            </p:childTnLst>
-                          </p:cTn>
-                        </p:par>
-                      </p:childTnLst>
-                    </p:cTn>
-                  </p:par>
-                  <p:par>
-                    <p:cTn id="15" fill="hold">
-                      <p:stCondLst>
-                        <p:cond delay="indefinite"/>
-                      </p:stCondLst>
-                      <p:childTnLst>
-                        <p:par>
-                          <p:cTn id="16" fill="hold">
-                            <p:stCondLst>
-                              <p:cond delay="0"/>
-                            </p:stCondLst>
-                            <p:childTnLst>
-                              <p:par>
-                                <p:cTn id="17" presetID="1" presetClass="entr" presetSubtype="0" fill="hold" grpId="0" nodeType="clickEffect">
-                                  <p:stCondLst>
-                                    <p:cond delay="0"/>
-                                  </p:stCondLst>
-                                  <p:childTnLst>
-                                    <p:set>
-                                      <p:cBhvr>
-                                        <p:cTn id="18" dur="1" fill="hold">
-                                          <p:stCondLst>
-                                            <p:cond delay="0"/>
-                                          </p:stCondLst>
-                                        </p:cTn>
-                                        <p:tgtEl>
-                                          <p:spTgt spid="6"/>
-                                        </p:tgtEl>
-                                        <p:attrNameLst>
-                                          <p:attrName>style.visibility</p:attrName>
-                                        </p:attrNameLst>
-                                      </p:cBhvr>
-                                      <p:to>
-                                        <p:strVal val="visible"/>
-                                      </p:to>
-                                    </p:set>
-                                  </p:childTnLst>
-                                </p:cTn>
-                              </p:par>
-                            </p:childTnLst>
-                          </p:cTn>
-                        </p:par>
-                      </p:childTnLst>
-                    </p:cTn>
-                  </p:par>
-                  <p:par>
-                    <p:cTn id="19" fill="hold">
-                      <p:stCondLst>
-                        <p:cond delay="indefinite"/>
-                      </p:stCondLst>
-                      <p:childTnLst>
-                        <p:par>
-                          <p:cTn id="20" fill="hold">
-                            <p:stCondLst>
-                              <p:cond delay="0"/>
-                            </p:stCondLst>
-                            <p:childTnLst>
-                              <p:par>
-                                <p:cTn id="21" presetID="1" presetClass="entr" presetSubtype="0" fill="hold" grpId="0" nodeType="clickEffect">
-                                  <p:stCondLst>
-                                    <p:cond delay="0"/>
-                                  </p:stCondLst>
-                                  <p:childTnLst>
-                                    <p:set>
-                                      <p:cBhvr>
-                                        <p:cTn id="22" dur="1" fill="hold">
-                                          <p:stCondLst>
-                                            <p:cond delay="0"/>
-                                          </p:stCondLst>
-                                        </p:cTn>
-                                        <p:tgtEl>
-                                          <p:spTgt spid="7"/>
-                                        </p:tgtEl>
-                                        <p:attrNameLst>
-                                          <p:attrName>style.visibility</p:attrName>
-                                        </p:attrNameLst>
-                                      </p:cBhvr>
-                                      <p:to>
-                                        <p:strVal val="visible"/>
-                                      </p:to>
-                                    </p:set>
-                                  </p:childTnLst>
-                                </p:cTn>
-                              </p:par>
-                            </p:childTnLst>
-                          </p:cTn>
-                        </p:par>
-                      </p:childTnLst>
-                    </p:cTn>
-                  </p:par>
-                  <p:par>
-                    <p:cTn id="23" fill="hold">
-                      <p:stCondLst>
-                        <p:cond delay="indefinite"/>
-                      </p:stCondLst>
-                      <p:childTnLst>
-                        <p:par>
-                          <p:cTn id="24" fill="hold">
-                            <p:stCondLst>
-                              <p:cond delay="0"/>
-                            </p:stCondLst>
-                            <p:childTnLst>
-                              <p:par>
-                                <p:cTn id="25" presetID="1" presetClass="entr" presetSubtype="0" fill="hold" grpId="0" nodeType="clickEffect">
-                                  <p:stCondLst>
-                                    <p:cond delay="0"/>
-                                  </p:stCondLst>
-                                  <p:childTnLst>
-                                    <p:set>
-                                      <p:cBhvr>
-                                        <p:cTn id="26" dur="1" fill="hold">
-                                          <p:stCondLst>
-                                            <p:cond delay="0"/>
-                                          </p:stCondLst>
-                                        </p:cTn>
-                                        <p:tgtEl>
-                                          <p:spTgt spid="8"/>
-                                        </p:tgtEl>
-                                        <p:attrNameLst>
-                                          <p:attrName>style.visibility</p:attrName>
-                                        </p:attrNameLst>
-                                      </p:cBhvr>
-                                      <p:to>
-                                        <p:strVal val="visible"/>
-                                      </p:to>
-                                    </p:set>
-                                  </p:childTnLst>
-                                </p:cTn>
-                              </p:par>
-                            </p:childTnLst>
-                          </p:cTn>
-                        </p:par>
-                      </p:childTnLst>
-                    </p:cTn>
-                  </p:par>
-                  <p:par>
-                    <p:cTn id="27" fill="hold">
-                      <p:stCondLst>
-                        <p:cond delay="indefinite"/>
-                      </p:stCondLst>
-                      <p:childTnLst>
-                        <p:par>
-                          <p:cTn id="28" fill="hold">
-                            <p:stCondLst>
-                              <p:cond delay="0"/>
-                            </p:stCondLst>
-                            <p:childTnLst>
-                              <p:par>
-                                <p:cTn id="29" presetID="1" presetClass="entr" presetSubtype="0" fill="hold" grpId="0" nodeType="clickEffect">
-                                  <p:stCondLst>
-                                    <p:cond delay="0"/>
-                                  </p:stCondLst>
-                                  <p:childTnLst>
-                                    <p:set>
-                                      <p:cBhvr>
-                                        <p:cTn id="30" dur="1" fill="hold">
-                                          <p:stCondLst>
-                                            <p:cond delay="0"/>
-                                          </p:stCondLst>
-                                        </p:cTn>
-                                        <p:tgtEl>
-                                          <p:spTgt spid="10"/>
-                                        </p:tgtEl>
-                                        <p:attrNameLst>
-                                          <p:attrName>style.visibility</p:attrName>
-                                        </p:attrNameLst>
-                                      </p:cBhvr>
-                                      <p:to>
-                                        <p:strVal val="visible"/>
-                                      </p:to>
-                                    </p:set>
-                                  </p:childTnLst>
-                                </p:cTn>
-                              </p:par>
-                            </p:childTnLst>
-                          </p:cTn>
-                        </p:par>
-                      </p:childTnLst>
-                    </p:cTn>
-                  </p:par>
-                </p:childTnLst>
-              </p:cTn>
-              <p:prevCondLst>
-                <p:cond evt="onPrev" delay="0">
-                  <p:tgtEl>
-                    <p:sldTgt/>
-                  </p:tgtEl>
-                </p:cond>
-              </p:prevCondLst>
-              <p:nextCondLst>
-                <p:cond evt="onNext" delay="0">
-                  <p:tgtEl>
-                    <p:sldTgt/>
-                  </p:tgtEl>
-                </p:cond>
-              </p:nextCondLst>
-            </p:seq>
-          </p:childTnLst>
-        </p:cTn>
-      </p:par>
-    </p:tnLst>
-    <p:bldLst>
-      <p:bldP spid="4" grpId="0" animBg="1"/>
-      <p:bldP spid="5" grpId="0" animBg="1"/>
-      <p:bldP spid="6" grpId="0" animBg="1"/>
-      <p:bldP spid="7" grpId="0" animBg="1"/>
-      <p:bldP spid="8" grpId="0" animBg="1"/>
-      <p:bldP spid="9" grpId="0" animBg="1"/>
-      <p:bldP spid="10" grpId="0" animBg="1"/>
-    </p:bldLst>
-  </p:timing>
-</p:sld>
-</file>
-
-<file path=ppt/slides/slide9.xml><?xml version="1.0" encoding="utf-8"?>
-<p:sld xmlns:a="http://schemas.openxmlformats.org/drawingml/2006/main" xmlns:r="http://schemas.openxmlformats.org/officeDocument/2006/relationships" xmlns:p="http://schemas.openxmlformats.org/presentationml/2006/main">
-  <p:cSld>
-    <p:spTree>
-      <p:nvGrpSpPr>
-        <p:cNvPr id="1" name=""/>
-        <p:cNvGrpSpPr/>
-        <p:nvPr/>
-      </p:nvGrpSpPr>
-      <p:grpSpPr>
-        <a:xfrm>
-          <a:off x="0" y="0"/>
-          <a:ext cx="0" cy="0"/>
-          <a:chOff x="0" y="0"/>
-          <a:chExt cx="0" cy="0"/>
-        </a:xfrm>
-      </p:grpSpPr>
-      <p:sp>
-        <p:nvSpPr>
-          <p:cNvPr id="11" name="Arrow: Pentagon 10">
-            <a:extLst>
-              <a:ext uri="{FF2B5EF4-FFF2-40B4-BE49-F238E27FC236}">
-                <a16:creationId xmlns:a16="http://schemas.microsoft.com/office/drawing/2014/main" id="{5517573A-6CE9-4888-8279-E2F671151A41}"/>
-              </a:ext>
-            </a:extLst>
-          </p:cNvPr>
-          <p:cNvSpPr/>
-          <p:nvPr/>
-        </p:nvSpPr>
-        <p:spPr>
-          <a:xfrm flipH="1">
-            <a:off x="7344848" y="0"/>
-            <a:ext cx="1799151" cy="582595"/>
-          </a:xfrm>
-          <a:prstGeom prst="homePlate">
-            <a:avLst>
-              <a:gd name="adj" fmla="val 18654"/>
-            </a:avLst>
-          </a:prstGeom>
-          <a:ln>
-            <a:solidFill>
-              <a:schemeClr val="accent5"/>
-            </a:solidFill>
-          </a:ln>
-        </p:spPr>
-        <p:style>
-          <a:lnRef idx="2">
-            <a:schemeClr val="accent6">
-              <a:shade val="50000"/>
-            </a:schemeClr>
-          </a:lnRef>
-          <a:fillRef idx="1">
-            <a:schemeClr val="accent6"/>
-          </a:fillRef>
-          <a:effectRef idx="0">
-            <a:schemeClr val="accent6"/>
-          </a:effectRef>
-          <a:fontRef idx="minor">
-            <a:schemeClr val="lt1"/>
-          </a:fontRef>
-        </p:style>
-        <p:txBody>
-          <a:bodyPr rtlCol="0" anchor="ctr"/>
-          <a:lstStyle/>
-          <a:p>
-            <a:pPr algn="ctr"/>
-            <a:r>
-              <a:rPr lang="ur-PK" sz="1800" b="1" dirty="0">
-                <a:ln w="0"/>
-                <a:solidFill>
-                  <a:schemeClr val="bg1"/>
-                </a:solidFill>
-                <a:effectLst>
-                  <a:outerShdw blurRad="38100" dist="19050" dir="2700000" algn="tl" rotWithShape="0">
-                    <a:schemeClr val="dk1">
-                      <a:alpha val="40000"/>
-                    </a:schemeClr>
-                  </a:outerShdw>
-                </a:effectLst>
-                <a:latin typeface="adwa-assalaf" panose="02000000000000000000" pitchFamily="2" charset="-78"/>
-                <a:cs typeface="adwa-assalaf" panose="02000000000000000000" pitchFamily="2" charset="-78"/>
-              </a:rPr>
-              <a:t>الْقِسْمُ الثَّانِيْ فِي الْفِعْلِ</a:t>
-            </a:r>
-            <a:endParaRPr lang="en-GB" sz="1800" b="1" dirty="0">
-              <a:ln w="0"/>
-              <a:solidFill>
-                <a:schemeClr val="bg1"/>
-              </a:solidFill>
-              <a:effectLst>
-                <a:outerShdw blurRad="38100" dist="19050" dir="2700000" algn="tl" rotWithShape="0">
-                  <a:schemeClr val="dk1">
-                    <a:alpha val="40000"/>
-                  </a:schemeClr>
-                </a:outerShdw>
-              </a:effectLst>
-              <a:latin typeface="adwa-assalaf" panose="02000000000000000000" pitchFamily="2" charset="-78"/>
-              <a:cs typeface="adwa-assalaf" panose="02000000000000000000" pitchFamily="2" charset="-78"/>
-            </a:endParaRPr>
-          </a:p>
-        </p:txBody>
-      </p:sp>
-      <p:sp>
-        <p:nvSpPr>
-          <p:cNvPr id="17" name="Content Placeholder 5">
-            <a:extLst>
-              <a:ext uri="{FF2B5EF4-FFF2-40B4-BE49-F238E27FC236}">
-                <a16:creationId xmlns:a16="http://schemas.microsoft.com/office/drawing/2014/main" id="{065B51BA-E560-414B-81A5-9C3EC28BB3C6}"/>
-              </a:ext>
-            </a:extLst>
-          </p:cNvPr>
-          <p:cNvSpPr>
-            <a:spLocks noGrp="1"/>
-          </p:cNvSpPr>
-          <p:nvPr>
-            <p:ph idx="1"/>
-          </p:nvPr>
-        </p:nvSpPr>
-        <p:spPr>
-          <a:xfrm>
-            <a:off x="179388" y="627063"/>
-            <a:ext cx="8785225" cy="4392612"/>
-          </a:xfrm>
-        </p:spPr>
-        <p:txBody>
-          <a:bodyPr>
-            <a:normAutofit fontScale="62500" lnSpcReduction="20000"/>
-          </a:bodyPr>
-          <a:lstStyle/>
-          <a:p>
-            <a:pPr rtl="1"/>
-            <a:r>
-              <a:rPr lang="ar-SA" b="1" dirty="0"/>
-              <a:t>[الفِعْلُ المُضارِعُ]</a:t>
-            </a:r>
-            <a:endParaRPr lang="en-GB" b="1" dirty="0"/>
-          </a:p>
-          <a:p>
-            <a:pPr rtl="1"/>
-            <a:r>
-              <a:rPr lang="ar-SA" dirty="0"/>
-              <a:t>الثَّانِيْ المُضارِعُ وَهُوَ </a:t>
-            </a:r>
-            <a:r>
-              <a:rPr lang="ur-PK" dirty="0"/>
-              <a:t>فِعْلٌ يُشْبِهُ الاسْمَ بِأِحْدٰی حُرُوفِ أَتَيْنَ فِي أَوّلِهِ </a:t>
-            </a:r>
-          </a:p>
-          <a:p>
-            <a:pPr rtl="1"/>
-            <a:r>
-              <a:rPr lang="ur-PK" dirty="0"/>
-              <a:t>	لَفْظًا </a:t>
-            </a:r>
-          </a:p>
-          <a:p>
-            <a:pPr rtl="1"/>
-            <a:r>
-              <a:rPr lang="ur-PK" dirty="0"/>
-              <a:t>		فِي </a:t>
-            </a:r>
-            <a:r>
-              <a:rPr lang="ar-SA" dirty="0"/>
-              <a:t>اِتِّفَاق</a:t>
-            </a:r>
-            <a:r>
-              <a:rPr lang="ur-PK" dirty="0"/>
-              <a:t>ِ</a:t>
-            </a:r>
-            <a:r>
-              <a:rPr lang="ar-SA" dirty="0"/>
-              <a:t> الْحَرَكاتِ وَالسَّكَنَاتِ نَحْوُ: يَضْرِبُ، وَيَسْتَخْرِجُ، كَضَارِبٍ، ومُسْتَخْرِجٍ. </a:t>
-            </a:r>
-            <a:endParaRPr lang="en-GB" dirty="0"/>
-          </a:p>
-          <a:p>
-            <a:pPr lvl="0" rtl="1"/>
-            <a:r>
-              <a:rPr lang="ur-PK" dirty="0"/>
-              <a:t>		</a:t>
-            </a:r>
-            <a:r>
-              <a:rPr lang="ar-SA" dirty="0"/>
-              <a:t>وَفِيْ دُخُولِ لَامِ التَّأكيدِ فِي أوَّلِهِمَا، تَقُولُ: إنَّ زَيْدًا لَيَقٌومُ كَمَا تَقُولُ إنَّ زَيْدًا لَقائِمٌ </a:t>
-            </a:r>
-            <a:endParaRPr lang="en-GB" dirty="0"/>
-          </a:p>
-          <a:p>
-            <a:pPr lvl="0" rtl="1"/>
-            <a:r>
-              <a:rPr lang="ur-PK" dirty="0"/>
-              <a:t>		</a:t>
-            </a:r>
-            <a:r>
-              <a:rPr lang="ar-SA" dirty="0"/>
-              <a:t>وَفِيْ تَسَاوِيْهِمَا فِي عَدَدِ الحُرُوفِ.</a:t>
-            </a:r>
-            <a:endParaRPr lang="en-GB" dirty="0"/>
-          </a:p>
-          <a:p>
-            <a:pPr lvl="0" rtl="1"/>
-            <a:r>
-              <a:rPr lang="ur-PK" dirty="0"/>
-              <a:t>	</a:t>
-            </a:r>
-            <a:r>
-              <a:rPr lang="ar-SA" dirty="0"/>
-              <a:t>وَمَعْنىً فِي أَنَّهُ مُشْتَرِكٌ بَيْنَ الحَالِ وَالاسْتِقْبالِ، كَاسْمِ الفاعِلِ ولِذلِك سَمَّوْهُ مُضارِعًا.</a:t>
-            </a:r>
-            <a:endParaRPr lang="en-GB" dirty="0"/>
-          </a:p>
-        </p:txBody>
-      </p:sp>
-    </p:spTree>
-    <p:extLst>
-      <p:ext uri="{BB962C8B-B14F-4D97-AF65-F5344CB8AC3E}">
-        <p14:creationId xmlns:p14="http://schemas.microsoft.com/office/powerpoint/2010/main" val="1392997130"/>
       </p:ext>
     </p:extLst>
   </p:cSld>
@@ -11550,6 +12706,386 @@
                                           <p:spTgt spid="17">
                                             <p:txEl>
                                               <p:pRg st="6" end="6"/>
+                                            </p:txEl>
+                                          </p:spTgt>
+                                        </p:tgtEl>
+                                        <p:attrNameLst>
+                                          <p:attrName>style.visibility</p:attrName>
+                                        </p:attrNameLst>
+                                      </p:cBhvr>
+                                      <p:to>
+                                        <p:strVal val="visible"/>
+                                      </p:to>
+                                    </p:set>
+                                  </p:childTnLst>
+                                </p:cTn>
+                              </p:par>
+                            </p:childTnLst>
+                          </p:cTn>
+                        </p:par>
+                      </p:childTnLst>
+                    </p:cTn>
+                  </p:par>
+                </p:childTnLst>
+              </p:cTn>
+              <p:prevCondLst>
+                <p:cond evt="onPrev" delay="0">
+                  <p:tgtEl>
+                    <p:sldTgt/>
+                  </p:tgtEl>
+                </p:cond>
+              </p:prevCondLst>
+              <p:nextCondLst>
+                <p:cond evt="onNext" delay="0">
+                  <p:tgtEl>
+                    <p:sldTgt/>
+                  </p:tgtEl>
+                </p:cond>
+              </p:nextCondLst>
+            </p:seq>
+          </p:childTnLst>
+        </p:cTn>
+      </p:par>
+    </p:tnLst>
+    <p:bldLst>
+      <p:bldP spid="17" grpId="0" uiExpand="1" build="p"/>
+    </p:bldLst>
+  </p:timing>
+</p:sld>
+</file>
+
+<file path=ppt/slides/slide8.xml><?xml version="1.0" encoding="utf-8"?>
+<p:sld xmlns:a="http://schemas.openxmlformats.org/drawingml/2006/main" xmlns:r="http://schemas.openxmlformats.org/officeDocument/2006/relationships" xmlns:p="http://schemas.openxmlformats.org/presentationml/2006/main">
+  <p:cSld>
+    <p:spTree>
+      <p:nvGrpSpPr>
+        <p:cNvPr id="1" name=""/>
+        <p:cNvGrpSpPr/>
+        <p:nvPr/>
+      </p:nvGrpSpPr>
+      <p:grpSpPr>
+        <a:xfrm>
+          <a:off x="0" y="0"/>
+          <a:ext cx="0" cy="0"/>
+          <a:chOff x="0" y="0"/>
+          <a:chExt cx="0" cy="0"/>
+        </a:xfrm>
+      </p:grpSpPr>
+      <p:sp>
+        <p:nvSpPr>
+          <p:cNvPr id="11" name="Arrow: Pentagon 10">
+            <a:extLst>
+              <a:ext uri="{FF2B5EF4-FFF2-40B4-BE49-F238E27FC236}">
+                <a16:creationId xmlns:a16="http://schemas.microsoft.com/office/drawing/2014/main" id="{5517573A-6CE9-4888-8279-E2F671151A41}"/>
+              </a:ext>
+            </a:extLst>
+          </p:cNvPr>
+          <p:cNvSpPr/>
+          <p:nvPr/>
+        </p:nvSpPr>
+        <p:spPr>
+          <a:xfrm flipH="1">
+            <a:off x="7344848" y="0"/>
+            <a:ext cx="1799151" cy="582595"/>
+          </a:xfrm>
+          <a:prstGeom prst="homePlate">
+            <a:avLst>
+              <a:gd name="adj" fmla="val 18654"/>
+            </a:avLst>
+          </a:prstGeom>
+          <a:ln>
+            <a:solidFill>
+              <a:schemeClr val="accent5"/>
+            </a:solidFill>
+          </a:ln>
+        </p:spPr>
+        <p:style>
+          <a:lnRef idx="2">
+            <a:schemeClr val="accent6">
+              <a:shade val="50000"/>
+            </a:schemeClr>
+          </a:lnRef>
+          <a:fillRef idx="1">
+            <a:schemeClr val="accent6"/>
+          </a:fillRef>
+          <a:effectRef idx="0">
+            <a:schemeClr val="accent6"/>
+          </a:effectRef>
+          <a:fontRef idx="minor">
+            <a:schemeClr val="lt1"/>
+          </a:fontRef>
+        </p:style>
+        <p:txBody>
+          <a:bodyPr rtlCol="0" anchor="ctr"/>
+          <a:lstStyle/>
+          <a:p>
+            <a:pPr algn="ctr"/>
+            <a:r>
+              <a:rPr lang="ur-PK" sz="1800" b="1" dirty="0">
+                <a:ln w="0"/>
+                <a:solidFill>
+                  <a:schemeClr val="bg1"/>
+                </a:solidFill>
+                <a:effectLst>
+                  <a:outerShdw blurRad="38100" dist="19050" dir="2700000" algn="tl" rotWithShape="0">
+                    <a:schemeClr val="dk1">
+                      <a:alpha val="40000"/>
+                    </a:schemeClr>
+                  </a:outerShdw>
+                </a:effectLst>
+                <a:latin typeface="adwa-assalaf" panose="02000000000000000000" pitchFamily="2" charset="-78"/>
+                <a:cs typeface="adwa-assalaf" panose="02000000000000000000" pitchFamily="2" charset="-78"/>
+              </a:rPr>
+              <a:t>الْقِسْمُ الثَّانِيْ فِي الْفِعْلِ</a:t>
+            </a:r>
+            <a:endParaRPr lang="en-GB" sz="1800" b="1" dirty="0">
+              <a:ln w="0"/>
+              <a:solidFill>
+                <a:schemeClr val="bg1"/>
+              </a:solidFill>
+              <a:effectLst>
+                <a:outerShdw blurRad="38100" dist="19050" dir="2700000" algn="tl" rotWithShape="0">
+                  <a:schemeClr val="dk1">
+                    <a:alpha val="40000"/>
+                  </a:schemeClr>
+                </a:outerShdw>
+              </a:effectLst>
+              <a:latin typeface="adwa-assalaf" panose="02000000000000000000" pitchFamily="2" charset="-78"/>
+              <a:cs typeface="adwa-assalaf" panose="02000000000000000000" pitchFamily="2" charset="-78"/>
+            </a:endParaRPr>
+          </a:p>
+        </p:txBody>
+      </p:sp>
+      <p:graphicFrame>
+        <p:nvGraphicFramePr>
+          <p:cNvPr id="2" name="Content Placeholder 1">
+            <a:extLst>
+              <a:ext uri="{FF2B5EF4-FFF2-40B4-BE49-F238E27FC236}">
+                <a16:creationId xmlns:a16="http://schemas.microsoft.com/office/drawing/2014/main" id="{85960109-16DD-4AEB-A1AD-847E0347E396}"/>
+              </a:ext>
+            </a:extLst>
+          </p:cNvPr>
+          <p:cNvGraphicFramePr>
+            <a:graphicFrameLocks noGrp="1"/>
+          </p:cNvGraphicFramePr>
+          <p:nvPr>
+            <p:ph idx="1"/>
+            <p:extLst>
+              <p:ext uri="{D42A27DB-BD31-4B8C-83A1-F6EECF244321}">
+                <p14:modId xmlns:p14="http://schemas.microsoft.com/office/powerpoint/2010/main" val="2461568160"/>
+              </p:ext>
+            </p:extLst>
+          </p:nvPr>
+        </p:nvGraphicFramePr>
+        <p:xfrm>
+          <a:off x="179388" y="627063"/>
+          <a:ext cx="8785225" cy="4392612"/>
+        </p:xfrm>
+        <a:graphic>
+          <a:graphicData uri="http://schemas.openxmlformats.org/drawingml/2006/diagram">
+            <dgm:relIds xmlns:dgm="http://schemas.openxmlformats.org/drawingml/2006/diagram" xmlns:r="http://schemas.openxmlformats.org/officeDocument/2006/relationships" r:dm="rId2" r:lo="rId3" r:qs="rId4" r:cs="rId5"/>
+          </a:graphicData>
+        </a:graphic>
+      </p:graphicFrame>
+    </p:spTree>
+    <p:extLst>
+      <p:ext uri="{BB962C8B-B14F-4D97-AF65-F5344CB8AC3E}">
+        <p14:creationId xmlns:p14="http://schemas.microsoft.com/office/powerpoint/2010/main" val="2494760231"/>
+      </p:ext>
+    </p:extLst>
+  </p:cSld>
+  <p:clrMapOvr>
+    <a:masterClrMapping/>
+  </p:clrMapOvr>
+</p:sld>
+</file>
+
+<file path=ppt/slides/slide9.xml><?xml version="1.0" encoding="utf-8"?>
+<p:sld xmlns:a="http://schemas.openxmlformats.org/drawingml/2006/main" xmlns:r="http://schemas.openxmlformats.org/officeDocument/2006/relationships" xmlns:p="http://schemas.openxmlformats.org/presentationml/2006/main">
+  <p:cSld>
+    <p:spTree>
+      <p:nvGrpSpPr>
+        <p:cNvPr id="1" name=""/>
+        <p:cNvGrpSpPr/>
+        <p:nvPr/>
+      </p:nvGrpSpPr>
+      <p:grpSpPr>
+        <a:xfrm>
+          <a:off x="0" y="0"/>
+          <a:ext cx="0" cy="0"/>
+          <a:chOff x="0" y="0"/>
+          <a:chExt cx="0" cy="0"/>
+        </a:xfrm>
+      </p:grpSpPr>
+      <p:sp>
+        <p:nvSpPr>
+          <p:cNvPr id="11" name="Arrow: Pentagon 10">
+            <a:extLst>
+              <a:ext uri="{FF2B5EF4-FFF2-40B4-BE49-F238E27FC236}">
+                <a16:creationId xmlns:a16="http://schemas.microsoft.com/office/drawing/2014/main" id="{5517573A-6CE9-4888-8279-E2F671151A41}"/>
+              </a:ext>
+            </a:extLst>
+          </p:cNvPr>
+          <p:cNvSpPr/>
+          <p:nvPr/>
+        </p:nvSpPr>
+        <p:spPr>
+          <a:xfrm flipH="1">
+            <a:off x="7344848" y="0"/>
+            <a:ext cx="1799151" cy="582595"/>
+          </a:xfrm>
+          <a:prstGeom prst="homePlate">
+            <a:avLst>
+              <a:gd name="adj" fmla="val 18654"/>
+            </a:avLst>
+          </a:prstGeom>
+          <a:ln>
+            <a:solidFill>
+              <a:schemeClr val="accent5"/>
+            </a:solidFill>
+          </a:ln>
+        </p:spPr>
+        <p:style>
+          <a:lnRef idx="2">
+            <a:schemeClr val="accent6">
+              <a:shade val="50000"/>
+            </a:schemeClr>
+          </a:lnRef>
+          <a:fillRef idx="1">
+            <a:schemeClr val="accent6"/>
+          </a:fillRef>
+          <a:effectRef idx="0">
+            <a:schemeClr val="accent6"/>
+          </a:effectRef>
+          <a:fontRef idx="minor">
+            <a:schemeClr val="lt1"/>
+          </a:fontRef>
+        </p:style>
+        <p:txBody>
+          <a:bodyPr rtlCol="0" anchor="ctr"/>
+          <a:lstStyle/>
+          <a:p>
+            <a:pPr algn="ctr"/>
+            <a:r>
+              <a:rPr lang="ur-PK" sz="1800" b="1" dirty="0">
+                <a:ln w="0"/>
+                <a:solidFill>
+                  <a:schemeClr val="bg1"/>
+                </a:solidFill>
+                <a:effectLst>
+                  <a:outerShdw blurRad="38100" dist="19050" dir="2700000" algn="tl" rotWithShape="0">
+                    <a:schemeClr val="dk1">
+                      <a:alpha val="40000"/>
+                    </a:schemeClr>
+                  </a:outerShdw>
+                </a:effectLst>
+                <a:latin typeface="adwa-assalaf" panose="02000000000000000000" pitchFamily="2" charset="-78"/>
+                <a:cs typeface="adwa-assalaf" panose="02000000000000000000" pitchFamily="2" charset="-78"/>
+              </a:rPr>
+              <a:t>الْقِسْمُ الثَّانِيْ فِي الْفِعْلِ</a:t>
+            </a:r>
+            <a:endParaRPr lang="en-GB" sz="1800" b="1" dirty="0">
+              <a:ln w="0"/>
+              <a:solidFill>
+                <a:schemeClr val="bg1"/>
+              </a:solidFill>
+              <a:effectLst>
+                <a:outerShdw blurRad="38100" dist="19050" dir="2700000" algn="tl" rotWithShape="0">
+                  <a:schemeClr val="dk1">
+                    <a:alpha val="40000"/>
+                  </a:schemeClr>
+                </a:outerShdw>
+              </a:effectLst>
+              <a:latin typeface="adwa-assalaf" panose="02000000000000000000" pitchFamily="2" charset="-78"/>
+              <a:cs typeface="adwa-assalaf" panose="02000000000000000000" pitchFamily="2" charset="-78"/>
+            </a:endParaRPr>
+          </a:p>
+        </p:txBody>
+      </p:sp>
+      <p:sp>
+        <p:nvSpPr>
+          <p:cNvPr id="17" name="Content Placeholder 5">
+            <a:extLst>
+              <a:ext uri="{FF2B5EF4-FFF2-40B4-BE49-F238E27FC236}">
+                <a16:creationId xmlns:a16="http://schemas.microsoft.com/office/drawing/2014/main" id="{065B51BA-E560-414B-81A5-9C3EC28BB3C6}"/>
+              </a:ext>
+            </a:extLst>
+          </p:cNvPr>
+          <p:cNvSpPr>
+            <a:spLocks noGrp="1"/>
+          </p:cNvSpPr>
+          <p:nvPr>
+            <p:ph idx="1"/>
+          </p:nvPr>
+        </p:nvSpPr>
+        <p:spPr>
+          <a:xfrm>
+            <a:off x="179388" y="627063"/>
+            <a:ext cx="8785225" cy="4392612"/>
+          </a:xfrm>
+        </p:spPr>
+        <p:txBody>
+          <a:bodyPr>
+            <a:normAutofit/>
+          </a:bodyPr>
+          <a:lstStyle/>
+          <a:p>
+            <a:pPr rtl="1"/>
+            <a:r>
+              <a:rPr lang="ur-PK" dirty="0"/>
+              <a:t>والسّينُ وسَوْفَ تُخَصِّصُهُ بِالاسْتِقْبالِ، نِحْوُ سَيَضْرِبُ واللاَّمُ المَفْتُوحَةُ بِالحالِ، نَحْوُ لَيَضْرِبُ. </a:t>
+            </a:r>
+            <a:endParaRPr lang="en-GB" dirty="0"/>
+          </a:p>
+        </p:txBody>
+      </p:sp>
+    </p:spTree>
+    <p:extLst>
+      <p:ext uri="{BB962C8B-B14F-4D97-AF65-F5344CB8AC3E}">
+        <p14:creationId xmlns:p14="http://schemas.microsoft.com/office/powerpoint/2010/main" val="131871736"/>
+      </p:ext>
+    </p:extLst>
+  </p:cSld>
+  <p:clrMapOvr>
+    <a:masterClrMapping/>
+  </p:clrMapOvr>
+  <p:timing>
+    <p:tnLst>
+      <p:par>
+        <p:cTn id="1" dur="indefinite" restart="never" nodeType="tmRoot">
+          <p:childTnLst>
+            <p:seq concurrent="1" nextAc="seek">
+              <p:cTn id="2" dur="indefinite" nodeType="mainSeq">
+                <p:childTnLst>
+                  <p:par>
+                    <p:cTn id="3" fill="hold">
+                      <p:stCondLst>
+                        <p:cond delay="indefinite"/>
+                      </p:stCondLst>
+                      <p:childTnLst>
+                        <p:par>
+                          <p:cTn id="4" fill="hold">
+                            <p:stCondLst>
+                              <p:cond delay="0"/>
+                            </p:stCondLst>
+                            <p:childTnLst>
+                              <p:par>
+                                <p:cTn id="5" presetID="1" presetClass="entr" presetSubtype="0" fill="hold" grpId="0" nodeType="clickEffect">
+                                  <p:stCondLst>
+                                    <p:cond delay="0"/>
+                                  </p:stCondLst>
+                                  <p:childTnLst>
+                                    <p:set>
+                                      <p:cBhvr>
+                                        <p:cTn id="6" dur="1" fill="hold">
+                                          <p:stCondLst>
+                                            <p:cond delay="0"/>
+                                          </p:stCondLst>
+                                        </p:cTn>
+                                        <p:tgtEl>
+                                          <p:spTgt spid="17">
+                                            <p:txEl>
+                                              <p:pRg st="0" end="0"/>
                                             </p:txEl>
                                           </p:spTgt>
                                         </p:tgtEl>
